--- a/BTech_Final_Project_Handwritting_analysis.pptx
+++ b/BTech_Final_Project_Handwritting_analysis.pptx
@@ -8,18 +8,24 @@
     <p:sldId id="256" r:id="rId2"/>
     <p:sldId id="262" r:id="rId3"/>
     <p:sldId id="263" r:id="rId4"/>
-    <p:sldId id="279" r:id="rId5"/>
-    <p:sldId id="281" r:id="rId6"/>
-    <p:sldId id="282" r:id="rId7"/>
-    <p:sldId id="283" r:id="rId8"/>
-    <p:sldId id="284" r:id="rId9"/>
-    <p:sldId id="285" r:id="rId10"/>
-    <p:sldId id="286" r:id="rId11"/>
-    <p:sldId id="287" r:id="rId12"/>
-    <p:sldId id="288" r:id="rId13"/>
-    <p:sldId id="273" r:id="rId14"/>
-    <p:sldId id="278" r:id="rId15"/>
-    <p:sldId id="272" r:id="rId16"/>
+    <p:sldId id="289" r:id="rId5"/>
+    <p:sldId id="290" r:id="rId6"/>
+    <p:sldId id="291" r:id="rId7"/>
+    <p:sldId id="292" r:id="rId8"/>
+    <p:sldId id="279" r:id="rId9"/>
+    <p:sldId id="281" r:id="rId10"/>
+    <p:sldId id="294" r:id="rId11"/>
+    <p:sldId id="282" r:id="rId12"/>
+    <p:sldId id="283" r:id="rId13"/>
+    <p:sldId id="284" r:id="rId14"/>
+    <p:sldId id="285" r:id="rId15"/>
+    <p:sldId id="286" r:id="rId16"/>
+    <p:sldId id="287" r:id="rId17"/>
+    <p:sldId id="288" r:id="rId18"/>
+    <p:sldId id="273" r:id="rId19"/>
+    <p:sldId id="293" r:id="rId20"/>
+    <p:sldId id="278" r:id="rId21"/>
+    <p:sldId id="272" r:id="rId22"/>
   </p:sldIdLst>
   <p:sldSz cx="12192000" cy="6858000"/>
   <p:notesSz cx="6858000" cy="9144000"/>
@@ -1866,134 +1872,6 @@
         </a:p>
       </dgm:t>
     </dgm:pt>
-    <dgm:pt modelId="{C803AF27-C005-4533-8B5B-F13DF15D18E2}">
-      <dgm:prSet phldrT="[Text]"/>
-      <dgm:spPr/>
-      <dgm:t>
-        <a:bodyPr/>
-        <a:lstStyle/>
-        <a:p>
-          <a:r>
-            <a:rPr lang="en-US" b="1" dirty="0"/>
-            <a:t>More Languages Support</a:t>
-          </a:r>
-        </a:p>
-      </dgm:t>
-    </dgm:pt>
-    <dgm:pt modelId="{64BF31B5-9412-40D2-A164-1548B98721E0}" type="parTrans" cxnId="{D4E686FB-E7CF-4966-B8C9-C6D983D35F92}">
-      <dgm:prSet/>
-      <dgm:spPr/>
-      <dgm:t>
-        <a:bodyPr/>
-        <a:lstStyle/>
-        <a:p>
-          <a:endParaRPr lang="en-US"/>
-        </a:p>
-      </dgm:t>
-    </dgm:pt>
-    <dgm:pt modelId="{5010169B-82AB-4501-A2AF-83D5656D70E3}" type="sibTrans" cxnId="{D4E686FB-E7CF-4966-B8C9-C6D983D35F92}">
-      <dgm:prSet/>
-      <dgm:spPr/>
-      <dgm:t>
-        <a:bodyPr/>
-        <a:lstStyle/>
-        <a:p>
-          <a:endParaRPr lang="en-US"/>
-        </a:p>
-      </dgm:t>
-    </dgm:pt>
-    <dgm:pt modelId="{0ECBB02D-85B5-4BE7-BB7C-E7E3368127AD}">
-      <dgm:prSet phldrT="[Text]"/>
-      <dgm:spPr/>
-      <dgm:t>
-        <a:bodyPr/>
-        <a:lstStyle/>
-        <a:p>
-          <a:r>
-            <a:rPr lang="en-US" b="1" dirty="0">
-              <a:latin typeface="+mn-lt"/>
-            </a:rPr>
-            <a:t>Currently</a:t>
-          </a:r>
-          <a:r>
-            <a:rPr lang="en-US" dirty="0">
-              <a:latin typeface="+mn-lt"/>
-            </a:rPr>
-            <a:t> we test this model with only </a:t>
-          </a:r>
-          <a:r>
-            <a:rPr lang="en-US" b="1" dirty="0">
-              <a:latin typeface="+mn-lt"/>
-            </a:rPr>
-            <a:t>English dataset</a:t>
-          </a:r>
-          <a:r>
-            <a:rPr lang="en-US" dirty="0">
-              <a:latin typeface="+mn-lt"/>
-            </a:rPr>
-            <a:t>. Will test this model with </a:t>
-          </a:r>
-          <a:r>
-            <a:rPr lang="en-US" b="1" dirty="0">
-              <a:latin typeface="+mn-lt"/>
-            </a:rPr>
-            <a:t>regional languages </a:t>
-          </a:r>
-          <a:r>
-            <a:rPr lang="en-US" dirty="0">
-              <a:latin typeface="+mn-lt"/>
-            </a:rPr>
-            <a:t>like </a:t>
-          </a:r>
-          <a:r>
-            <a:rPr lang="en-US" b="1" dirty="0">
-              <a:latin typeface="+mn-lt"/>
-            </a:rPr>
-            <a:t>Bengali</a:t>
-          </a:r>
-          <a:r>
-            <a:rPr lang="en-US" dirty="0">
-              <a:latin typeface="+mn-lt"/>
-            </a:rPr>
-            <a:t> and </a:t>
-          </a:r>
-          <a:r>
-            <a:rPr lang="en-US" b="1" dirty="0">
-              <a:latin typeface="+mn-lt"/>
-            </a:rPr>
-            <a:t>Hindi</a:t>
-          </a:r>
-          <a:r>
-            <a:rPr lang="en-US" dirty="0">
-              <a:latin typeface="+mn-lt"/>
-            </a:rPr>
-            <a:t>.</a:t>
-          </a:r>
-        </a:p>
-      </dgm:t>
-    </dgm:pt>
-    <dgm:pt modelId="{A35B6630-2AA5-476D-A6F3-05D81EB8A241}" type="parTrans" cxnId="{9AD02D5B-7A0A-4193-B98C-0E0386C07094}">
-      <dgm:prSet/>
-      <dgm:spPr/>
-      <dgm:t>
-        <a:bodyPr/>
-        <a:lstStyle/>
-        <a:p>
-          <a:endParaRPr lang="en-US"/>
-        </a:p>
-      </dgm:t>
-    </dgm:pt>
-    <dgm:pt modelId="{4FEDB903-C1DC-4BC5-828A-6E1FD77AC2D8}" type="sibTrans" cxnId="{9AD02D5B-7A0A-4193-B98C-0E0386C07094}">
-      <dgm:prSet/>
-      <dgm:spPr/>
-      <dgm:t>
-        <a:bodyPr/>
-        <a:lstStyle/>
-        <a:p>
-          <a:endParaRPr lang="en-US"/>
-        </a:p>
-      </dgm:t>
-    </dgm:pt>
     <dgm:pt modelId="{62023690-1B3D-4E85-B137-7259C77051AC}">
       <dgm:prSet phldrT="[Text]"/>
       <dgm:spPr/>
@@ -2042,24 +1920,8 @@
             <a:buChar char=""/>
           </a:pPr>
           <a:r>
-            <a:rPr lang="en-US" b="0" dirty="0"/>
-            <a:t>Will</a:t>
-          </a:r>
-          <a:r>
-            <a:rPr lang="en-US" b="0" baseline="0" dirty="0"/>
-            <a:t> try to </a:t>
-          </a:r>
-          <a:r>
             <a:rPr lang="en-US" b="1" baseline="0" dirty="0"/>
-            <a:t>improve</a:t>
-          </a:r>
-          <a:r>
-            <a:rPr lang="en-US" b="0" baseline="0" dirty="0"/>
-            <a:t> the </a:t>
-          </a:r>
-          <a:r>
-            <a:rPr lang="en-US" b="1" baseline="0" dirty="0"/>
-            <a:t>accuracy</a:t>
+            <a:t>Accuracy can be improved</a:t>
           </a:r>
           <a:r>
             <a:rPr lang="en-US" b="0" baseline="0" dirty="0"/>
@@ -2117,49 +1979,16 @@
       </dgm:prSet>
       <dgm:spPr/>
     </dgm:pt>
-    <dgm:pt modelId="{0933847D-63FC-481B-AB93-945F3227F8E2}" type="pres">
-      <dgm:prSet presAssocID="{C803AF27-C005-4533-8B5B-F13DF15D18E2}" presName="parentLin" presStyleCnt="0"/>
-      <dgm:spPr/>
-    </dgm:pt>
-    <dgm:pt modelId="{FEF643FD-D71D-416F-9443-B863BA725453}" type="pres">
-      <dgm:prSet presAssocID="{C803AF27-C005-4533-8B5B-F13DF15D18E2}" presName="parentLeftMargin" presStyleLbl="node1" presStyleIdx="0" presStyleCnt="2"/>
-      <dgm:spPr/>
-    </dgm:pt>
-    <dgm:pt modelId="{BDA983B9-E4E9-4BAE-B6D4-86C86693F431}" type="pres">
-      <dgm:prSet presAssocID="{C803AF27-C005-4533-8B5B-F13DF15D18E2}" presName="parentText" presStyleLbl="node1" presStyleIdx="0" presStyleCnt="2">
-        <dgm:presLayoutVars>
-          <dgm:chMax val="0"/>
-          <dgm:bulletEnabled val="1"/>
-        </dgm:presLayoutVars>
-      </dgm:prSet>
-      <dgm:spPr/>
-    </dgm:pt>
-    <dgm:pt modelId="{27BD0105-FC1B-4B49-9A68-55A6333739AF}" type="pres">
-      <dgm:prSet presAssocID="{C803AF27-C005-4533-8B5B-F13DF15D18E2}" presName="negativeSpace" presStyleCnt="0"/>
-      <dgm:spPr/>
-    </dgm:pt>
-    <dgm:pt modelId="{1B68D819-BB69-4CCB-9699-826A9A8C4F47}" type="pres">
-      <dgm:prSet presAssocID="{C803AF27-C005-4533-8B5B-F13DF15D18E2}" presName="childText" presStyleLbl="conFgAcc1" presStyleIdx="0" presStyleCnt="2">
-        <dgm:presLayoutVars>
-          <dgm:bulletEnabled val="1"/>
-        </dgm:presLayoutVars>
-      </dgm:prSet>
-      <dgm:spPr/>
-    </dgm:pt>
-    <dgm:pt modelId="{E6FD3C3C-33B4-4F25-A412-DA0C7FBF0880}" type="pres">
-      <dgm:prSet presAssocID="{5010169B-82AB-4501-A2AF-83D5656D70E3}" presName="spaceBetweenRectangles" presStyleCnt="0"/>
-      <dgm:spPr/>
-    </dgm:pt>
     <dgm:pt modelId="{7EDABE9E-8494-454A-982A-600C8D46E32B}" type="pres">
       <dgm:prSet presAssocID="{62023690-1B3D-4E85-B137-7259C77051AC}" presName="parentLin" presStyleCnt="0"/>
       <dgm:spPr/>
     </dgm:pt>
     <dgm:pt modelId="{DEA3B407-9849-40C7-8D91-FE7B39ED6640}" type="pres">
-      <dgm:prSet presAssocID="{62023690-1B3D-4E85-B137-7259C77051AC}" presName="parentLeftMargin" presStyleLbl="node1" presStyleIdx="0" presStyleCnt="2"/>
+      <dgm:prSet presAssocID="{62023690-1B3D-4E85-B137-7259C77051AC}" presName="parentLeftMargin" presStyleLbl="node1" presStyleIdx="0" presStyleCnt="1"/>
       <dgm:spPr/>
     </dgm:pt>
     <dgm:pt modelId="{B43FF10F-A24E-485E-89FE-950DD38BD253}" type="pres">
-      <dgm:prSet presAssocID="{62023690-1B3D-4E85-B137-7259C77051AC}" presName="parentText" presStyleLbl="node1" presStyleIdx="1" presStyleCnt="2">
+      <dgm:prSet presAssocID="{62023690-1B3D-4E85-B137-7259C77051AC}" presName="parentText" presStyleLbl="node1" presStyleIdx="0" presStyleCnt="1">
         <dgm:presLayoutVars>
           <dgm:chMax val="0"/>
           <dgm:bulletEnabled val="1"/>
@@ -2172,7 +2001,7 @@
       <dgm:spPr/>
     </dgm:pt>
     <dgm:pt modelId="{B9B685C9-D1FA-44C8-9EC3-24D388401C15}" type="pres">
-      <dgm:prSet presAssocID="{62023690-1B3D-4E85-B137-7259C77051AC}" presName="childText" presStyleLbl="conFgAcc1" presStyleIdx="1" presStyleCnt="2">
+      <dgm:prSet presAssocID="{62023690-1B3D-4E85-B137-7259C77051AC}" presName="childText" presStyleLbl="conFgAcc1" presStyleIdx="0" presStyleCnt="1">
         <dgm:presLayoutVars>
           <dgm:bulletEnabled val="1"/>
         </dgm:presLayoutVars>
@@ -2181,28 +2010,17 @@
     </dgm:pt>
   </dgm:ptLst>
   <dgm:cxnLst>
-    <dgm:cxn modelId="{31291903-02FC-4C6A-B922-D243C543F6BE}" type="presOf" srcId="{C803AF27-C005-4533-8B5B-F13DF15D18E2}" destId="{BDA983B9-E4E9-4BAE-B6D4-86C86693F431}" srcOrd="1" destOrd="0" presId="urn:microsoft.com/office/officeart/2005/8/layout/list1"/>
-    <dgm:cxn modelId="{561A8611-AD06-44C1-820E-E319A06CBF63}" type="presOf" srcId="{C803AF27-C005-4533-8B5B-F13DF15D18E2}" destId="{FEF643FD-D71D-416F-9443-B863BA725453}" srcOrd="0" destOrd="0" presId="urn:microsoft.com/office/officeart/2005/8/layout/list1"/>
-    <dgm:cxn modelId="{CBCB5817-A46A-4F5E-9AD3-825F8666F605}" type="presOf" srcId="{0ECBB02D-85B5-4BE7-BB7C-E7E3368127AD}" destId="{1B68D819-BB69-4CCB-9699-826A9A8C4F47}" srcOrd="0" destOrd="0" presId="urn:microsoft.com/office/officeart/2005/8/layout/list1"/>
-    <dgm:cxn modelId="{0681BB37-542A-4FF6-94C3-D3722F5FDF22}" srcId="{A6F2DDDC-E9DA-4303-984B-86223983A146}" destId="{62023690-1B3D-4E85-B137-7259C77051AC}" srcOrd="1" destOrd="0" parTransId="{DC0A2703-BF94-4086-810E-80C5DDA15C62}" sibTransId="{6A74A21F-EC5F-4E31-9030-D5E69567733C}"/>
-    <dgm:cxn modelId="{9AD02D5B-7A0A-4193-B98C-0E0386C07094}" srcId="{C803AF27-C005-4533-8B5B-F13DF15D18E2}" destId="{0ECBB02D-85B5-4BE7-BB7C-E7E3368127AD}" srcOrd="0" destOrd="0" parTransId="{A35B6630-2AA5-476D-A6F3-05D81EB8A241}" sibTransId="{4FEDB903-C1DC-4BC5-828A-6E1FD77AC2D8}"/>
+    <dgm:cxn modelId="{0681BB37-542A-4FF6-94C3-D3722F5FDF22}" srcId="{A6F2DDDC-E9DA-4303-984B-86223983A146}" destId="{62023690-1B3D-4E85-B137-7259C77051AC}" srcOrd="0" destOrd="0" parTransId="{DC0A2703-BF94-4086-810E-80C5DDA15C62}" sibTransId="{6A74A21F-EC5F-4E31-9030-D5E69567733C}"/>
     <dgm:cxn modelId="{DCDCF379-CF1B-4462-AEAD-AC627E3EA750}" srcId="{62023690-1B3D-4E85-B137-7259C77051AC}" destId="{984ADE75-A4C6-434F-A7BE-0BAD0FA19406}" srcOrd="0" destOrd="0" parTransId="{A6EAA231-8A70-4F1C-920F-A33AE8658F74}" sibTransId="{2FD4BC29-D9CA-4BBE-89DF-39B592BD9112}"/>
     <dgm:cxn modelId="{A6F74897-C1FE-428F-A718-7D37E7C24E35}" type="presOf" srcId="{62023690-1B3D-4E85-B137-7259C77051AC}" destId="{DEA3B407-9849-40C7-8D91-FE7B39ED6640}" srcOrd="0" destOrd="0" presId="urn:microsoft.com/office/officeart/2005/8/layout/list1"/>
     <dgm:cxn modelId="{4DF13AA9-7DB0-4BC6-B62C-D3EF3CDF5BBD}" type="presOf" srcId="{984ADE75-A4C6-434F-A7BE-0BAD0FA19406}" destId="{B9B685C9-D1FA-44C8-9EC3-24D388401C15}" srcOrd="0" destOrd="0" presId="urn:microsoft.com/office/officeart/2005/8/layout/list1"/>
     <dgm:cxn modelId="{D8F541B6-9EE3-4F10-908D-7FF7E6D2B6A3}" type="presOf" srcId="{62023690-1B3D-4E85-B137-7259C77051AC}" destId="{B43FF10F-A24E-485E-89FE-950DD38BD253}" srcOrd="1" destOrd="0" presId="urn:microsoft.com/office/officeart/2005/8/layout/list1"/>
     <dgm:cxn modelId="{4191B1E9-FFAD-4DF3-88A7-A0A040DE72CC}" type="presOf" srcId="{A6F2DDDC-E9DA-4303-984B-86223983A146}" destId="{9EB620F8-D513-4262-974A-E83BDB3D629E}" srcOrd="0" destOrd="0" presId="urn:microsoft.com/office/officeart/2005/8/layout/list1"/>
-    <dgm:cxn modelId="{D4E686FB-E7CF-4966-B8C9-C6D983D35F92}" srcId="{A6F2DDDC-E9DA-4303-984B-86223983A146}" destId="{C803AF27-C005-4533-8B5B-F13DF15D18E2}" srcOrd="0" destOrd="0" parTransId="{64BF31B5-9412-40D2-A164-1548B98721E0}" sibTransId="{5010169B-82AB-4501-A2AF-83D5656D70E3}"/>
-    <dgm:cxn modelId="{447BDB74-0209-434D-A059-9AD97FD19940}" type="presParOf" srcId="{9EB620F8-D513-4262-974A-E83BDB3D629E}" destId="{0933847D-63FC-481B-AB93-945F3227F8E2}" srcOrd="0" destOrd="0" presId="urn:microsoft.com/office/officeart/2005/8/layout/list1"/>
-    <dgm:cxn modelId="{47948590-505D-4300-AD52-A0B125B3FB34}" type="presParOf" srcId="{0933847D-63FC-481B-AB93-945F3227F8E2}" destId="{FEF643FD-D71D-416F-9443-B863BA725453}" srcOrd="0" destOrd="0" presId="urn:microsoft.com/office/officeart/2005/8/layout/list1"/>
-    <dgm:cxn modelId="{B6C4424D-7307-4839-A028-588DB7C4D543}" type="presParOf" srcId="{0933847D-63FC-481B-AB93-945F3227F8E2}" destId="{BDA983B9-E4E9-4BAE-B6D4-86C86693F431}" srcOrd="1" destOrd="0" presId="urn:microsoft.com/office/officeart/2005/8/layout/list1"/>
-    <dgm:cxn modelId="{DF78BA66-698E-4A6A-B76B-8E3753FE62F0}" type="presParOf" srcId="{9EB620F8-D513-4262-974A-E83BDB3D629E}" destId="{27BD0105-FC1B-4B49-9A68-55A6333739AF}" srcOrd="1" destOrd="0" presId="urn:microsoft.com/office/officeart/2005/8/layout/list1"/>
-    <dgm:cxn modelId="{8443A2B8-CE9F-4B4B-BB59-D44C3E6AE57C}" type="presParOf" srcId="{9EB620F8-D513-4262-974A-E83BDB3D629E}" destId="{1B68D819-BB69-4CCB-9699-826A9A8C4F47}" srcOrd="2" destOrd="0" presId="urn:microsoft.com/office/officeart/2005/8/layout/list1"/>
-    <dgm:cxn modelId="{2336FEDA-4428-4EEB-9A23-7EE742B47856}" type="presParOf" srcId="{9EB620F8-D513-4262-974A-E83BDB3D629E}" destId="{E6FD3C3C-33B4-4F25-A412-DA0C7FBF0880}" srcOrd="3" destOrd="0" presId="urn:microsoft.com/office/officeart/2005/8/layout/list1"/>
-    <dgm:cxn modelId="{2B332448-E813-45A5-9B42-0CFB9F6EC2E9}" type="presParOf" srcId="{9EB620F8-D513-4262-974A-E83BDB3D629E}" destId="{7EDABE9E-8494-454A-982A-600C8D46E32B}" srcOrd="4" destOrd="0" presId="urn:microsoft.com/office/officeart/2005/8/layout/list1"/>
+    <dgm:cxn modelId="{2B332448-E813-45A5-9B42-0CFB9F6EC2E9}" type="presParOf" srcId="{9EB620F8-D513-4262-974A-E83BDB3D629E}" destId="{7EDABE9E-8494-454A-982A-600C8D46E32B}" srcOrd="0" destOrd="0" presId="urn:microsoft.com/office/officeart/2005/8/layout/list1"/>
     <dgm:cxn modelId="{F0410E3C-B713-4566-AC0A-01512E938095}" type="presParOf" srcId="{7EDABE9E-8494-454A-982A-600C8D46E32B}" destId="{DEA3B407-9849-40C7-8D91-FE7B39ED6640}" srcOrd="0" destOrd="0" presId="urn:microsoft.com/office/officeart/2005/8/layout/list1"/>
     <dgm:cxn modelId="{6E979921-E3A9-4865-ABBF-670550A09FB0}" type="presParOf" srcId="{7EDABE9E-8494-454A-982A-600C8D46E32B}" destId="{B43FF10F-A24E-485E-89FE-950DD38BD253}" srcOrd="1" destOrd="0" presId="urn:microsoft.com/office/officeart/2005/8/layout/list1"/>
-    <dgm:cxn modelId="{7C141E19-3642-4537-A066-4D1F1BEDD820}" type="presParOf" srcId="{9EB620F8-D513-4262-974A-E83BDB3D629E}" destId="{53BE1AAA-7210-4097-85BF-CFAEB81A7D36}" srcOrd="5" destOrd="0" presId="urn:microsoft.com/office/officeart/2005/8/layout/list1"/>
-    <dgm:cxn modelId="{4E00A16B-50D9-4506-93B4-AA5D27E877B5}" type="presParOf" srcId="{9EB620F8-D513-4262-974A-E83BDB3D629E}" destId="{B9B685C9-D1FA-44C8-9EC3-24D388401C15}" srcOrd="6" destOrd="0" presId="urn:microsoft.com/office/officeart/2005/8/layout/list1"/>
+    <dgm:cxn modelId="{7C141E19-3642-4537-A066-4D1F1BEDD820}" type="presParOf" srcId="{9EB620F8-D513-4262-974A-E83BDB3D629E}" destId="{53BE1AAA-7210-4097-85BF-CFAEB81A7D36}" srcOrd="1" destOrd="0" presId="urn:microsoft.com/office/officeart/2005/8/layout/list1"/>
+    <dgm:cxn modelId="{4E00A16B-50D9-4506-93B4-AA5D27E877B5}" type="presParOf" srcId="{9EB620F8-D513-4262-974A-E83BDB3D629E}" destId="{B9B685C9-D1FA-44C8-9EC3-24D388401C15}" srcOrd="2" destOrd="0" presId="urn:microsoft.com/office/officeart/2005/8/layout/list1"/>
   </dgm:cxnLst>
   <dgm:bg/>
   <dgm:whole/>
@@ -2550,15 +2368,15 @@
       <dsp:cNvGrpSpPr/>
     </dsp:nvGrpSpPr>
     <dsp:grpSpPr/>
-    <dsp:sp modelId="{1B68D819-BB69-4CCB-9699-826A9A8C4F47}">
+    <dsp:sp modelId="{B9B685C9-D1FA-44C8-9EC3-24D388401C15}">
       <dsp:nvSpPr>
         <dsp:cNvPr id="0" name=""/>
         <dsp:cNvSpPr/>
       </dsp:nvSpPr>
       <dsp:spPr>
         <a:xfrm>
-          <a:off x="0" y="689444"/>
-          <a:ext cx="6652096" cy="2253825"/>
+          <a:off x="0" y="532471"/>
+          <a:ext cx="6652096" cy="2921625"/>
         </a:xfrm>
         <a:prstGeom prst="rect">
           <a:avLst/>
@@ -2599,12 +2417,12 @@
         <a:fontRef idx="minor"/>
       </dsp:style>
       <dsp:txBody>
-        <a:bodyPr spcFirstLastPara="0" vert="horz" wrap="square" lIns="516277" tIns="562356" rIns="516277" bIns="192024" numCol="1" spcCol="1270" anchor="t" anchorCtr="0">
+        <a:bodyPr spcFirstLastPara="0" vert="horz" wrap="square" lIns="516277" tIns="728980" rIns="516277" bIns="248920" numCol="1" spcCol="1270" anchor="t" anchorCtr="0">
           <a:noAutofit/>
         </a:bodyPr>
         <a:lstStyle/>
         <a:p>
-          <a:pPr marL="228600" lvl="1" indent="-228600" algn="l" defTabSz="1200150">
+          <a:pPr marL="285750" lvl="1" indent="-285750" algn="l" defTabSz="1555750">
             <a:lnSpc>
               <a:spcPct val="90000"/>
             </a:lnSpc>
@@ -2614,84 +2432,50 @@
             <a:spcAft>
               <a:spcPct val="15000"/>
             </a:spcAft>
-            <a:buChar char="•"/>
+            <a:buFont typeface="Symbol" panose="05050102010706020507" pitchFamily="18" charset="2"/>
+            <a:buChar char=""/>
           </a:pPr>
           <a:r>
-            <a:rPr lang="en-US" sz="2700" b="1" kern="1200" dirty="0">
-              <a:latin typeface="+mn-lt"/>
-            </a:rPr>
-            <a:t>Currently</a:t>
+            <a:rPr lang="en-US" sz="3500" b="1" kern="1200" baseline="0" dirty="0"/>
+            <a:t>Accuracy can be improved</a:t>
           </a:r>
           <a:r>
-            <a:rPr lang="en-US" sz="2700" kern="1200" dirty="0">
-              <a:latin typeface="+mn-lt"/>
-            </a:rPr>
-            <a:t> we test this model with only </a:t>
+            <a:rPr lang="en-US" sz="3500" b="0" kern="1200" baseline="0" dirty="0"/>
+            <a:t> by applying other </a:t>
           </a:r>
           <a:r>
-            <a:rPr lang="en-US" sz="2700" b="1" kern="1200" dirty="0">
-              <a:latin typeface="+mn-lt"/>
-            </a:rPr>
-            <a:t>English dataset</a:t>
+            <a:rPr lang="en-US" sz="3500" b="1" kern="1200" baseline="0" dirty="0"/>
+            <a:t>advanced techniques</a:t>
           </a:r>
           <a:r>
-            <a:rPr lang="en-US" sz="2700" kern="1200" dirty="0">
-              <a:latin typeface="+mn-lt"/>
-            </a:rPr>
-            <a:t>. Will test this model with </a:t>
+            <a:rPr lang="en-US" sz="3500" b="0" kern="1200" baseline="0" dirty="0"/>
+            <a:t> like </a:t>
           </a:r>
           <a:r>
-            <a:rPr lang="en-US" sz="2700" b="1" kern="1200" dirty="0">
-              <a:latin typeface="+mn-lt"/>
-            </a:rPr>
-            <a:t>regional languages </a:t>
+            <a:rPr lang="en-US" sz="3500" b="1" kern="1200" baseline="0" dirty="0"/>
+            <a:t>LSTM</a:t>
           </a:r>
           <a:r>
-            <a:rPr lang="en-US" sz="2700" kern="1200" dirty="0">
-              <a:latin typeface="+mn-lt"/>
-            </a:rPr>
-            <a:t>like </a:t>
-          </a:r>
-          <a:r>
-            <a:rPr lang="en-US" sz="2700" b="1" kern="1200" dirty="0">
-              <a:latin typeface="+mn-lt"/>
-            </a:rPr>
-            <a:t>Bengali</a:t>
-          </a:r>
-          <a:r>
-            <a:rPr lang="en-US" sz="2700" kern="1200" dirty="0">
-              <a:latin typeface="+mn-lt"/>
-            </a:rPr>
-            <a:t> and </a:t>
-          </a:r>
-          <a:r>
-            <a:rPr lang="en-US" sz="2700" b="1" kern="1200" dirty="0">
-              <a:latin typeface="+mn-lt"/>
-            </a:rPr>
-            <a:t>Hindi</a:t>
-          </a:r>
-          <a:r>
-            <a:rPr lang="en-US" sz="2700" kern="1200" dirty="0">
-              <a:latin typeface="+mn-lt"/>
-            </a:rPr>
+            <a:rPr lang="en-US" sz="3500" b="0" kern="1200" baseline="0" dirty="0"/>
             <a:t>.</a:t>
           </a:r>
+          <a:endParaRPr lang="en-US" sz="3500" b="0" kern="1200" dirty="0"/>
         </a:p>
       </dsp:txBody>
       <dsp:txXfrm>
-        <a:off x="0" y="689444"/>
-        <a:ext cx="6652096" cy="2253825"/>
+        <a:off x="0" y="532471"/>
+        <a:ext cx="6652096" cy="2921625"/>
       </dsp:txXfrm>
     </dsp:sp>
-    <dsp:sp modelId="{BDA983B9-E4E9-4BAE-B6D4-86C86693F431}">
+    <dsp:sp modelId="{B43FF10F-A24E-485E-89FE-950DD38BD253}">
       <dsp:nvSpPr>
         <dsp:cNvPr id="0" name=""/>
         <dsp:cNvSpPr/>
       </dsp:nvSpPr>
       <dsp:spPr>
         <a:xfrm>
-          <a:off x="332604" y="290924"/>
-          <a:ext cx="4656467" cy="797040"/>
+          <a:off x="332604" y="15871"/>
+          <a:ext cx="4656467" cy="1033200"/>
         </a:xfrm>
         <a:prstGeom prst="roundRect">
           <a:avLst/>
@@ -2738,7 +2522,7 @@
         </a:bodyPr>
         <a:lstStyle/>
         <a:p>
-          <a:pPr marL="0" lvl="0" indent="0" algn="l" defTabSz="1200150">
+          <a:pPr marL="0" lvl="0" indent="0" algn="l" defTabSz="1555750">
             <a:lnSpc>
               <a:spcPct val="90000"/>
             </a:lnSpc>
@@ -2751,207 +2535,14 @@
             <a:buNone/>
           </a:pPr>
           <a:r>
-            <a:rPr lang="en-US" sz="2700" b="1" kern="1200" dirty="0"/>
-            <a:t>More Languages Support</a:t>
-          </a:r>
-        </a:p>
-      </dsp:txBody>
-      <dsp:txXfrm>
-        <a:off x="371512" y="329832"/>
-        <a:ext cx="4578651" cy="719224"/>
-      </dsp:txXfrm>
-    </dsp:sp>
-    <dsp:sp modelId="{B9B685C9-D1FA-44C8-9EC3-24D388401C15}">
-      <dsp:nvSpPr>
-        <dsp:cNvPr id="0" name=""/>
-        <dsp:cNvSpPr/>
-      </dsp:nvSpPr>
-      <dsp:spPr>
-        <a:xfrm>
-          <a:off x="0" y="3487590"/>
-          <a:ext cx="6652096" cy="1913625"/>
-        </a:xfrm>
-        <a:prstGeom prst="rect">
-          <a:avLst/>
-        </a:prstGeom>
-        <a:solidFill>
-          <a:schemeClr val="lt1">
-            <a:alpha val="90000"/>
-            <a:hueOff val="0"/>
-            <a:satOff val="0"/>
-            <a:lumOff val="0"/>
-            <a:alphaOff val="0"/>
-          </a:schemeClr>
-        </a:solidFill>
-        <a:ln w="12700" cap="flat" cmpd="sng" algn="ctr">
-          <a:solidFill>
-            <a:schemeClr val="accent3">
-              <a:hueOff val="0"/>
-              <a:satOff val="0"/>
-              <a:lumOff val="0"/>
-              <a:alphaOff val="0"/>
-            </a:schemeClr>
-          </a:solidFill>
-          <a:prstDash val="solid"/>
-          <a:miter lim="800000"/>
-        </a:ln>
-        <a:effectLst/>
-      </dsp:spPr>
-      <dsp:style>
-        <a:lnRef idx="2">
-          <a:scrgbClr r="0" g="0" b="0"/>
-        </a:lnRef>
-        <a:fillRef idx="1">
-          <a:scrgbClr r="0" g="0" b="0"/>
-        </a:fillRef>
-        <a:effectRef idx="0">
-          <a:scrgbClr r="0" g="0" b="0"/>
-        </a:effectRef>
-        <a:fontRef idx="minor"/>
-      </dsp:style>
-      <dsp:txBody>
-        <a:bodyPr spcFirstLastPara="0" vert="horz" wrap="square" lIns="516277" tIns="562356" rIns="516277" bIns="192024" numCol="1" spcCol="1270" anchor="t" anchorCtr="0">
-          <a:noAutofit/>
-        </a:bodyPr>
-        <a:lstStyle/>
-        <a:p>
-          <a:pPr marL="228600" lvl="1" indent="-228600" algn="l" defTabSz="1200150">
-            <a:lnSpc>
-              <a:spcPct val="90000"/>
-            </a:lnSpc>
-            <a:spcBef>
-              <a:spcPct val="0"/>
-            </a:spcBef>
-            <a:spcAft>
-              <a:spcPct val="15000"/>
-            </a:spcAft>
-            <a:buFont typeface="Symbol" panose="05050102010706020507" pitchFamily="18" charset="2"/>
-            <a:buChar char=""/>
-          </a:pPr>
-          <a:r>
-            <a:rPr lang="en-US" sz="2700" b="0" kern="1200" dirty="0"/>
-            <a:t>Will</a:t>
-          </a:r>
-          <a:r>
-            <a:rPr lang="en-US" sz="2700" b="0" kern="1200" baseline="0" dirty="0"/>
-            <a:t> try to </a:t>
-          </a:r>
-          <a:r>
-            <a:rPr lang="en-US" sz="2700" b="1" kern="1200" baseline="0" dirty="0"/>
-            <a:t>improve</a:t>
-          </a:r>
-          <a:r>
-            <a:rPr lang="en-US" sz="2700" b="0" kern="1200" baseline="0" dirty="0"/>
-            <a:t> the </a:t>
-          </a:r>
-          <a:r>
-            <a:rPr lang="en-US" sz="2700" b="1" kern="1200" baseline="0" dirty="0"/>
-            <a:t>accuracy</a:t>
-          </a:r>
-          <a:r>
-            <a:rPr lang="en-US" sz="2700" b="0" kern="1200" baseline="0" dirty="0"/>
-            <a:t> by applying other </a:t>
-          </a:r>
-          <a:r>
-            <a:rPr lang="en-US" sz="2700" b="1" kern="1200" baseline="0" dirty="0"/>
-            <a:t>advanced techniques</a:t>
-          </a:r>
-          <a:r>
-            <a:rPr lang="en-US" sz="2700" b="0" kern="1200" baseline="0" dirty="0"/>
-            <a:t> like </a:t>
-          </a:r>
-          <a:r>
-            <a:rPr lang="en-US" sz="2700" b="1" kern="1200" baseline="0" dirty="0"/>
-            <a:t>LSTM</a:t>
-          </a:r>
-          <a:r>
-            <a:rPr lang="en-US" sz="2700" b="0" kern="1200" baseline="0" dirty="0"/>
-            <a:t>.</a:t>
-          </a:r>
-          <a:endParaRPr lang="en-US" sz="2700" b="0" kern="1200" dirty="0"/>
-        </a:p>
-      </dsp:txBody>
-      <dsp:txXfrm>
-        <a:off x="0" y="3487590"/>
-        <a:ext cx="6652096" cy="1913625"/>
-      </dsp:txXfrm>
-    </dsp:sp>
-    <dsp:sp modelId="{B43FF10F-A24E-485E-89FE-950DD38BD253}">
-      <dsp:nvSpPr>
-        <dsp:cNvPr id="0" name=""/>
-        <dsp:cNvSpPr/>
-      </dsp:nvSpPr>
-      <dsp:spPr>
-        <a:xfrm>
-          <a:off x="332604" y="3089070"/>
-          <a:ext cx="4656467" cy="797040"/>
-        </a:xfrm>
-        <a:prstGeom prst="roundRect">
-          <a:avLst/>
-        </a:prstGeom>
-        <a:solidFill>
-          <a:schemeClr val="accent3">
-            <a:hueOff val="0"/>
-            <a:satOff val="0"/>
-            <a:lumOff val="0"/>
-            <a:alphaOff val="0"/>
-          </a:schemeClr>
-        </a:solidFill>
-        <a:ln w="12700" cap="flat" cmpd="sng" algn="ctr">
-          <a:solidFill>
-            <a:schemeClr val="lt1">
-              <a:hueOff val="0"/>
-              <a:satOff val="0"/>
-              <a:lumOff val="0"/>
-              <a:alphaOff val="0"/>
-            </a:schemeClr>
-          </a:solidFill>
-          <a:prstDash val="solid"/>
-          <a:miter lim="800000"/>
-        </a:ln>
-        <a:effectLst/>
-      </dsp:spPr>
-      <dsp:style>
-        <a:lnRef idx="2">
-          <a:scrgbClr r="0" g="0" b="0"/>
-        </a:lnRef>
-        <a:fillRef idx="1">
-          <a:scrgbClr r="0" g="0" b="0"/>
-        </a:fillRef>
-        <a:effectRef idx="0">
-          <a:scrgbClr r="0" g="0" b="0"/>
-        </a:effectRef>
-        <a:fontRef idx="minor">
-          <a:schemeClr val="lt1"/>
-        </a:fontRef>
-      </dsp:style>
-      <dsp:txBody>
-        <a:bodyPr spcFirstLastPara="0" vert="horz" wrap="square" lIns="176003" tIns="0" rIns="176003" bIns="0" numCol="1" spcCol="1270" anchor="ctr" anchorCtr="0">
-          <a:noAutofit/>
-        </a:bodyPr>
-        <a:lstStyle/>
-        <a:p>
-          <a:pPr marL="0" lvl="0" indent="0" algn="l" defTabSz="1200150">
-            <a:lnSpc>
-              <a:spcPct val="90000"/>
-            </a:lnSpc>
-            <a:spcBef>
-              <a:spcPct val="0"/>
-            </a:spcBef>
-            <a:spcAft>
-              <a:spcPct val="35000"/>
-            </a:spcAft>
-            <a:buNone/>
-          </a:pPr>
-          <a:r>
-            <a:rPr lang="en-US" sz="2700" b="1" kern="1200" dirty="0"/>
+            <a:rPr lang="en-US" sz="3500" b="1" kern="1200" dirty="0"/>
             <a:t>Accuracy</a:t>
           </a:r>
         </a:p>
       </dsp:txBody>
       <dsp:txXfrm>
-        <a:off x="371512" y="3127978"/>
-        <a:ext cx="4578651" cy="719224"/>
+        <a:off x="383041" y="66308"/>
+        <a:ext cx="4555593" cy="932326"/>
       </dsp:txXfrm>
     </dsp:sp>
   </dsp:spTree>
@@ -7636,7 +7227,7 @@
           <a:p>
             <a:fld id="{53BEF823-48A5-43FC-BE03-E79964288B41}" type="datetimeFigureOut">
               <a:rPr lang="en-US" smtClean="0"/>
-              <a:t>12/5/2023</a:t>
+              <a:t>5/9/2024</a:t>
             </a:fld>
             <a:endParaRPr lang="en-US" dirty="0"/>
           </a:p>
@@ -7847,7 +7438,7 @@
             <a:fld id="{53BEF823-48A5-43FC-BE03-E79964288B41}" type="datetimeFigureOut">
               <a:rPr lang="en-US" smtClean="0"/>
               <a:pPr algn="r"/>
-              <a:t>12/5/2023</a:t>
+              <a:t>5/9/2024</a:t>
             </a:fld>
             <a:endParaRPr lang="en-US" dirty="0"/>
           </a:p>
@@ -8062,7 +7653,7 @@
             <a:fld id="{53BEF823-48A5-43FC-BE03-E79964288B41}" type="datetimeFigureOut">
               <a:rPr lang="en-US" smtClean="0"/>
               <a:pPr algn="r"/>
-              <a:t>12/5/2023</a:t>
+              <a:t>5/9/2024</a:t>
             </a:fld>
             <a:endParaRPr lang="en-US" dirty="0"/>
           </a:p>
@@ -8265,7 +7856,7 @@
             <a:fld id="{53BEF823-48A5-43FC-BE03-E79964288B41}" type="datetimeFigureOut">
               <a:rPr lang="en-US" smtClean="0"/>
               <a:pPr algn="r"/>
-              <a:t>12/5/2023</a:t>
+              <a:t>5/9/2024</a:t>
             </a:fld>
             <a:endParaRPr lang="en-US" dirty="0"/>
           </a:p>
@@ -8549,7 +8140,7 @@
             <a:fld id="{53BEF823-48A5-43FC-BE03-E79964288B41}" type="datetimeFigureOut">
               <a:rPr lang="en-US" smtClean="0"/>
               <a:pPr algn="r"/>
-              <a:t>12/5/2023</a:t>
+              <a:t>5/9/2024</a:t>
             </a:fld>
             <a:endParaRPr lang="en-US" dirty="0"/>
           </a:p>
@@ -8793,7 +8384,7 @@
             <a:fld id="{53BEF823-48A5-43FC-BE03-E79964288B41}" type="datetimeFigureOut">
               <a:rPr lang="en-US" smtClean="0"/>
               <a:pPr algn="r"/>
-              <a:t>12/5/2023</a:t>
+              <a:t>5/9/2024</a:t>
             </a:fld>
             <a:endParaRPr lang="en-US" dirty="0"/>
           </a:p>
@@ -9236,7 +8827,7 @@
             <a:fld id="{53BEF823-48A5-43FC-BE03-E79964288B41}" type="datetimeFigureOut">
               <a:rPr lang="en-US" smtClean="0"/>
               <a:pPr algn="r"/>
-              <a:t>12/5/2023</a:t>
+              <a:t>5/9/2024</a:t>
             </a:fld>
             <a:endParaRPr lang="en-US" dirty="0"/>
           </a:p>
@@ -9382,7 +8973,7 @@
             <a:fld id="{53BEF823-48A5-43FC-BE03-E79964288B41}" type="datetimeFigureOut">
               <a:rPr lang="en-US" smtClean="0"/>
               <a:pPr algn="r"/>
-              <a:t>12/5/2023</a:t>
+              <a:t>5/9/2024</a:t>
             </a:fld>
             <a:endParaRPr lang="en-US" dirty="0"/>
           </a:p>
@@ -9500,7 +9091,7 @@
             <a:fld id="{53BEF823-48A5-43FC-BE03-E79964288B41}" type="datetimeFigureOut">
               <a:rPr lang="en-US" smtClean="0"/>
               <a:pPr algn="r"/>
-              <a:t>12/5/2023</a:t>
+              <a:t>5/9/2024</a:t>
             </a:fld>
             <a:endParaRPr lang="en-US" dirty="0"/>
           </a:p>
@@ -9784,7 +9375,7 @@
             <a:fld id="{53BEF823-48A5-43FC-BE03-E79964288B41}" type="datetimeFigureOut">
               <a:rPr lang="en-US" smtClean="0"/>
               <a:pPr algn="r"/>
-              <a:t>12/5/2023</a:t>
+              <a:t>5/9/2024</a:t>
             </a:fld>
             <a:endParaRPr lang="en-US" dirty="0"/>
           </a:p>
@@ -10079,7 +9670,7 @@
             <a:fld id="{53BEF823-48A5-43FC-BE03-E79964288B41}" type="datetimeFigureOut">
               <a:rPr lang="en-US" smtClean="0"/>
               <a:pPr algn="r"/>
-              <a:t>12/5/2023</a:t>
+              <a:t>5/9/2024</a:t>
             </a:fld>
             <a:endParaRPr lang="en-US" dirty="0"/>
           </a:p>
@@ -10574,7 +10165,7 @@
             <a:fld id="{53BEF823-48A5-43FC-BE03-E79964288B41}" type="datetimeFigureOut">
               <a:rPr lang="en-US" smtClean="0"/>
               <a:pPr algn="r"/>
-              <a:t>12/5/2023</a:t>
+              <a:t>5/9/2024</a:t>
             </a:fld>
             <a:endParaRPr lang="en-US" dirty="0"/>
           </a:p>
@@ -11631,6 +11222,1472 @@
       </p:grpSpPr>
       <p:sp>
         <p:nvSpPr>
+          <p:cNvPr id="5" name="Text Placeholder 4">
+            <a:extLst>
+              <a:ext uri="{FF2B5EF4-FFF2-40B4-BE49-F238E27FC236}">
+                <a16:creationId xmlns:a16="http://schemas.microsoft.com/office/drawing/2014/main" id="{6B20F8B7-C333-4BB0-39B6-9CEDE5B0CF6F}"/>
+              </a:ext>
+            </a:extLst>
+          </p:cNvPr>
+          <p:cNvSpPr>
+            <a:spLocks noGrp="1"/>
+          </p:cNvSpPr>
+          <p:nvPr>
+            <p:ph type="body" idx="1"/>
+          </p:nvPr>
+        </p:nvSpPr>
+        <p:spPr>
+          <a:xfrm>
+            <a:off x="947211" y="945940"/>
+            <a:ext cx="10671048" cy="822960"/>
+          </a:xfrm>
+        </p:spPr>
+        <p:txBody>
+          <a:bodyPr>
+            <a:noAutofit/>
+          </a:bodyPr>
+          <a:lstStyle/>
+          <a:p>
+            <a:r>
+              <a:rPr lang="en-US" sz="5400" b="1" i="0" u="sng" dirty="0">
+                <a:latin typeface="+mj-lt"/>
+              </a:rPr>
+              <a:t>Input to the model</a:t>
+            </a:r>
+            <a:endParaRPr lang="en-IN" sz="5400" b="1" i="0" u="sng" dirty="0">
+              <a:latin typeface="+mj-lt"/>
+            </a:endParaRPr>
+          </a:p>
+        </p:txBody>
+      </p:sp>
+      <p:pic>
+        <p:nvPicPr>
+          <p:cNvPr id="7" name="Picture 6">
+            <a:extLst>
+              <a:ext uri="{FF2B5EF4-FFF2-40B4-BE49-F238E27FC236}">
+                <a16:creationId xmlns:a16="http://schemas.microsoft.com/office/drawing/2014/main" id="{561D52EC-4AF6-E0A3-971E-470478FC799E}"/>
+              </a:ext>
+            </a:extLst>
+          </p:cNvPr>
+          <p:cNvPicPr>
+            <a:picLocks noChangeAspect="1"/>
+          </p:cNvPicPr>
+          <p:nvPr/>
+        </p:nvPicPr>
+        <p:blipFill>
+          <a:blip r:embed="rId2"/>
+          <a:stretch>
+            <a:fillRect/>
+          </a:stretch>
+        </p:blipFill>
+        <p:spPr>
+          <a:xfrm>
+            <a:off x="1669665" y="2504570"/>
+            <a:ext cx="1678867" cy="1547477"/>
+          </a:xfrm>
+          <a:prstGeom prst="rect">
+            <a:avLst/>
+          </a:prstGeom>
+        </p:spPr>
+      </p:pic>
+      <p:pic>
+        <p:nvPicPr>
+          <p:cNvPr id="9" name="Picture 8">
+            <a:extLst>
+              <a:ext uri="{FF2B5EF4-FFF2-40B4-BE49-F238E27FC236}">
+                <a16:creationId xmlns:a16="http://schemas.microsoft.com/office/drawing/2014/main" id="{9A08781B-5338-7FE2-E93E-3A366D28A6AB}"/>
+              </a:ext>
+            </a:extLst>
+          </p:cNvPr>
+          <p:cNvPicPr>
+            <a:picLocks noChangeAspect="1"/>
+          </p:cNvPicPr>
+          <p:nvPr/>
+        </p:nvPicPr>
+        <p:blipFill rotWithShape="1">
+          <a:blip r:embed="rId3"/>
+          <a:srcRect l="50000" t="-1" b="49897"/>
+          <a:stretch/>
+        </p:blipFill>
+        <p:spPr>
+          <a:xfrm>
+            <a:off x="4953676" y="2514230"/>
+            <a:ext cx="1476000" cy="1485151"/>
+          </a:xfrm>
+          <a:prstGeom prst="rect">
+            <a:avLst/>
+          </a:prstGeom>
+        </p:spPr>
+      </p:pic>
+      <p:pic>
+        <p:nvPicPr>
+          <p:cNvPr id="11" name="Picture 10">
+            <a:extLst>
+              <a:ext uri="{FF2B5EF4-FFF2-40B4-BE49-F238E27FC236}">
+                <a16:creationId xmlns:a16="http://schemas.microsoft.com/office/drawing/2014/main" id="{ED87ED27-3BA7-8BB0-8AD1-F510A73E1716}"/>
+              </a:ext>
+            </a:extLst>
+          </p:cNvPr>
+          <p:cNvPicPr>
+            <a:picLocks noChangeAspect="1"/>
+          </p:cNvPicPr>
+          <p:nvPr/>
+        </p:nvPicPr>
+        <p:blipFill rotWithShape="1">
+          <a:blip r:embed="rId3"/>
+          <a:srcRect t="52805" r="52711"/>
+          <a:stretch/>
+        </p:blipFill>
+        <p:spPr>
+          <a:xfrm>
+            <a:off x="4931940" y="4343768"/>
+            <a:ext cx="1564985" cy="1568292"/>
+          </a:xfrm>
+          <a:prstGeom prst="rect">
+            <a:avLst/>
+          </a:prstGeom>
+        </p:spPr>
+      </p:pic>
+      <p:pic>
+        <p:nvPicPr>
+          <p:cNvPr id="13" name="Picture 12">
+            <a:extLst>
+              <a:ext uri="{FF2B5EF4-FFF2-40B4-BE49-F238E27FC236}">
+                <a16:creationId xmlns:a16="http://schemas.microsoft.com/office/drawing/2014/main" id="{3735AC1B-7E87-72C5-FDB8-5C91927E3EEB}"/>
+              </a:ext>
+            </a:extLst>
+          </p:cNvPr>
+          <p:cNvPicPr>
+            <a:picLocks noChangeAspect="1"/>
+          </p:cNvPicPr>
+          <p:nvPr/>
+        </p:nvPicPr>
+        <p:blipFill rotWithShape="1">
+          <a:blip r:embed="rId3"/>
+          <a:srcRect l="50000" t="52823"/>
+          <a:stretch/>
+        </p:blipFill>
+        <p:spPr>
+          <a:xfrm>
+            <a:off x="1669665" y="4343769"/>
+            <a:ext cx="1754858" cy="1662584"/>
+          </a:xfrm>
+          <a:prstGeom prst="rect">
+            <a:avLst/>
+          </a:prstGeom>
+        </p:spPr>
+      </p:pic>
+      <p:pic>
+        <p:nvPicPr>
+          <p:cNvPr id="15" name="Picture 14">
+            <a:extLst>
+              <a:ext uri="{FF2B5EF4-FFF2-40B4-BE49-F238E27FC236}">
+                <a16:creationId xmlns:a16="http://schemas.microsoft.com/office/drawing/2014/main" id="{14F2E011-2326-6152-76CC-D7586DCA3764}"/>
+              </a:ext>
+            </a:extLst>
+          </p:cNvPr>
+          <p:cNvPicPr>
+            <a:picLocks noChangeAspect="1"/>
+          </p:cNvPicPr>
+          <p:nvPr/>
+        </p:nvPicPr>
+        <p:blipFill>
+          <a:blip r:embed="rId4"/>
+          <a:stretch>
+            <a:fillRect/>
+          </a:stretch>
+        </p:blipFill>
+        <p:spPr>
+          <a:xfrm>
+            <a:off x="8034820" y="2514231"/>
+            <a:ext cx="1519424" cy="1485151"/>
+          </a:xfrm>
+          <a:prstGeom prst="rect">
+            <a:avLst/>
+          </a:prstGeom>
+        </p:spPr>
+      </p:pic>
+      <p:pic>
+        <p:nvPicPr>
+          <p:cNvPr id="17" name="Picture 16">
+            <a:extLst>
+              <a:ext uri="{FF2B5EF4-FFF2-40B4-BE49-F238E27FC236}">
+                <a16:creationId xmlns:a16="http://schemas.microsoft.com/office/drawing/2014/main" id="{0E3158C3-0055-623B-C75C-2C23A091EF82}"/>
+              </a:ext>
+            </a:extLst>
+          </p:cNvPr>
+          <p:cNvPicPr>
+            <a:picLocks noChangeAspect="1"/>
+          </p:cNvPicPr>
+          <p:nvPr/>
+        </p:nvPicPr>
+        <p:blipFill>
+          <a:blip r:embed="rId5"/>
+          <a:stretch>
+            <a:fillRect/>
+          </a:stretch>
+        </p:blipFill>
+        <p:spPr>
+          <a:xfrm>
+            <a:off x="8034820" y="4390915"/>
+            <a:ext cx="1617300" cy="1568291"/>
+          </a:xfrm>
+          <a:prstGeom prst="rect">
+            <a:avLst/>
+          </a:prstGeom>
+        </p:spPr>
+      </p:pic>
+    </p:spTree>
+    <p:extLst>
+      <p:ext uri="{BB962C8B-B14F-4D97-AF65-F5344CB8AC3E}">
+        <p14:creationId xmlns:p14="http://schemas.microsoft.com/office/powerpoint/2010/main" val="3397488398"/>
+      </p:ext>
+    </p:extLst>
+  </p:cSld>
+  <p:clrMapOvr>
+    <a:masterClrMapping/>
+  </p:clrMapOvr>
+</p:sld>
+</file>
+
+<file path=ppt/slides/slide11.xml><?xml version="1.0" encoding="utf-8"?>
+<p:sld xmlns:a="http://schemas.openxmlformats.org/drawingml/2006/main" xmlns:r="http://schemas.openxmlformats.org/officeDocument/2006/relationships" xmlns:p="http://schemas.openxmlformats.org/presentationml/2006/main">
+  <p:cSld>
+    <p:spTree>
+      <p:nvGrpSpPr>
+        <p:cNvPr id="1" name=""/>
+        <p:cNvGrpSpPr/>
+        <p:nvPr/>
+      </p:nvGrpSpPr>
+      <p:grpSpPr>
+        <a:xfrm>
+          <a:off x="0" y="0"/>
+          <a:ext cx="0" cy="0"/>
+          <a:chOff x="0" y="0"/>
+          <a:chExt cx="0" cy="0"/>
+        </a:xfrm>
+      </p:grpSpPr>
+      <p:sp>
+        <p:nvSpPr>
+          <p:cNvPr id="2" name="Title 1">
+            <a:extLst>
+              <a:ext uri="{FF2B5EF4-FFF2-40B4-BE49-F238E27FC236}">
+                <a16:creationId xmlns:a16="http://schemas.microsoft.com/office/drawing/2014/main" id="{E00674C8-449B-8BCA-68C0-4C083513845F}"/>
+              </a:ext>
+            </a:extLst>
+          </p:cNvPr>
+          <p:cNvSpPr>
+            <a:spLocks noGrp="1"/>
+          </p:cNvSpPr>
+          <p:nvPr>
+            <p:ph type="title"/>
+          </p:nvPr>
+        </p:nvSpPr>
+        <p:spPr>
+          <a:xfrm>
+            <a:off x="758951" y="758952"/>
+            <a:ext cx="10653119" cy="4754880"/>
+          </a:xfrm>
+        </p:spPr>
+        <p:txBody>
+          <a:bodyPr/>
+          <a:lstStyle/>
+          <a:p>
+            <a:pPr algn="ctr"/>
+            <a:r>
+              <a:rPr lang="en-US" b="1" i="0" dirty="0"/>
+              <a:t>Convolutional</a:t>
+            </a:r>
+            <a:r>
+              <a:rPr lang="en-US" b="1" dirty="0"/>
+              <a:t> </a:t>
+            </a:r>
+            <a:r>
+              <a:rPr lang="en-US" b="1" i="0" dirty="0"/>
+              <a:t>Neural</a:t>
+            </a:r>
+            <a:r>
+              <a:rPr lang="en-US" b="1" dirty="0"/>
+              <a:t> </a:t>
+            </a:r>
+            <a:r>
+              <a:rPr lang="en-US" b="1" i="0" dirty="0"/>
+              <a:t>Network</a:t>
+            </a:r>
+            <a:r>
+              <a:rPr lang="en-US" b="1" dirty="0"/>
+              <a:t> </a:t>
+            </a:r>
+            <a:endParaRPr lang="en-IN" b="1" dirty="0"/>
+          </a:p>
+        </p:txBody>
+      </p:sp>
+      <p:pic>
+        <p:nvPicPr>
+          <p:cNvPr id="1028" name="Picture 4" descr="Convolutional Neural Network: An Overview">
+            <a:extLst>
+              <a:ext uri="{FF2B5EF4-FFF2-40B4-BE49-F238E27FC236}">
+                <a16:creationId xmlns:a16="http://schemas.microsoft.com/office/drawing/2014/main" id="{47E8EF65-ADA3-86F5-376D-EFA32695D07A}"/>
+              </a:ext>
+            </a:extLst>
+          </p:cNvPr>
+          <p:cNvPicPr>
+            <a:picLocks noChangeAspect="1" noChangeArrowheads="1"/>
+          </p:cNvPicPr>
+          <p:nvPr/>
+        </p:nvPicPr>
+        <p:blipFill>
+          <a:blip r:embed="rId2">
+            <a:extLst>
+              <a:ext uri="{28A0092B-C50C-407E-A947-70E740481C1C}">
+                <a14:useLocalDpi xmlns:a14="http://schemas.microsoft.com/office/drawing/2010/main" val="0"/>
+              </a:ext>
+            </a:extLst>
+          </a:blip>
+          <a:srcRect/>
+          <a:stretch>
+            <a:fillRect/>
+          </a:stretch>
+        </p:blipFill>
+        <p:spPr bwMode="auto">
+          <a:xfrm>
+            <a:off x="1406898" y="1952369"/>
+            <a:ext cx="9378204" cy="4675856"/>
+          </a:xfrm>
+          <a:prstGeom prst="rect">
+            <a:avLst/>
+          </a:prstGeom>
+          <a:noFill/>
+          <a:extLst>
+            <a:ext uri="{909E8E84-426E-40DD-AFC4-6F175D3DCCD1}">
+              <a14:hiddenFill xmlns:a14="http://schemas.microsoft.com/office/drawing/2010/main">
+                <a:solidFill>
+                  <a:srgbClr val="FFFFFF"/>
+                </a:solidFill>
+              </a14:hiddenFill>
+            </a:ext>
+          </a:extLst>
+        </p:spPr>
+      </p:pic>
+    </p:spTree>
+    <p:extLst>
+      <p:ext uri="{BB962C8B-B14F-4D97-AF65-F5344CB8AC3E}">
+        <p14:creationId xmlns:p14="http://schemas.microsoft.com/office/powerpoint/2010/main" val="4245714740"/>
+      </p:ext>
+    </p:extLst>
+  </p:cSld>
+  <p:clrMapOvr>
+    <a:masterClrMapping/>
+  </p:clrMapOvr>
+  <mc:AlternateContent xmlns:mc="http://schemas.openxmlformats.org/markup-compatibility/2006" xmlns:p15="http://schemas.microsoft.com/office/powerpoint/2012/main">
+    <mc:Choice Requires="p15">
+      <p:transition xmlns:p14="http://schemas.microsoft.com/office/powerpoint/2010/main" spd="slow" p14:dur="1250">
+        <p15:prstTrans prst="airplane"/>
+      </p:transition>
+    </mc:Choice>
+    <mc:Fallback xmlns="">
+      <p:transition spd="slow">
+        <p:fade/>
+      </p:transition>
+    </mc:Fallback>
+  </mc:AlternateContent>
+</p:sld>
+</file>
+
+<file path=ppt/slides/slide12.xml><?xml version="1.0" encoding="utf-8"?>
+<p:sld xmlns:a="http://schemas.openxmlformats.org/drawingml/2006/main" xmlns:r="http://schemas.openxmlformats.org/officeDocument/2006/relationships" xmlns:p="http://schemas.openxmlformats.org/presentationml/2006/main">
+  <p:cSld>
+    <p:spTree>
+      <p:nvGrpSpPr>
+        <p:cNvPr id="1" name=""/>
+        <p:cNvGrpSpPr/>
+        <p:nvPr/>
+      </p:nvGrpSpPr>
+      <p:grpSpPr>
+        <a:xfrm>
+          <a:off x="0" y="0"/>
+          <a:ext cx="0" cy="0"/>
+          <a:chOff x="0" y="0"/>
+          <a:chExt cx="0" cy="0"/>
+        </a:xfrm>
+      </p:grpSpPr>
+      <p:sp>
+        <p:nvSpPr>
+          <p:cNvPr id="2" name="Title 1">
+            <a:extLst>
+              <a:ext uri="{FF2B5EF4-FFF2-40B4-BE49-F238E27FC236}">
+                <a16:creationId xmlns:a16="http://schemas.microsoft.com/office/drawing/2014/main" id="{48EF671F-74E7-535B-9766-7F64FD94FD58}"/>
+              </a:ext>
+            </a:extLst>
+          </p:cNvPr>
+          <p:cNvSpPr>
+            <a:spLocks noGrp="1"/>
+          </p:cNvSpPr>
+          <p:nvPr>
+            <p:ph type="title"/>
+          </p:nvPr>
+        </p:nvSpPr>
+        <p:spPr>
+          <a:xfrm>
+            <a:off x="758952" y="758952"/>
+            <a:ext cx="7094130" cy="4754880"/>
+          </a:xfrm>
+        </p:spPr>
+        <p:txBody>
+          <a:bodyPr/>
+          <a:lstStyle/>
+          <a:p>
+            <a:r>
+              <a:rPr lang="en-US" b="1" i="0" dirty="0" err="1"/>
+              <a:t>Softmax</a:t>
+            </a:r>
+            <a:r>
+              <a:rPr lang="en-US" dirty="0"/>
+              <a:t> </a:t>
+            </a:r>
+            <a:r>
+              <a:rPr lang="en-US" b="1" i="0" dirty="0"/>
+              <a:t>Function</a:t>
+            </a:r>
+            <a:br>
+              <a:rPr lang="en-US" dirty="0"/>
+            </a:br>
+            <a:br>
+              <a:rPr lang="en-US" dirty="0"/>
+            </a:br>
+            <a:r>
+              <a:rPr lang="en-US" dirty="0"/>
+              <a:t> </a:t>
+            </a:r>
+            <a:endParaRPr lang="en-IN" dirty="0"/>
+          </a:p>
+        </p:txBody>
+      </p:sp>
+      <p:pic>
+        <p:nvPicPr>
+          <p:cNvPr id="5" name="Content Placeholder 4">
+            <a:extLst>
+              <a:ext uri="{FF2B5EF4-FFF2-40B4-BE49-F238E27FC236}">
+                <a16:creationId xmlns:a16="http://schemas.microsoft.com/office/drawing/2014/main" id="{69B0F573-C67A-B466-7FE6-78C6D3215D60}"/>
+              </a:ext>
+            </a:extLst>
+          </p:cNvPr>
+          <p:cNvPicPr>
+            <a:picLocks noGrp="1" noChangeAspect="1"/>
+          </p:cNvPicPr>
+          <p:nvPr>
+            <p:ph idx="1"/>
+          </p:nvPr>
+        </p:nvPicPr>
+        <p:blipFill>
+          <a:blip r:embed="rId2">
+            <a:extLst>
+              <a:ext uri="{28A0092B-C50C-407E-A947-70E740481C1C}">
+                <a14:useLocalDpi xmlns:a14="http://schemas.microsoft.com/office/drawing/2010/main" val="0"/>
+              </a:ext>
+            </a:extLst>
+          </a:blip>
+          <a:stretch>
+            <a:fillRect/>
+          </a:stretch>
+        </p:blipFill>
+        <p:spPr>
+          <a:xfrm>
+            <a:off x="758952" y="1692905"/>
+            <a:ext cx="7524437" cy="2393874"/>
+          </a:xfrm>
+        </p:spPr>
+      </p:pic>
+      <p:sp>
+        <p:nvSpPr>
+          <p:cNvPr id="8" name="TextBox 7">
+            <a:extLst>
+              <a:ext uri="{FF2B5EF4-FFF2-40B4-BE49-F238E27FC236}">
+                <a16:creationId xmlns:a16="http://schemas.microsoft.com/office/drawing/2014/main" id="{83868E11-5A1B-8684-55D4-970F4EACB4CD}"/>
+              </a:ext>
+            </a:extLst>
+          </p:cNvPr>
+          <p:cNvSpPr txBox="1"/>
+          <p:nvPr/>
+        </p:nvSpPr>
+        <p:spPr>
+          <a:xfrm>
+            <a:off x="8283389" y="2039390"/>
+            <a:ext cx="4401670" cy="584775"/>
+          </a:xfrm>
+          <a:prstGeom prst="rect">
+            <a:avLst/>
+          </a:prstGeom>
+          <a:noFill/>
+        </p:spPr>
+        <p:txBody>
+          <a:bodyPr wrap="square">
+            <a:spAutoFit/>
+          </a:bodyPr>
+          <a:lstStyle/>
+          <a:p>
+            <a:r>
+              <a:rPr lang="en-US" sz="1600" b="1" i="1" dirty="0">
+                <a:solidFill>
+                  <a:schemeClr val="tx1">
+                    <a:lumMod val="95000"/>
+                    <a:lumOff val="5000"/>
+                  </a:schemeClr>
+                </a:solidFill>
+                <a:latin typeface="KaTeX_Math"/>
+              </a:rPr>
+              <a:t>Here, </a:t>
+            </a:r>
+            <a:r>
+              <a:rPr lang="en-US" sz="1600" b="1" i="1" dirty="0" err="1">
+                <a:solidFill>
+                  <a:schemeClr val="tx1">
+                    <a:lumMod val="95000"/>
+                    <a:lumOff val="5000"/>
+                  </a:schemeClr>
+                </a:solidFill>
+                <a:latin typeface="KaTeX_Math"/>
+              </a:rPr>
+              <a:t>s</a:t>
+            </a:r>
+            <a:r>
+              <a:rPr lang="en-US" sz="1600" b="1" i="1" dirty="0" err="1">
+                <a:solidFill>
+                  <a:schemeClr val="tx1">
+                    <a:lumMod val="95000"/>
+                    <a:lumOff val="5000"/>
+                  </a:schemeClr>
+                </a:solidFill>
+                <a:effectLst/>
+                <a:latin typeface="KaTeX_Math"/>
+              </a:rPr>
+              <a:t>i</a:t>
+            </a:r>
+            <a:r>
+              <a:rPr lang="en-US" sz="1600" b="1" i="0" dirty="0">
+                <a:solidFill>
+                  <a:schemeClr val="tx1">
+                    <a:lumMod val="95000"/>
+                    <a:lumOff val="5000"/>
+                  </a:schemeClr>
+                </a:solidFill>
+                <a:effectLst/>
+                <a:latin typeface="KaTeX_Main"/>
+              </a:rPr>
+              <a:t>​</a:t>
+            </a:r>
+            <a:r>
+              <a:rPr lang="en-US" sz="1600" b="1" i="0" dirty="0">
+                <a:solidFill>
+                  <a:schemeClr val="tx1">
+                    <a:lumMod val="95000"/>
+                    <a:lumOff val="5000"/>
+                  </a:schemeClr>
+                </a:solidFill>
+                <a:effectLst/>
+                <a:latin typeface="Söhne"/>
+              </a:rPr>
+              <a:t>: </a:t>
+            </a:r>
+            <a:r>
+              <a:rPr lang="en-US" sz="1600" b="0" i="0" dirty="0">
+                <a:solidFill>
+                  <a:schemeClr val="tx1">
+                    <a:lumMod val="95000"/>
+                    <a:lumOff val="5000"/>
+                  </a:schemeClr>
+                </a:solidFill>
+                <a:effectLst/>
+                <a:latin typeface="Söhne"/>
+              </a:rPr>
+              <a:t>The </a:t>
+            </a:r>
+            <a:r>
+              <a:rPr lang="en-US" sz="1600" b="0" i="1" dirty="0" err="1">
+                <a:solidFill>
+                  <a:schemeClr val="tx1">
+                    <a:lumMod val="95000"/>
+                    <a:lumOff val="5000"/>
+                  </a:schemeClr>
+                </a:solidFill>
+                <a:effectLst/>
+                <a:latin typeface="KaTeX_Math"/>
+              </a:rPr>
+              <a:t>i</a:t>
+            </a:r>
+            <a:r>
+              <a:rPr lang="en-US" sz="1600" b="0" i="0" dirty="0" err="1">
+                <a:solidFill>
+                  <a:schemeClr val="tx1">
+                    <a:lumMod val="95000"/>
+                    <a:lumOff val="5000"/>
+                  </a:schemeClr>
+                </a:solidFill>
+                <a:effectLst/>
+                <a:latin typeface="Söhne"/>
+              </a:rPr>
+              <a:t>-th</a:t>
+            </a:r>
+            <a:r>
+              <a:rPr lang="en-US" sz="1600" b="0" i="0" dirty="0">
+                <a:solidFill>
+                  <a:schemeClr val="tx1">
+                    <a:lumMod val="95000"/>
+                    <a:lumOff val="5000"/>
+                  </a:schemeClr>
+                </a:solidFill>
+                <a:effectLst/>
+                <a:latin typeface="Söhne"/>
+              </a:rPr>
+              <a:t> element of the input vector.</a:t>
+            </a:r>
+          </a:p>
+          <a:p>
+            <a:r>
+              <a:rPr lang="en-US" sz="1600" b="1" i="1" dirty="0">
+                <a:solidFill>
+                  <a:schemeClr val="tx1">
+                    <a:lumMod val="95000"/>
+                    <a:lumOff val="5000"/>
+                  </a:schemeClr>
+                </a:solidFill>
+                <a:effectLst/>
+                <a:latin typeface="KaTeX_Math"/>
+              </a:rPr>
+              <a:t>e</a:t>
+            </a:r>
+            <a:r>
+              <a:rPr lang="en-US" sz="1600" b="0" i="0" dirty="0">
+                <a:solidFill>
+                  <a:schemeClr val="tx1">
+                    <a:lumMod val="95000"/>
+                    <a:lumOff val="5000"/>
+                  </a:schemeClr>
+                </a:solidFill>
+                <a:effectLst/>
+                <a:latin typeface="Söhne"/>
+              </a:rPr>
+              <a:t>: Euler's number (approximately 2.71828).</a:t>
+            </a:r>
+            <a:endParaRPr lang="en-IN" sz="1600" dirty="0">
+              <a:solidFill>
+                <a:schemeClr val="tx1">
+                  <a:lumMod val="95000"/>
+                  <a:lumOff val="5000"/>
+                </a:schemeClr>
+              </a:solidFill>
+            </a:endParaRPr>
+          </a:p>
+        </p:txBody>
+      </p:sp>
+      <p:sp>
+        <p:nvSpPr>
+          <p:cNvPr id="10" name="TextBox 9">
+            <a:extLst>
+              <a:ext uri="{FF2B5EF4-FFF2-40B4-BE49-F238E27FC236}">
+                <a16:creationId xmlns:a16="http://schemas.microsoft.com/office/drawing/2014/main" id="{921CF2F8-FC29-C5E8-1504-CD996EF163CA}"/>
+              </a:ext>
+            </a:extLst>
+          </p:cNvPr>
+          <p:cNvSpPr txBox="1"/>
+          <p:nvPr/>
+        </p:nvSpPr>
+        <p:spPr>
+          <a:xfrm>
+            <a:off x="1584512" y="4437547"/>
+            <a:ext cx="9164170" cy="2308324"/>
+          </a:xfrm>
+          <a:prstGeom prst="rect">
+            <a:avLst/>
+          </a:prstGeom>
+          <a:noFill/>
+        </p:spPr>
+        <p:txBody>
+          <a:bodyPr wrap="square">
+            <a:spAutoFit/>
+          </a:bodyPr>
+          <a:lstStyle/>
+          <a:p>
+            <a:pPr marL="285750" indent="-285750">
+              <a:buFont typeface="Arial" panose="020B0604020202020204" pitchFamily="34" charset="0"/>
+              <a:buChar char="•"/>
+            </a:pPr>
+            <a:r>
+              <a:rPr lang="en-US" sz="2400" b="1" i="0" dirty="0">
+                <a:solidFill>
+                  <a:schemeClr val="tx1">
+                    <a:lumMod val="95000"/>
+                    <a:lumOff val="5000"/>
+                  </a:schemeClr>
+                </a:solidFill>
+                <a:effectLst/>
+                <a:latin typeface="Söhne"/>
+              </a:rPr>
+              <a:t>SoftMax function </a:t>
+            </a:r>
+            <a:r>
+              <a:rPr lang="en-US" sz="2400" i="0" dirty="0">
+                <a:solidFill>
+                  <a:schemeClr val="tx1">
+                    <a:lumMod val="95000"/>
+                    <a:lumOff val="5000"/>
+                  </a:schemeClr>
+                </a:solidFill>
+                <a:effectLst/>
+                <a:latin typeface="Söhne"/>
+              </a:rPr>
+              <a:t>is a mathematical function that </a:t>
+            </a:r>
+            <a:r>
+              <a:rPr lang="en-US" sz="2400" b="1" i="0" dirty="0">
+                <a:solidFill>
+                  <a:schemeClr val="tx1">
+                    <a:lumMod val="95000"/>
+                    <a:lumOff val="5000"/>
+                  </a:schemeClr>
+                </a:solidFill>
+                <a:effectLst/>
+                <a:latin typeface="Söhne"/>
+              </a:rPr>
+              <a:t>takes a vector </a:t>
+            </a:r>
+            <a:r>
+              <a:rPr lang="en-US" sz="2400" i="0" dirty="0">
+                <a:solidFill>
+                  <a:schemeClr val="tx1">
+                    <a:lumMod val="95000"/>
+                    <a:lumOff val="5000"/>
+                  </a:schemeClr>
+                </a:solidFill>
+                <a:effectLst/>
+                <a:latin typeface="Söhne"/>
+              </a:rPr>
+              <a:t>of real numbers as input and </a:t>
+            </a:r>
+            <a:r>
+              <a:rPr lang="en-US" sz="2400" b="1" i="0" dirty="0">
+                <a:solidFill>
+                  <a:schemeClr val="tx1">
+                    <a:lumMod val="95000"/>
+                    <a:lumOff val="5000"/>
+                  </a:schemeClr>
+                </a:solidFill>
+                <a:effectLst/>
+                <a:latin typeface="Söhne"/>
+              </a:rPr>
+              <a:t>transforms</a:t>
+            </a:r>
+            <a:r>
+              <a:rPr lang="en-US" sz="2400" i="0" dirty="0">
+                <a:solidFill>
+                  <a:schemeClr val="tx1">
+                    <a:lumMod val="95000"/>
+                    <a:lumOff val="5000"/>
+                  </a:schemeClr>
+                </a:solidFill>
+                <a:effectLst/>
+                <a:latin typeface="Söhne"/>
+              </a:rPr>
+              <a:t> it into a </a:t>
+            </a:r>
+            <a:r>
+              <a:rPr lang="en-US" sz="2400" b="1" i="0" dirty="0">
+                <a:solidFill>
+                  <a:schemeClr val="tx1">
+                    <a:lumMod val="95000"/>
+                    <a:lumOff val="5000"/>
+                  </a:schemeClr>
+                </a:solidFill>
+                <a:effectLst/>
+                <a:latin typeface="Söhne"/>
+              </a:rPr>
+              <a:t>probability distribution</a:t>
+            </a:r>
+            <a:r>
+              <a:rPr lang="en-US" sz="2400" i="0" dirty="0">
+                <a:solidFill>
+                  <a:schemeClr val="tx1">
+                    <a:lumMod val="95000"/>
+                    <a:lumOff val="5000"/>
+                  </a:schemeClr>
+                </a:solidFill>
+                <a:effectLst/>
+                <a:latin typeface="Söhne"/>
+              </a:rPr>
+              <a:t>.</a:t>
+            </a:r>
+          </a:p>
+          <a:p>
+            <a:pPr marL="285750" indent="-285750">
+              <a:buFont typeface="Arial" panose="020B0604020202020204" pitchFamily="34" charset="0"/>
+              <a:buChar char="•"/>
+            </a:pPr>
+            <a:r>
+              <a:rPr lang="en-US" sz="2400" b="1" dirty="0">
+                <a:solidFill>
+                  <a:schemeClr val="tx1">
+                    <a:lumMod val="95000"/>
+                    <a:lumOff val="5000"/>
+                  </a:schemeClr>
+                </a:solidFill>
+                <a:latin typeface="Söhne"/>
+              </a:rPr>
+              <a:t>U</a:t>
+            </a:r>
+            <a:r>
+              <a:rPr lang="en-US" sz="2400" b="1" i="0" dirty="0">
+                <a:solidFill>
+                  <a:schemeClr val="tx1">
+                    <a:lumMod val="95000"/>
+                    <a:lumOff val="5000"/>
+                  </a:schemeClr>
+                </a:solidFill>
+                <a:effectLst/>
+                <a:latin typeface="Söhne"/>
+              </a:rPr>
+              <a:t>sed</a:t>
+            </a:r>
+            <a:r>
+              <a:rPr lang="en-US" sz="2400" b="0" i="0" dirty="0">
+                <a:solidFill>
+                  <a:schemeClr val="tx1">
+                    <a:lumMod val="95000"/>
+                    <a:lumOff val="5000"/>
+                  </a:schemeClr>
+                </a:solidFill>
+                <a:effectLst/>
+                <a:latin typeface="Söhne"/>
+              </a:rPr>
+              <a:t> in machine learning, particularly in </a:t>
+            </a:r>
+            <a:r>
+              <a:rPr lang="en-US" sz="2400" b="1" i="0" dirty="0">
+                <a:solidFill>
+                  <a:schemeClr val="tx1">
+                    <a:lumMod val="95000"/>
+                    <a:lumOff val="5000"/>
+                  </a:schemeClr>
+                </a:solidFill>
+                <a:effectLst/>
+                <a:latin typeface="Söhne"/>
+              </a:rPr>
+              <a:t>multiclass classification </a:t>
+            </a:r>
+            <a:r>
+              <a:rPr lang="en-US" sz="2400" b="0" i="0" dirty="0">
+                <a:solidFill>
+                  <a:schemeClr val="tx1">
+                    <a:lumMod val="95000"/>
+                    <a:lumOff val="5000"/>
+                  </a:schemeClr>
+                </a:solidFill>
+                <a:effectLst/>
+                <a:latin typeface="Söhne"/>
+              </a:rPr>
+              <a:t>problems</a:t>
+            </a:r>
+          </a:p>
+          <a:p>
+            <a:pPr marL="285750" indent="-285750">
+              <a:buFont typeface="Arial" panose="020B0604020202020204" pitchFamily="34" charset="0"/>
+              <a:buChar char="•"/>
+            </a:pPr>
+            <a:r>
+              <a:rPr lang="en-US" sz="2400" b="1" dirty="0">
+                <a:solidFill>
+                  <a:schemeClr val="tx1">
+                    <a:lumMod val="95000"/>
+                    <a:lumOff val="5000"/>
+                  </a:schemeClr>
+                </a:solidFill>
+                <a:latin typeface="Söhne"/>
+              </a:rPr>
+              <a:t>Cross-Entropy Loss </a:t>
+            </a:r>
+            <a:r>
+              <a:rPr lang="en-US" sz="2400" dirty="0">
+                <a:solidFill>
+                  <a:schemeClr val="tx1">
+                    <a:lumMod val="95000"/>
+                    <a:lumOff val="5000"/>
+                  </a:schemeClr>
+                </a:solidFill>
+                <a:latin typeface="Söhne"/>
+              </a:rPr>
+              <a:t>is used for </a:t>
+            </a:r>
+            <a:r>
+              <a:rPr lang="en-IN" sz="2400" b="1" i="0" dirty="0">
+                <a:solidFill>
+                  <a:schemeClr val="tx1">
+                    <a:lumMod val="95000"/>
+                    <a:lumOff val="5000"/>
+                  </a:schemeClr>
+                </a:solidFill>
+                <a:effectLst/>
+                <a:latin typeface="Söhne"/>
+              </a:rPr>
+              <a:t>classification tasks</a:t>
+            </a:r>
+            <a:r>
+              <a:rPr lang="en-IN" sz="2400" b="0" i="0" dirty="0">
+                <a:solidFill>
+                  <a:schemeClr val="tx1">
+                    <a:lumMod val="95000"/>
+                    <a:lumOff val="5000"/>
+                  </a:schemeClr>
+                </a:solidFill>
+                <a:effectLst/>
+                <a:latin typeface="Söhne"/>
+              </a:rPr>
+              <a:t>.</a:t>
+            </a:r>
+            <a:endParaRPr lang="en-IN" sz="2400" dirty="0">
+              <a:solidFill>
+                <a:schemeClr val="tx1">
+                  <a:lumMod val="95000"/>
+                  <a:lumOff val="5000"/>
+                </a:schemeClr>
+              </a:solidFill>
+            </a:endParaRPr>
+          </a:p>
+        </p:txBody>
+      </p:sp>
+      <p:sp>
+        <p:nvSpPr>
+          <p:cNvPr id="12" name="TextBox 11">
+            <a:extLst>
+              <a:ext uri="{FF2B5EF4-FFF2-40B4-BE49-F238E27FC236}">
+                <a16:creationId xmlns:a16="http://schemas.microsoft.com/office/drawing/2014/main" id="{6CFA9859-7E1C-7EC3-DE53-FE4CD6FA512F}"/>
+              </a:ext>
+            </a:extLst>
+          </p:cNvPr>
+          <p:cNvSpPr txBox="1"/>
+          <p:nvPr/>
+        </p:nvSpPr>
+        <p:spPr>
+          <a:xfrm>
+            <a:off x="8283390" y="2683221"/>
+            <a:ext cx="3908610" cy="923330"/>
+          </a:xfrm>
+          <a:prstGeom prst="rect">
+            <a:avLst/>
+          </a:prstGeom>
+          <a:noFill/>
+        </p:spPr>
+        <p:txBody>
+          <a:bodyPr wrap="square">
+            <a:spAutoFit/>
+          </a:bodyPr>
+          <a:lstStyle/>
+          <a:p>
+            <a:r>
+              <a:rPr lang="en-US" b="1" i="1" dirty="0">
+                <a:solidFill>
+                  <a:schemeClr val="tx1">
+                    <a:lumMod val="95000"/>
+                    <a:lumOff val="5000"/>
+                  </a:schemeClr>
+                </a:solidFill>
+                <a:latin typeface="KaTeX_Math"/>
+              </a:rPr>
+              <a:t>t:</a:t>
+            </a:r>
+            <a:r>
+              <a:rPr lang="en-US" b="0" i="0" dirty="0">
+                <a:solidFill>
+                  <a:schemeClr val="tx1">
+                    <a:lumMod val="95000"/>
+                    <a:lumOff val="5000"/>
+                  </a:schemeClr>
+                </a:solidFill>
+                <a:effectLst/>
+                <a:latin typeface="Söhne"/>
+              </a:rPr>
+              <a:t> is the actual label (0 or 1 in binary classification, a one-hot vector in multi-class classification).</a:t>
+            </a:r>
+            <a:endParaRPr lang="en-IN" dirty="0">
+              <a:solidFill>
+                <a:schemeClr val="tx1">
+                  <a:lumMod val="95000"/>
+                  <a:lumOff val="5000"/>
+                </a:schemeClr>
+              </a:solidFill>
+            </a:endParaRPr>
+          </a:p>
+        </p:txBody>
+      </p:sp>
+      <p:sp>
+        <p:nvSpPr>
+          <p:cNvPr id="14" name="TextBox 13">
+            <a:extLst>
+              <a:ext uri="{FF2B5EF4-FFF2-40B4-BE49-F238E27FC236}">
+                <a16:creationId xmlns:a16="http://schemas.microsoft.com/office/drawing/2014/main" id="{316A9BCD-27BB-B6FA-A23E-7A419DA2059C}"/>
+              </a:ext>
+            </a:extLst>
+          </p:cNvPr>
+          <p:cNvSpPr txBox="1"/>
+          <p:nvPr/>
+        </p:nvSpPr>
+        <p:spPr>
+          <a:xfrm>
+            <a:off x="8283389" y="3661999"/>
+            <a:ext cx="2770093" cy="369332"/>
+          </a:xfrm>
+          <a:prstGeom prst="rect">
+            <a:avLst/>
+          </a:prstGeom>
+          <a:noFill/>
+        </p:spPr>
+        <p:txBody>
+          <a:bodyPr wrap="square">
+            <a:spAutoFit/>
+          </a:bodyPr>
+          <a:lstStyle/>
+          <a:p>
+            <a:r>
+              <a:rPr lang="en-IN" b="1" dirty="0">
+                <a:solidFill>
+                  <a:schemeClr val="tx1">
+                    <a:lumMod val="95000"/>
+                    <a:lumOff val="5000"/>
+                  </a:schemeClr>
+                </a:solidFill>
+                <a:latin typeface="Söhne"/>
+              </a:rPr>
+              <a:t>f</a:t>
+            </a:r>
+            <a:r>
+              <a:rPr lang="en-IN" b="1" i="0" dirty="0">
+                <a:solidFill>
+                  <a:schemeClr val="tx1">
+                    <a:lumMod val="95000"/>
+                    <a:lumOff val="5000"/>
+                  </a:schemeClr>
+                </a:solidFill>
+                <a:effectLst/>
+                <a:latin typeface="Söhne"/>
+              </a:rPr>
+              <a:t>(s)</a:t>
+            </a:r>
+            <a:r>
+              <a:rPr lang="en-IN" b="1" i="0" dirty="0" err="1">
+                <a:solidFill>
+                  <a:schemeClr val="tx1">
+                    <a:lumMod val="95000"/>
+                    <a:lumOff val="5000"/>
+                  </a:schemeClr>
+                </a:solidFill>
+                <a:effectLst/>
+                <a:latin typeface="Söhne"/>
+              </a:rPr>
+              <a:t>i</a:t>
+            </a:r>
+            <a:r>
+              <a:rPr lang="en-IN" b="1" i="0" dirty="0">
+                <a:solidFill>
+                  <a:schemeClr val="tx1">
+                    <a:lumMod val="95000"/>
+                    <a:lumOff val="5000"/>
+                  </a:schemeClr>
+                </a:solidFill>
+                <a:effectLst/>
+                <a:latin typeface="Söhne"/>
+              </a:rPr>
+              <a:t>: </a:t>
+            </a:r>
+            <a:r>
+              <a:rPr lang="en-IN" b="0" i="0" dirty="0">
+                <a:solidFill>
+                  <a:schemeClr val="tx1">
+                    <a:lumMod val="95000"/>
+                    <a:lumOff val="5000"/>
+                  </a:schemeClr>
+                </a:solidFill>
+                <a:effectLst/>
+                <a:latin typeface="Söhne"/>
+              </a:rPr>
+              <a:t>predicted probability</a:t>
+            </a:r>
+            <a:endParaRPr lang="en-IN" dirty="0">
+              <a:solidFill>
+                <a:schemeClr val="tx1">
+                  <a:lumMod val="95000"/>
+                  <a:lumOff val="5000"/>
+                </a:schemeClr>
+              </a:solidFill>
+            </a:endParaRPr>
+          </a:p>
+        </p:txBody>
+      </p:sp>
+    </p:spTree>
+    <p:extLst>
+      <p:ext uri="{BB962C8B-B14F-4D97-AF65-F5344CB8AC3E}">
+        <p14:creationId xmlns:p14="http://schemas.microsoft.com/office/powerpoint/2010/main" val="3867502747"/>
+      </p:ext>
+    </p:extLst>
+  </p:cSld>
+  <p:clrMapOvr>
+    <a:masterClrMapping/>
+  </p:clrMapOvr>
+  <p:transition spd="slow">
+    <p:wipe/>
+  </p:transition>
+</p:sld>
+</file>
+
+<file path=ppt/slides/slide13.xml><?xml version="1.0" encoding="utf-8"?>
+<p:sld xmlns:a="http://schemas.openxmlformats.org/drawingml/2006/main" xmlns:r="http://schemas.openxmlformats.org/officeDocument/2006/relationships" xmlns:p="http://schemas.openxmlformats.org/presentationml/2006/main">
+  <p:cSld>
+    <p:spTree>
+      <p:nvGrpSpPr>
+        <p:cNvPr id="1" name=""/>
+        <p:cNvGrpSpPr/>
+        <p:nvPr/>
+      </p:nvGrpSpPr>
+      <p:grpSpPr>
+        <a:xfrm>
+          <a:off x="0" y="0"/>
+          <a:ext cx="0" cy="0"/>
+          <a:chOff x="0" y="0"/>
+          <a:chExt cx="0" cy="0"/>
+        </a:xfrm>
+      </p:grpSpPr>
+      <p:sp>
+        <p:nvSpPr>
+          <p:cNvPr id="2" name="Title 1">
+            <a:extLst>
+              <a:ext uri="{FF2B5EF4-FFF2-40B4-BE49-F238E27FC236}">
+                <a16:creationId xmlns:a16="http://schemas.microsoft.com/office/drawing/2014/main" id="{F8E523C3-1114-2F08-4EFB-49337325B793}"/>
+              </a:ext>
+            </a:extLst>
+          </p:cNvPr>
+          <p:cNvSpPr>
+            <a:spLocks noGrp="1"/>
+          </p:cNvSpPr>
+          <p:nvPr>
+            <p:ph type="title"/>
+          </p:nvPr>
+        </p:nvSpPr>
+        <p:spPr>
+          <a:xfrm>
+            <a:off x="445187" y="349085"/>
+            <a:ext cx="8913966" cy="4754880"/>
+          </a:xfrm>
+        </p:spPr>
+        <p:txBody>
+          <a:bodyPr/>
+          <a:lstStyle/>
+          <a:p>
+            <a:r>
+              <a:rPr lang="en-US" i="0" u="sng" dirty="0"/>
+              <a:t>Self-designed CNN Model</a:t>
+            </a:r>
+            <a:endParaRPr lang="en-IN" i="0" u="sng" dirty="0"/>
+          </a:p>
+        </p:txBody>
+      </p:sp>
+      <p:sp>
+        <p:nvSpPr>
+          <p:cNvPr id="3" name="Content Placeholder 2">
+            <a:extLst>
+              <a:ext uri="{FF2B5EF4-FFF2-40B4-BE49-F238E27FC236}">
+                <a16:creationId xmlns:a16="http://schemas.microsoft.com/office/drawing/2014/main" id="{78B21CE2-6BCE-DB1E-2B56-D05D33EAB458}"/>
+              </a:ext>
+            </a:extLst>
+          </p:cNvPr>
+          <p:cNvSpPr>
+            <a:spLocks noGrp="1"/>
+          </p:cNvSpPr>
+          <p:nvPr>
+            <p:ph idx="1"/>
+          </p:nvPr>
+        </p:nvSpPr>
+        <p:spPr>
+          <a:xfrm>
+            <a:off x="603681" y="1754035"/>
+            <a:ext cx="10234647" cy="4754880"/>
+          </a:xfrm>
+        </p:spPr>
+        <p:txBody>
+          <a:bodyPr>
+            <a:normAutofit/>
+          </a:bodyPr>
+          <a:lstStyle/>
+          <a:p>
+            <a:r>
+              <a:rPr lang="en-US" sz="2400" dirty="0"/>
+              <a:t>We’ve used </a:t>
+            </a:r>
+            <a:r>
+              <a:rPr lang="en-US" sz="2400" b="1" dirty="0" err="1"/>
+              <a:t>Keras</a:t>
+            </a:r>
+            <a:r>
+              <a:rPr lang="en-US" sz="2400" dirty="0"/>
+              <a:t> with </a:t>
+            </a:r>
+            <a:r>
+              <a:rPr lang="en-US" sz="2400" b="1" dirty="0"/>
+              <a:t>TensorFlow</a:t>
+            </a:r>
+            <a:r>
+              <a:rPr lang="en-US" sz="2400" dirty="0"/>
+              <a:t> backend. </a:t>
+            </a:r>
+          </a:p>
+          <a:p>
+            <a:r>
+              <a:rPr lang="en-US" sz="2400" dirty="0"/>
+              <a:t>A standard </a:t>
+            </a:r>
+            <a:r>
+              <a:rPr lang="en-US" sz="2400" b="1" dirty="0"/>
+              <a:t>CNN Model </a:t>
+            </a:r>
+            <a:r>
+              <a:rPr lang="en-US" sz="2400" dirty="0"/>
+              <a:t>is designed with </a:t>
+            </a:r>
+            <a:r>
+              <a:rPr lang="en-US" sz="2400" b="1" dirty="0"/>
+              <a:t>multiple convolution </a:t>
+            </a:r>
+            <a:r>
+              <a:rPr lang="en-US" sz="2400" dirty="0"/>
+              <a:t>and </a:t>
+            </a:r>
+            <a:r>
+              <a:rPr lang="en-US" sz="2400" b="1" dirty="0" err="1"/>
+              <a:t>maxpool</a:t>
+            </a:r>
+            <a:r>
+              <a:rPr lang="en-US" sz="2400" b="1" dirty="0"/>
+              <a:t> layers</a:t>
+            </a:r>
+            <a:r>
+              <a:rPr lang="en-US" sz="2400" dirty="0"/>
+              <a:t>, a </a:t>
+            </a:r>
+            <a:r>
+              <a:rPr lang="en-US" sz="2400" b="1" dirty="0"/>
+              <a:t>few dense layers </a:t>
+            </a:r>
+            <a:r>
+              <a:rPr lang="en-US" sz="2400" dirty="0"/>
+              <a:t>and a </a:t>
+            </a:r>
+            <a:r>
+              <a:rPr lang="en-US" sz="2400" b="1" dirty="0"/>
+              <a:t>final output layer </a:t>
+            </a:r>
+            <a:r>
+              <a:rPr lang="en-US" sz="2400" dirty="0"/>
+              <a:t>is the </a:t>
+            </a:r>
+            <a:r>
+              <a:rPr lang="en-US" sz="2400" b="1" dirty="0" err="1"/>
+              <a:t>softmax</a:t>
+            </a:r>
+            <a:r>
+              <a:rPr lang="en-US" sz="2400" b="1" dirty="0"/>
+              <a:t> activation</a:t>
+            </a:r>
+            <a:r>
+              <a:rPr lang="en-US" sz="2400" dirty="0"/>
+              <a:t>. </a:t>
+            </a:r>
+          </a:p>
+          <a:p>
+            <a:r>
+              <a:rPr lang="en-US" sz="2400" b="1" dirty="0" err="1"/>
+              <a:t>ReLU</a:t>
+            </a:r>
+            <a:r>
+              <a:rPr lang="en-US" sz="2400" dirty="0"/>
+              <a:t> </a:t>
+            </a:r>
+            <a:r>
+              <a:rPr lang="en-US" sz="2400" b="1" dirty="0"/>
+              <a:t>activation</a:t>
+            </a:r>
+            <a:r>
+              <a:rPr lang="en-US" sz="2400" dirty="0"/>
+              <a:t> was also used </a:t>
+            </a:r>
+            <a:r>
+              <a:rPr lang="en-US" sz="2400" b="1" dirty="0"/>
+              <a:t>between</a:t>
+            </a:r>
+            <a:r>
+              <a:rPr lang="en-US" sz="2400" dirty="0"/>
+              <a:t> the </a:t>
+            </a:r>
+            <a:r>
+              <a:rPr lang="en-US" sz="2400" b="1" dirty="0"/>
+              <a:t>convolution and dense layers</a:t>
+            </a:r>
+            <a:r>
+              <a:rPr lang="en-US" sz="2400" dirty="0"/>
+              <a:t>. </a:t>
+            </a:r>
+          </a:p>
+          <a:p>
+            <a:r>
+              <a:rPr lang="en-US" sz="2400" dirty="0"/>
+              <a:t>The resultant model was </a:t>
+            </a:r>
+            <a:r>
+              <a:rPr lang="en-US" sz="2400" b="1" dirty="0"/>
+              <a:t>optimized using Adam Optimizer</a:t>
+            </a:r>
+            <a:r>
+              <a:rPr lang="en-US" sz="2400" dirty="0"/>
+              <a:t>.</a:t>
+            </a:r>
+            <a:endParaRPr lang="en-IN" sz="2400" dirty="0"/>
+          </a:p>
+        </p:txBody>
+      </p:sp>
+    </p:spTree>
+    <p:extLst>
+      <p:ext uri="{BB962C8B-B14F-4D97-AF65-F5344CB8AC3E}">
+        <p14:creationId xmlns:p14="http://schemas.microsoft.com/office/powerpoint/2010/main" val="2720820063"/>
+      </p:ext>
+    </p:extLst>
+  </p:cSld>
+  <p:clrMapOvr>
+    <a:masterClrMapping/>
+  </p:clrMapOvr>
+  <p:transition spd="slow">
+    <p:wipe/>
+  </p:transition>
+</p:sld>
+</file>
+
+<file path=ppt/slides/slide14.xml><?xml version="1.0" encoding="utf-8"?>
+<p:sld xmlns:a="http://schemas.openxmlformats.org/drawingml/2006/main" xmlns:r="http://schemas.openxmlformats.org/officeDocument/2006/relationships" xmlns:p="http://schemas.openxmlformats.org/presentationml/2006/main">
+  <p:cSld>
+    <p:spTree>
+      <p:nvGrpSpPr>
+        <p:cNvPr id="1" name=""/>
+        <p:cNvGrpSpPr/>
+        <p:nvPr/>
+      </p:nvGrpSpPr>
+      <p:grpSpPr>
+        <a:xfrm>
+          <a:off x="0" y="0"/>
+          <a:ext cx="0" cy="0"/>
+          <a:chOff x="0" y="0"/>
+          <a:chExt cx="0" cy="0"/>
+        </a:xfrm>
+      </p:grpSpPr>
+      <p:sp>
+        <p:nvSpPr>
+          <p:cNvPr id="2" name="Title 1">
+            <a:extLst>
+              <a:ext uri="{FF2B5EF4-FFF2-40B4-BE49-F238E27FC236}">
+                <a16:creationId xmlns:a16="http://schemas.microsoft.com/office/drawing/2014/main" id="{7C409AEB-B50D-B4B6-016E-43D71FEF573B}"/>
+              </a:ext>
+            </a:extLst>
+          </p:cNvPr>
+          <p:cNvSpPr>
+            <a:spLocks noGrp="1"/>
+          </p:cNvSpPr>
+          <p:nvPr>
+            <p:ph type="title"/>
+          </p:nvPr>
+        </p:nvSpPr>
+        <p:spPr/>
+        <p:txBody>
+          <a:bodyPr/>
+          <a:lstStyle/>
+          <a:p>
+            <a:r>
+              <a:rPr lang="en-US" b="1" i="0" dirty="0"/>
+              <a:t>Design of the model</a:t>
+            </a:r>
+            <a:endParaRPr lang="en-IN" b="1" i="0" dirty="0"/>
+          </a:p>
+        </p:txBody>
+      </p:sp>
+      <p:pic>
+        <p:nvPicPr>
+          <p:cNvPr id="5" name="Content Placeholder 4">
+            <a:extLst>
+              <a:ext uri="{FF2B5EF4-FFF2-40B4-BE49-F238E27FC236}">
+                <a16:creationId xmlns:a16="http://schemas.microsoft.com/office/drawing/2014/main" id="{A9F57988-6C0D-D0F3-8A86-0BE50635B4E9}"/>
+              </a:ext>
+            </a:extLst>
+          </p:cNvPr>
+          <p:cNvPicPr>
+            <a:picLocks noGrp="1" noChangeAspect="1"/>
+          </p:cNvPicPr>
+          <p:nvPr>
+            <p:ph idx="1"/>
+          </p:nvPr>
+        </p:nvPicPr>
+        <p:blipFill>
+          <a:blip r:embed="rId2"/>
+          <a:stretch>
+            <a:fillRect/>
+          </a:stretch>
+        </p:blipFill>
+        <p:spPr>
+          <a:xfrm>
+            <a:off x="5576047" y="315404"/>
+            <a:ext cx="4858870" cy="6443984"/>
+          </a:xfrm>
+          <a:prstGeom prst="rect">
+            <a:avLst/>
+          </a:prstGeom>
+          <a:ln>
+            <a:noFill/>
+          </a:ln>
+          <a:effectLst>
+            <a:outerShdw blurRad="190500" algn="tl" rotWithShape="0">
+              <a:srgbClr val="000000">
+                <a:alpha val="70000"/>
+              </a:srgbClr>
+            </a:outerShdw>
+          </a:effectLst>
+        </p:spPr>
+      </p:pic>
+    </p:spTree>
+    <p:extLst>
+      <p:ext uri="{BB962C8B-B14F-4D97-AF65-F5344CB8AC3E}">
+        <p14:creationId xmlns:p14="http://schemas.microsoft.com/office/powerpoint/2010/main" val="3650012956"/>
+      </p:ext>
+    </p:extLst>
+  </p:cSld>
+  <p:clrMapOvr>
+    <a:masterClrMapping/>
+  </p:clrMapOvr>
+  <p:transition spd="slow">
+    <p:wipe/>
+  </p:transition>
+</p:sld>
+</file>
+
+<file path=ppt/slides/slide15.xml><?xml version="1.0" encoding="utf-8"?>
+<p:sld xmlns:a="http://schemas.openxmlformats.org/drawingml/2006/main" xmlns:r="http://schemas.openxmlformats.org/officeDocument/2006/relationships" xmlns:p="http://schemas.openxmlformats.org/presentationml/2006/main">
+  <p:cSld>
+    <p:spTree>
+      <p:nvGrpSpPr>
+        <p:cNvPr id="1" name=""/>
+        <p:cNvGrpSpPr/>
+        <p:nvPr/>
+      </p:nvGrpSpPr>
+      <p:grpSpPr>
+        <a:xfrm>
+          <a:off x="0" y="0"/>
+          <a:ext cx="0" cy="0"/>
+          <a:chOff x="0" y="0"/>
+          <a:chExt cx="0" cy="0"/>
+        </a:xfrm>
+      </p:grpSpPr>
+      <p:sp>
+        <p:nvSpPr>
           <p:cNvPr id="6" name="Title 5">
             <a:extLst>
               <a:ext uri="{FF2B5EF4-FFF2-40B4-BE49-F238E27FC236}">
@@ -11721,7 +12778,7 @@
 </p:sld>
 </file>
 
-<file path=ppt/slides/slide11.xml><?xml version="1.0" encoding="utf-8"?>
+<file path=ppt/slides/slide16.xml><?xml version="1.0" encoding="utf-8"?>
 <p:sld xmlns:a="http://schemas.openxmlformats.org/drawingml/2006/main" xmlns:r="http://schemas.openxmlformats.org/officeDocument/2006/relationships" xmlns:p="http://schemas.openxmlformats.org/presentationml/2006/main">
   <p:cSld>
     <p:spTree>
@@ -11829,7 +12886,7 @@
 </p:sld>
 </file>
 
-<file path=ppt/slides/slide12.xml><?xml version="1.0" encoding="utf-8"?>
+<file path=ppt/slides/slide17.xml><?xml version="1.0" encoding="utf-8"?>
 <p:sld xmlns:a="http://schemas.openxmlformats.org/drawingml/2006/main" xmlns:r="http://schemas.openxmlformats.org/officeDocument/2006/relationships" xmlns:p="http://schemas.openxmlformats.org/presentationml/2006/main">
   <p:cSld>
     <p:spTree>
@@ -11974,7 +13031,7 @@
 </p:sld>
 </file>
 
-<file path=ppt/slides/slide13.xml><?xml version="1.0" encoding="utf-8"?>
+<file path=ppt/slides/slide18.xml><?xml version="1.0" encoding="utf-8"?>
 <p:sld xmlns:a="http://schemas.openxmlformats.org/drawingml/2006/main" xmlns:r="http://schemas.openxmlformats.org/officeDocument/2006/relationships" xmlns:p="http://schemas.openxmlformats.org/presentationml/2006/main">
   <p:cSld>
     <p:bg>
@@ -12554,14 +13611,14 @@
           <p:nvPr>
             <p:extLst>
               <p:ext uri="{D42A27DB-BD31-4B8C-83A1-F6EECF244321}">
-                <p14:modId xmlns:p14="http://schemas.microsoft.com/office/powerpoint/2010/main" val="933200586"/>
+                <p14:modId xmlns:p14="http://schemas.microsoft.com/office/powerpoint/2010/main" val="2434191647"/>
               </p:ext>
             </p:extLst>
           </p:nvPr>
         </p:nvGraphicFramePr>
         <p:xfrm>
-          <a:off x="5441553" y="653796"/>
-          <a:ext cx="6652096" cy="5692140"/>
+          <a:off x="5259142" y="1317185"/>
+          <a:ext cx="6652096" cy="3469969"/>
         </p:xfrm>
         <a:graphic>
           <a:graphicData uri="http://schemas.openxmlformats.org/drawingml/2006/diagram">
@@ -12585,7 +13642,798 @@
 </p:sld>
 </file>
 
-<file path=ppt/slides/slide14.xml><?xml version="1.0" encoding="utf-8"?>
+<file path=ppt/slides/slide19.xml><?xml version="1.0" encoding="utf-8"?>
+<p:sld xmlns:a="http://schemas.openxmlformats.org/drawingml/2006/main" xmlns:r="http://schemas.openxmlformats.org/officeDocument/2006/relationships" xmlns:p="http://schemas.openxmlformats.org/presentationml/2006/main">
+  <p:cSld>
+    <p:spTree>
+      <p:nvGrpSpPr>
+        <p:cNvPr id="1" name=""/>
+        <p:cNvGrpSpPr/>
+        <p:nvPr/>
+      </p:nvGrpSpPr>
+      <p:grpSpPr>
+        <a:xfrm>
+          <a:off x="0" y="0"/>
+          <a:ext cx="0" cy="0"/>
+          <a:chOff x="0" y="0"/>
+          <a:chExt cx="0" cy="0"/>
+        </a:xfrm>
+      </p:grpSpPr>
+      <p:sp>
+        <p:nvSpPr>
+          <p:cNvPr id="2" name="Title 1">
+            <a:extLst>
+              <a:ext uri="{FF2B5EF4-FFF2-40B4-BE49-F238E27FC236}">
+                <a16:creationId xmlns:a16="http://schemas.microsoft.com/office/drawing/2014/main" id="{7BD5644F-1727-4492-AC60-DBA2A6FE398C}"/>
+              </a:ext>
+            </a:extLst>
+          </p:cNvPr>
+          <p:cNvSpPr>
+            <a:spLocks noGrp="1"/>
+          </p:cNvSpPr>
+          <p:nvPr>
+            <p:ph type="title"/>
+          </p:nvPr>
+        </p:nvSpPr>
+        <p:spPr>
+          <a:xfrm>
+            <a:off x="763052" y="2414016"/>
+            <a:ext cx="8569208" cy="3099816"/>
+          </a:xfrm>
+        </p:spPr>
+        <p:txBody>
+          <a:bodyPr/>
+          <a:lstStyle/>
+          <a:p>
+            <a:r>
+              <a:rPr lang="en-IN" i="0" dirty="0">
+                <a:hlinkClick r:id="rId2"/>
+              </a:rPr>
+              <a:t>https://github.com/Gourav1695/BTech_major_project</a:t>
+            </a:r>
+            <a:endParaRPr lang="en-IN" i="0" dirty="0"/>
+          </a:p>
+        </p:txBody>
+      </p:sp>
+      <p:sp>
+        <p:nvSpPr>
+          <p:cNvPr id="3" name="Text Placeholder 2">
+            <a:extLst>
+              <a:ext uri="{FF2B5EF4-FFF2-40B4-BE49-F238E27FC236}">
+                <a16:creationId xmlns:a16="http://schemas.microsoft.com/office/drawing/2014/main" id="{8C948094-5B49-8F3C-3D71-0E01AC97594E}"/>
+              </a:ext>
+            </a:extLst>
+          </p:cNvPr>
+          <p:cNvSpPr>
+            <a:spLocks noGrp="1"/>
+          </p:cNvSpPr>
+          <p:nvPr>
+            <p:ph type="body" idx="1"/>
+          </p:nvPr>
+        </p:nvSpPr>
+        <p:spPr/>
+        <p:txBody>
+          <a:bodyPr>
+            <a:normAutofit/>
+          </a:bodyPr>
+          <a:lstStyle/>
+          <a:p>
+            <a:r>
+              <a:rPr lang="en-US" sz="3600" b="1" i="0" dirty="0"/>
+              <a:t>Link to the </a:t>
+            </a:r>
+            <a:r>
+              <a:rPr lang="en-US" sz="3600" b="1" i="0" dirty="0" err="1"/>
+              <a:t>Github</a:t>
+            </a:r>
+            <a:r>
+              <a:rPr lang="en-US" sz="3600" b="1" i="0" dirty="0"/>
+              <a:t> repository code.</a:t>
+            </a:r>
+            <a:endParaRPr lang="en-IN" sz="3600" b="1" i="0" dirty="0"/>
+          </a:p>
+        </p:txBody>
+      </p:sp>
+    </p:spTree>
+    <p:extLst>
+      <p:ext uri="{BB962C8B-B14F-4D97-AF65-F5344CB8AC3E}">
+        <p14:creationId xmlns:p14="http://schemas.microsoft.com/office/powerpoint/2010/main" val="595436663"/>
+      </p:ext>
+    </p:extLst>
+  </p:cSld>
+  <p:clrMapOvr>
+    <a:masterClrMapping/>
+  </p:clrMapOvr>
+</p:sld>
+</file>
+
+<file path=ppt/slides/slide2.xml><?xml version="1.0" encoding="utf-8"?>
+<p:sld xmlns:a="http://schemas.openxmlformats.org/drawingml/2006/main" xmlns:r="http://schemas.openxmlformats.org/officeDocument/2006/relationships" xmlns:p="http://schemas.openxmlformats.org/presentationml/2006/main">
+  <p:cSld>
+    <p:bg>
+      <p:bgPr>
+        <a:solidFill>
+          <a:schemeClr val="bg2"/>
+        </a:solidFill>
+        <a:effectLst/>
+      </p:bgPr>
+    </p:bg>
+    <p:spTree>
+      <p:nvGrpSpPr>
+        <p:cNvPr id="1" name=""/>
+        <p:cNvGrpSpPr/>
+        <p:nvPr/>
+      </p:nvGrpSpPr>
+      <p:grpSpPr>
+        <a:xfrm>
+          <a:off x="0" y="0"/>
+          <a:ext cx="0" cy="0"/>
+          <a:chOff x="0" y="0"/>
+          <a:chExt cx="0" cy="0"/>
+        </a:xfrm>
+      </p:grpSpPr>
+      <p:sp useBgFill="1">
+        <p:nvSpPr>
+          <p:cNvPr id="79" name="Rectangle 78">
+            <a:extLst>
+              <a:ext uri="{FF2B5EF4-FFF2-40B4-BE49-F238E27FC236}">
+                <a16:creationId xmlns:a16="http://schemas.microsoft.com/office/drawing/2014/main" id="{C5176844-69C3-4F79-BE38-EA5BDDF4FEA4}"/>
+              </a:ext>
+              <a:ext uri="{C183D7F6-B498-43B3-948B-1728B52AA6E4}">
+                <adec:decorative xmlns:adec="http://schemas.microsoft.com/office/drawing/2017/decorative" val="1"/>
+              </a:ext>
+            </a:extLst>
+          </p:cNvPr>
+          <p:cNvSpPr>
+            <a:spLocks noGrp="1" noRot="1" noChangeAspect="1" noMove="1" noResize="1" noEditPoints="1" noAdjustHandles="1" noChangeArrowheads="1" noChangeShapeType="1" noTextEdit="1"/>
+          </p:cNvSpPr>
+          <p:nvPr>
+            <p:extLst>
+              <p:ext uri="{386F3935-93C4-4BCD-93E2-E3B085C9AB24}">
+                <p16:designElem xmlns:p16="http://schemas.microsoft.com/office/powerpoint/2015/main" val="1"/>
+              </p:ext>
+            </p:extLst>
+          </p:nvPr>
+        </p:nvSpPr>
+        <p:spPr>
+          <a:xfrm>
+            <a:off x="0" y="0"/>
+            <a:ext cx="12192000" cy="6858000"/>
+          </a:xfrm>
+          <a:prstGeom prst="rect">
+            <a:avLst/>
+          </a:prstGeom>
+          <a:ln>
+            <a:noFill/>
+          </a:ln>
+        </p:spPr>
+        <p:style>
+          <a:lnRef idx="2">
+            <a:schemeClr val="accent1">
+              <a:shade val="50000"/>
+            </a:schemeClr>
+          </a:lnRef>
+          <a:fillRef idx="1">
+            <a:schemeClr val="accent1"/>
+          </a:fillRef>
+          <a:effectRef idx="0">
+            <a:schemeClr val="accent1"/>
+          </a:effectRef>
+          <a:fontRef idx="minor">
+            <a:schemeClr val="lt1"/>
+          </a:fontRef>
+        </p:style>
+        <p:txBody>
+          <a:bodyPr rtlCol="0" anchor="ctr"/>
+          <a:lstStyle/>
+          <a:p>
+            <a:pPr algn="ctr"/>
+            <a:endParaRPr lang="en-US"/>
+          </a:p>
+        </p:txBody>
+      </p:sp>
+      <p:sp>
+        <p:nvSpPr>
+          <p:cNvPr id="4" name="Title 3">
+            <a:extLst>
+              <a:ext uri="{FF2B5EF4-FFF2-40B4-BE49-F238E27FC236}">
+                <a16:creationId xmlns:a16="http://schemas.microsoft.com/office/drawing/2014/main" id="{8DFBB44B-1165-2704-A04E-567159C16F03}"/>
+              </a:ext>
+            </a:extLst>
+          </p:cNvPr>
+          <p:cNvSpPr>
+            <a:spLocks noGrp="1"/>
+          </p:cNvSpPr>
+          <p:nvPr>
+            <p:ph type="title"/>
+          </p:nvPr>
+        </p:nvSpPr>
+        <p:spPr>
+          <a:xfrm>
+            <a:off x="5877532" y="1063255"/>
+            <a:ext cx="5312254" cy="1806727"/>
+          </a:xfrm>
+        </p:spPr>
+        <p:txBody>
+          <a:bodyPr>
+            <a:normAutofit/>
+          </a:bodyPr>
+          <a:lstStyle/>
+          <a:p>
+            <a:pPr marL="342900" marR="0" lvl="0" indent="-342900">
+              <a:spcBef>
+                <a:spcPts val="0"/>
+              </a:spcBef>
+              <a:spcAft>
+                <a:spcPts val="0"/>
+              </a:spcAft>
+            </a:pPr>
+            <a:r>
+              <a:rPr lang="en-US" b="1" i="0" kern="100" dirty="0">
+                <a:effectLst/>
+                <a:ea typeface="Calibri" panose="020F0502020204030204" pitchFamily="34" charset="0"/>
+                <a:cs typeface="Arial" panose="020B0604020202020204" pitchFamily="34" charset="0"/>
+              </a:rPr>
+              <a:t>Objective</a:t>
+            </a:r>
+            <a:br>
+              <a:rPr lang="en-US" b="1" i="0" kern="100" dirty="0">
+                <a:effectLst/>
+                <a:latin typeface="Calibri" panose="020F0502020204030204" pitchFamily="34" charset="0"/>
+                <a:ea typeface="Calibri" panose="020F0502020204030204" pitchFamily="34" charset="0"/>
+                <a:cs typeface="Arial" panose="020B0604020202020204" pitchFamily="34" charset="0"/>
+              </a:rPr>
+            </a:br>
+            <a:endParaRPr lang="en-US" b="1" i="0" dirty="0"/>
+          </a:p>
+        </p:txBody>
+      </p:sp>
+      <p:pic>
+        <p:nvPicPr>
+          <p:cNvPr id="8" name="Picture 7" descr="Pen placed on top of a signature line">
+            <a:extLst>
+              <a:ext uri="{FF2B5EF4-FFF2-40B4-BE49-F238E27FC236}">
+                <a16:creationId xmlns:a16="http://schemas.microsoft.com/office/drawing/2014/main" id="{E1DF3D64-3565-D64C-B60E-1F985FF5C000}"/>
+              </a:ext>
+            </a:extLst>
+          </p:cNvPr>
+          <p:cNvPicPr>
+            <a:picLocks noChangeAspect="1"/>
+          </p:cNvPicPr>
+          <p:nvPr/>
+        </p:nvPicPr>
+        <p:blipFill rotWithShape="1">
+          <a:blip r:embed="rId2"/>
+          <a:srcRect l="49242" r="-1" b="-1"/>
+          <a:stretch/>
+        </p:blipFill>
+        <p:spPr>
+          <a:xfrm>
+            <a:off x="1" y="10"/>
+            <a:ext cx="5215066" cy="6857990"/>
+          </a:xfrm>
+          <a:custGeom>
+            <a:avLst/>
+            <a:gdLst/>
+            <a:ahLst/>
+            <a:cxnLst/>
+            <a:rect l="l" t="t" r="r" b="b"/>
+            <a:pathLst>
+              <a:path w="5215066" h="6845983">
+                <a:moveTo>
+                  <a:pt x="0" y="0"/>
+                </a:moveTo>
+                <a:lnTo>
+                  <a:pt x="3197713" y="0"/>
+                </a:lnTo>
+                <a:lnTo>
+                  <a:pt x="3259787" y="39795"/>
+                </a:lnTo>
+                <a:cubicBezTo>
+                  <a:pt x="4439462" y="836768"/>
+                  <a:pt x="5215066" y="2186425"/>
+                  <a:pt x="5215066" y="3717234"/>
+                </a:cubicBezTo>
+                <a:cubicBezTo>
+                  <a:pt x="5215066" y="4788800"/>
+                  <a:pt x="4835020" y="5771602"/>
+                  <a:pt x="4202364" y="6538204"/>
+                </a:cubicBezTo>
+                <a:lnTo>
+                  <a:pt x="3922635" y="6845983"/>
+                </a:lnTo>
+                <a:lnTo>
+                  <a:pt x="0" y="6845983"/>
+                </a:lnTo>
+                <a:close/>
+              </a:path>
+            </a:pathLst>
+          </a:custGeom>
+        </p:spPr>
+      </p:pic>
+      <p:cxnSp>
+        <p:nvCxnSpPr>
+          <p:cNvPr id="81" name="Straight Connector 80">
+            <a:extLst>
+              <a:ext uri="{FF2B5EF4-FFF2-40B4-BE49-F238E27FC236}">
+                <a16:creationId xmlns:a16="http://schemas.microsoft.com/office/drawing/2014/main" id="{C1FC086D-39EC-448D-97E7-FF232355AE19}"/>
+              </a:ext>
+              <a:ext uri="{C183D7F6-B498-43B3-948B-1728B52AA6E4}">
+                <adec:decorative xmlns:adec="http://schemas.microsoft.com/office/drawing/2017/decorative" val="1"/>
+              </a:ext>
+            </a:extLst>
+          </p:cNvPr>
+          <p:cNvCxnSpPr>
+            <a:cxnSpLocks noGrp="1" noRot="1" noChangeAspect="1" noMove="1" noResize="1" noEditPoints="1" noAdjustHandles="1" noChangeArrowheads="1" noChangeShapeType="1"/>
+          </p:cNvCxnSpPr>
+          <p:nvPr>
+            <p:extLst>
+              <p:ext uri="{386F3935-93C4-4BCD-93E2-E3B085C9AB24}">
+                <p16:designElem xmlns:p16="http://schemas.microsoft.com/office/powerpoint/2015/main" val="1"/>
+              </p:ext>
+            </p:extLst>
+          </p:nvPr>
+        </p:nvCxnSpPr>
+        <p:spPr>
+          <a:xfrm flipH="1">
+            <a:off x="5986332" y="3088919"/>
+            <a:ext cx="5212080" cy="0"/>
+          </a:xfrm>
+          <a:prstGeom prst="line">
+            <a:avLst/>
+          </a:prstGeom>
+          <a:ln w="19050">
+            <a:solidFill>
+              <a:schemeClr val="tx1">
+                <a:lumMod val="85000"/>
+                <a:lumOff val="15000"/>
+              </a:schemeClr>
+            </a:solidFill>
+          </a:ln>
+        </p:spPr>
+        <p:style>
+          <a:lnRef idx="1">
+            <a:schemeClr val="accent1"/>
+          </a:lnRef>
+          <a:fillRef idx="0">
+            <a:schemeClr val="accent1"/>
+          </a:fillRef>
+          <a:effectRef idx="0">
+            <a:schemeClr val="accent1"/>
+          </a:effectRef>
+          <a:fontRef idx="minor">
+            <a:schemeClr val="tx1"/>
+          </a:fontRef>
+        </p:style>
+      </p:cxnSp>
+      <p:sp>
+        <p:nvSpPr>
+          <p:cNvPr id="6" name="Content Placeholder 5">
+            <a:extLst>
+              <a:ext uri="{FF2B5EF4-FFF2-40B4-BE49-F238E27FC236}">
+                <a16:creationId xmlns:a16="http://schemas.microsoft.com/office/drawing/2014/main" id="{38994C98-251E-48D9-9C4C-FAF579CBC566}"/>
+              </a:ext>
+            </a:extLst>
+          </p:cNvPr>
+          <p:cNvSpPr>
+            <a:spLocks noGrp="1"/>
+          </p:cNvSpPr>
+          <p:nvPr>
+            <p:ph idx="1"/>
+          </p:nvPr>
+        </p:nvSpPr>
+        <p:spPr>
+          <a:xfrm>
+            <a:off x="5335524" y="3309581"/>
+            <a:ext cx="6761988" cy="3196373"/>
+          </a:xfrm>
+        </p:spPr>
+        <p:txBody>
+          <a:bodyPr>
+            <a:normAutofit/>
+          </a:bodyPr>
+          <a:lstStyle/>
+          <a:p>
+            <a:pPr>
+              <a:buFont typeface="Wingdings" panose="05000000000000000000" pitchFamily="2" charset="2"/>
+              <a:buChar char="q"/>
+            </a:pPr>
+            <a:r>
+              <a:rPr lang="en-US" dirty="0"/>
+              <a:t> </a:t>
+            </a:r>
+            <a:r>
+              <a:rPr lang="en-US" b="1" dirty="0"/>
+              <a:t>Author recognition </a:t>
+            </a:r>
+            <a:r>
+              <a:rPr lang="en-US" dirty="0"/>
+              <a:t>from the </a:t>
+            </a:r>
+            <a:r>
+              <a:rPr lang="en-US" b="1" dirty="0"/>
+              <a:t>handwritten</a:t>
+            </a:r>
+            <a:r>
+              <a:rPr lang="en-US" dirty="0"/>
+              <a:t> text. </a:t>
+            </a:r>
+          </a:p>
+          <a:p>
+            <a:pPr>
+              <a:buFont typeface="Wingdings" panose="05000000000000000000" pitchFamily="2" charset="2"/>
+              <a:buChar char="q"/>
+            </a:pPr>
+            <a:r>
+              <a:rPr lang="en-US" dirty="0"/>
+              <a:t> Using </a:t>
+            </a:r>
+            <a:r>
+              <a:rPr lang="en-US" b="1" dirty="0"/>
+              <a:t>Convolutional Neural Network </a:t>
+            </a:r>
+            <a:r>
+              <a:rPr lang="en-US" dirty="0"/>
+              <a:t>and </a:t>
+            </a:r>
+            <a:r>
+              <a:rPr lang="en-US" b="1" dirty="0"/>
+              <a:t>train</a:t>
+            </a:r>
+            <a:r>
+              <a:rPr lang="en-US" dirty="0"/>
+              <a:t> using a </a:t>
+            </a:r>
+            <a:r>
+              <a:rPr lang="en-US" b="1" dirty="0" err="1"/>
+              <a:t>Softmax</a:t>
+            </a:r>
+            <a:r>
+              <a:rPr lang="en-US" b="1" dirty="0"/>
+              <a:t> Classification </a:t>
+            </a:r>
+            <a:r>
+              <a:rPr lang="en-US" dirty="0"/>
+              <a:t>loss function .</a:t>
+            </a:r>
+          </a:p>
+          <a:p>
+            <a:pPr>
+              <a:buFont typeface="Wingdings" panose="05000000000000000000" pitchFamily="2" charset="2"/>
+              <a:buChar char="q"/>
+            </a:pPr>
+            <a:r>
+              <a:rPr lang="en-US" kern="100" dirty="0">
+                <a:latin typeface="Calibri" panose="020F0502020204030204" pitchFamily="34" charset="0"/>
+                <a:ea typeface="Calibri" panose="020F0502020204030204" pitchFamily="34" charset="0"/>
+                <a:cs typeface="Arial" panose="020B0604020202020204" pitchFamily="34" charset="0"/>
+              </a:rPr>
+              <a:t> </a:t>
+            </a:r>
+            <a:r>
+              <a:rPr lang="en-US" b="1" kern="100" dirty="0">
+                <a:ea typeface="Calibri" panose="020F0502020204030204" pitchFamily="34" charset="0"/>
+                <a:cs typeface="Arial" panose="020B0604020202020204" pitchFamily="34" charset="0"/>
+              </a:rPr>
+              <a:t>Instead of </a:t>
+            </a:r>
+            <a:r>
+              <a:rPr lang="en-US" b="1" dirty="0"/>
+              <a:t>traditional </a:t>
+            </a:r>
+            <a:r>
+              <a:rPr lang="en-US" dirty="0"/>
+              <a:t>way to establish </a:t>
+            </a:r>
+            <a:r>
+              <a:rPr lang="en-US" b="1" dirty="0"/>
+              <a:t>features</a:t>
+            </a:r>
+            <a:r>
+              <a:rPr lang="en-US" dirty="0"/>
+              <a:t> like </a:t>
+            </a:r>
+            <a:r>
+              <a:rPr lang="en-US" b="1" dirty="0"/>
+              <a:t>curvature</a:t>
+            </a:r>
+            <a:r>
+              <a:rPr lang="en-US" dirty="0"/>
+              <a:t> of </a:t>
+            </a:r>
+            <a:r>
+              <a:rPr lang="en-US" b="1" dirty="0"/>
+              <a:t>letters</a:t>
+            </a:r>
+            <a:r>
+              <a:rPr lang="en-US" dirty="0"/>
+              <a:t>, </a:t>
+            </a:r>
+            <a:r>
+              <a:rPr lang="en-US" b="1" dirty="0"/>
+              <a:t>spacing</a:t>
+            </a:r>
+            <a:r>
+              <a:rPr lang="en-US" dirty="0"/>
+              <a:t> between letters, and feed them into a strong </a:t>
+            </a:r>
+            <a:r>
+              <a:rPr lang="en-US" b="1" dirty="0"/>
+              <a:t>classifier</a:t>
+            </a:r>
+            <a:r>
+              <a:rPr lang="en-US" dirty="0"/>
+              <a:t> like </a:t>
+            </a:r>
+            <a:r>
+              <a:rPr lang="en-US" b="1" dirty="0"/>
+              <a:t>SVM</a:t>
+            </a:r>
+            <a:r>
+              <a:rPr lang="en-US" dirty="0"/>
+              <a:t> to distinguish between the </a:t>
+            </a:r>
+            <a:r>
+              <a:rPr lang="en-US" b="1" dirty="0"/>
+              <a:t>writers</a:t>
+            </a:r>
+            <a:r>
+              <a:rPr lang="en-US" dirty="0"/>
+              <a:t>.</a:t>
+            </a:r>
+            <a:br>
+              <a:rPr lang="en-US" kern="100" dirty="0">
+                <a:effectLst/>
+                <a:latin typeface="Calibri" panose="020F0502020204030204" pitchFamily="34" charset="0"/>
+                <a:ea typeface="Calibri" panose="020F0502020204030204" pitchFamily="34" charset="0"/>
+                <a:cs typeface="Arial" panose="020B0604020202020204" pitchFamily="34" charset="0"/>
+              </a:rPr>
+            </a:br>
+            <a:endParaRPr lang="en-US" dirty="0"/>
+          </a:p>
+        </p:txBody>
+      </p:sp>
+      <p:sp>
+        <p:nvSpPr>
+          <p:cNvPr id="83" name="Freeform 6">
+            <a:extLst>
+              <a:ext uri="{FF2B5EF4-FFF2-40B4-BE49-F238E27FC236}">
+                <a16:creationId xmlns:a16="http://schemas.microsoft.com/office/drawing/2014/main" id="{A101E513-AF74-4E9D-A31F-99664250722D}"/>
+              </a:ext>
+              <a:ext uri="{C183D7F6-B498-43B3-948B-1728B52AA6E4}">
+                <adec:decorative xmlns:adec="http://schemas.microsoft.com/office/drawing/2017/decorative" val="1"/>
+              </a:ext>
+            </a:extLst>
+          </p:cNvPr>
+          <p:cNvSpPr>
+            <a:spLocks noGrp="1" noRot="1" noChangeAspect="1" noMove="1" noResize="1" noEditPoints="1" noAdjustHandles="1" noChangeArrowheads="1" noChangeShapeType="1" noTextEdit="1"/>
+          </p:cNvSpPr>
+          <p:nvPr>
+            <p:extLst>
+              <p:ext uri="{386F3935-93C4-4BCD-93E2-E3B085C9AB24}">
+                <p16:designElem xmlns:p16="http://schemas.microsoft.com/office/powerpoint/2015/main" val="1"/>
+              </p:ext>
+            </p:extLst>
+          </p:nvPr>
+        </p:nvSpPr>
+        <p:spPr bwMode="auto">
+          <a:xfrm>
+            <a:off x="11784011" y="5783564"/>
+            <a:ext cx="407988" cy="819150"/>
+          </a:xfrm>
+          <a:custGeom>
+            <a:avLst/>
+            <a:gdLst/>
+            <a:ahLst/>
+            <a:cxnLst/>
+            <a:rect l="0" t="0" r="r" b="b"/>
+            <a:pathLst>
+              <a:path w="1799" h="3612">
+                <a:moveTo>
+                  <a:pt x="1799" y="0"/>
+                </a:moveTo>
+                <a:lnTo>
+                  <a:pt x="1799" y="3612"/>
+                </a:lnTo>
+                <a:lnTo>
+                  <a:pt x="1686" y="3609"/>
+                </a:lnTo>
+                <a:lnTo>
+                  <a:pt x="1574" y="3598"/>
+                </a:lnTo>
+                <a:lnTo>
+                  <a:pt x="1464" y="3581"/>
+                </a:lnTo>
+                <a:lnTo>
+                  <a:pt x="1357" y="3557"/>
+                </a:lnTo>
+                <a:lnTo>
+                  <a:pt x="1251" y="3527"/>
+                </a:lnTo>
+                <a:lnTo>
+                  <a:pt x="1150" y="3490"/>
+                </a:lnTo>
+                <a:lnTo>
+                  <a:pt x="1050" y="3448"/>
+                </a:lnTo>
+                <a:lnTo>
+                  <a:pt x="953" y="3401"/>
+                </a:lnTo>
+                <a:lnTo>
+                  <a:pt x="860" y="3347"/>
+                </a:lnTo>
+                <a:lnTo>
+                  <a:pt x="771" y="3289"/>
+                </a:lnTo>
+                <a:lnTo>
+                  <a:pt x="686" y="3224"/>
+                </a:lnTo>
+                <a:lnTo>
+                  <a:pt x="604" y="3156"/>
+                </a:lnTo>
+                <a:lnTo>
+                  <a:pt x="527" y="3083"/>
+                </a:lnTo>
+                <a:lnTo>
+                  <a:pt x="454" y="3005"/>
+                </a:lnTo>
+                <a:lnTo>
+                  <a:pt x="386" y="2923"/>
+                </a:lnTo>
+                <a:lnTo>
+                  <a:pt x="323" y="2838"/>
+                </a:lnTo>
+                <a:lnTo>
+                  <a:pt x="265" y="2748"/>
+                </a:lnTo>
+                <a:lnTo>
+                  <a:pt x="211" y="2655"/>
+                </a:lnTo>
+                <a:lnTo>
+                  <a:pt x="163" y="2559"/>
+                </a:lnTo>
+                <a:lnTo>
+                  <a:pt x="121" y="2459"/>
+                </a:lnTo>
+                <a:lnTo>
+                  <a:pt x="85" y="2356"/>
+                </a:lnTo>
+                <a:lnTo>
+                  <a:pt x="55" y="2251"/>
+                </a:lnTo>
+                <a:lnTo>
+                  <a:pt x="32" y="2143"/>
+                </a:lnTo>
+                <a:lnTo>
+                  <a:pt x="14" y="2033"/>
+                </a:lnTo>
+                <a:lnTo>
+                  <a:pt x="4" y="1920"/>
+                </a:lnTo>
+                <a:lnTo>
+                  <a:pt x="0" y="1806"/>
+                </a:lnTo>
+                <a:lnTo>
+                  <a:pt x="4" y="1692"/>
+                </a:lnTo>
+                <a:lnTo>
+                  <a:pt x="14" y="1580"/>
+                </a:lnTo>
+                <a:lnTo>
+                  <a:pt x="32" y="1469"/>
+                </a:lnTo>
+                <a:lnTo>
+                  <a:pt x="55" y="1362"/>
+                </a:lnTo>
+                <a:lnTo>
+                  <a:pt x="85" y="1256"/>
+                </a:lnTo>
+                <a:lnTo>
+                  <a:pt x="121" y="1154"/>
+                </a:lnTo>
+                <a:lnTo>
+                  <a:pt x="163" y="1054"/>
+                </a:lnTo>
+                <a:lnTo>
+                  <a:pt x="211" y="958"/>
+                </a:lnTo>
+                <a:lnTo>
+                  <a:pt x="265" y="864"/>
+                </a:lnTo>
+                <a:lnTo>
+                  <a:pt x="323" y="774"/>
+                </a:lnTo>
+                <a:lnTo>
+                  <a:pt x="386" y="689"/>
+                </a:lnTo>
+                <a:lnTo>
+                  <a:pt x="454" y="607"/>
+                </a:lnTo>
+                <a:lnTo>
+                  <a:pt x="527" y="529"/>
+                </a:lnTo>
+                <a:lnTo>
+                  <a:pt x="604" y="456"/>
+                </a:lnTo>
+                <a:lnTo>
+                  <a:pt x="686" y="388"/>
+                </a:lnTo>
+                <a:lnTo>
+                  <a:pt x="771" y="325"/>
+                </a:lnTo>
+                <a:lnTo>
+                  <a:pt x="860" y="266"/>
+                </a:lnTo>
+                <a:lnTo>
+                  <a:pt x="953" y="212"/>
+                </a:lnTo>
+                <a:lnTo>
+                  <a:pt x="1050" y="164"/>
+                </a:lnTo>
+                <a:lnTo>
+                  <a:pt x="1150" y="122"/>
+                </a:lnTo>
+                <a:lnTo>
+                  <a:pt x="1251" y="85"/>
+                </a:lnTo>
+                <a:lnTo>
+                  <a:pt x="1357" y="55"/>
+                </a:lnTo>
+                <a:lnTo>
+                  <a:pt x="1464" y="32"/>
+                </a:lnTo>
+                <a:lnTo>
+                  <a:pt x="1574" y="14"/>
+                </a:lnTo>
+                <a:lnTo>
+                  <a:pt x="1686" y="5"/>
+                </a:lnTo>
+                <a:lnTo>
+                  <a:pt x="1799" y="0"/>
+                </a:lnTo>
+                <a:close/>
+              </a:path>
+            </a:pathLst>
+          </a:custGeom>
+          <a:solidFill>
+            <a:schemeClr val="tx1">
+              <a:lumMod val="85000"/>
+              <a:lumOff val="15000"/>
+            </a:schemeClr>
+          </a:solidFill>
+          <a:ln w="0">
+            <a:noFill/>
+            <a:prstDash val="solid"/>
+            <a:round/>
+            <a:headEnd/>
+            <a:tailEnd/>
+          </a:ln>
+        </p:spPr>
+        <p:txBody>
+          <a:bodyPr anchor="ctr"/>
+          <a:lstStyle/>
+          <a:p>
+            <a:endParaRPr lang="en-US"/>
+          </a:p>
+        </p:txBody>
+      </p:sp>
+    </p:spTree>
+    <p:extLst>
+      <p:ext uri="{BB962C8B-B14F-4D97-AF65-F5344CB8AC3E}">
+        <p14:creationId xmlns:p14="http://schemas.microsoft.com/office/powerpoint/2010/main" val="612081269"/>
+      </p:ext>
+    </p:extLst>
+  </p:cSld>
+  <p:clrMapOvr>
+    <a:masterClrMapping/>
+  </p:clrMapOvr>
+  <p:transition spd="slow" advTm="29251">
+    <p:wipe/>
+  </p:transition>
+</p:sld>
+</file>
+
+<file path=ppt/slides/slide20.xml><?xml version="1.0" encoding="utf-8"?>
 <p:sld xmlns:a="http://schemas.openxmlformats.org/drawingml/2006/main" xmlns:r="http://schemas.openxmlformats.org/officeDocument/2006/relationships" xmlns:p="http://schemas.openxmlformats.org/presentationml/2006/main">
   <p:cSld>
     <p:bg>
@@ -12729,7 +14577,7 @@
 </p:sld>
 </file>
 
-<file path=ppt/slides/slide15.xml><?xml version="1.0" encoding="utf-8"?>
+<file path=ppt/slides/slide21.xml><?xml version="1.0" encoding="utf-8"?>
 <p:sld xmlns:a="http://schemas.openxmlformats.org/drawingml/2006/main" xmlns:r="http://schemas.openxmlformats.org/officeDocument/2006/relationships" xmlns:p="http://schemas.openxmlformats.org/presentationml/2006/main">
   <p:cSld>
     <p:bg>
@@ -13641,692 +15489,6 @@
       <p:bldP spid="4" grpId="0"/>
     </p:bldLst>
   </p:timing>
-</p:sld>
-</file>
-
-<file path=ppt/slides/slide2.xml><?xml version="1.0" encoding="utf-8"?>
-<p:sld xmlns:a="http://schemas.openxmlformats.org/drawingml/2006/main" xmlns:r="http://schemas.openxmlformats.org/officeDocument/2006/relationships" xmlns:p="http://schemas.openxmlformats.org/presentationml/2006/main">
-  <p:cSld>
-    <p:bg>
-      <p:bgPr>
-        <a:solidFill>
-          <a:schemeClr val="bg2"/>
-        </a:solidFill>
-        <a:effectLst/>
-      </p:bgPr>
-    </p:bg>
-    <p:spTree>
-      <p:nvGrpSpPr>
-        <p:cNvPr id="1" name=""/>
-        <p:cNvGrpSpPr/>
-        <p:nvPr/>
-      </p:nvGrpSpPr>
-      <p:grpSpPr>
-        <a:xfrm>
-          <a:off x="0" y="0"/>
-          <a:ext cx="0" cy="0"/>
-          <a:chOff x="0" y="0"/>
-          <a:chExt cx="0" cy="0"/>
-        </a:xfrm>
-      </p:grpSpPr>
-      <p:sp useBgFill="1">
-        <p:nvSpPr>
-          <p:cNvPr id="79" name="Rectangle 78">
-            <a:extLst>
-              <a:ext uri="{FF2B5EF4-FFF2-40B4-BE49-F238E27FC236}">
-                <a16:creationId xmlns:a16="http://schemas.microsoft.com/office/drawing/2014/main" id="{C5176844-69C3-4F79-BE38-EA5BDDF4FEA4}"/>
-              </a:ext>
-              <a:ext uri="{C183D7F6-B498-43B3-948B-1728B52AA6E4}">
-                <adec:decorative xmlns:adec="http://schemas.microsoft.com/office/drawing/2017/decorative" val="1"/>
-              </a:ext>
-            </a:extLst>
-          </p:cNvPr>
-          <p:cNvSpPr>
-            <a:spLocks noGrp="1" noRot="1" noChangeAspect="1" noMove="1" noResize="1" noEditPoints="1" noAdjustHandles="1" noChangeArrowheads="1" noChangeShapeType="1" noTextEdit="1"/>
-          </p:cNvSpPr>
-          <p:nvPr>
-            <p:extLst>
-              <p:ext uri="{386F3935-93C4-4BCD-93E2-E3B085C9AB24}">
-                <p16:designElem xmlns:p16="http://schemas.microsoft.com/office/powerpoint/2015/main" val="1"/>
-              </p:ext>
-            </p:extLst>
-          </p:nvPr>
-        </p:nvSpPr>
-        <p:spPr>
-          <a:xfrm>
-            <a:off x="0" y="0"/>
-            <a:ext cx="12192000" cy="6858000"/>
-          </a:xfrm>
-          <a:prstGeom prst="rect">
-            <a:avLst/>
-          </a:prstGeom>
-          <a:ln>
-            <a:noFill/>
-          </a:ln>
-        </p:spPr>
-        <p:style>
-          <a:lnRef idx="2">
-            <a:schemeClr val="accent1">
-              <a:shade val="50000"/>
-            </a:schemeClr>
-          </a:lnRef>
-          <a:fillRef idx="1">
-            <a:schemeClr val="accent1"/>
-          </a:fillRef>
-          <a:effectRef idx="0">
-            <a:schemeClr val="accent1"/>
-          </a:effectRef>
-          <a:fontRef idx="minor">
-            <a:schemeClr val="lt1"/>
-          </a:fontRef>
-        </p:style>
-        <p:txBody>
-          <a:bodyPr rtlCol="0" anchor="ctr"/>
-          <a:lstStyle/>
-          <a:p>
-            <a:pPr algn="ctr"/>
-            <a:endParaRPr lang="en-US"/>
-          </a:p>
-        </p:txBody>
-      </p:sp>
-      <p:sp>
-        <p:nvSpPr>
-          <p:cNvPr id="4" name="Title 3">
-            <a:extLst>
-              <a:ext uri="{FF2B5EF4-FFF2-40B4-BE49-F238E27FC236}">
-                <a16:creationId xmlns:a16="http://schemas.microsoft.com/office/drawing/2014/main" id="{8DFBB44B-1165-2704-A04E-567159C16F03}"/>
-              </a:ext>
-            </a:extLst>
-          </p:cNvPr>
-          <p:cNvSpPr>
-            <a:spLocks noGrp="1"/>
-          </p:cNvSpPr>
-          <p:nvPr>
-            <p:ph type="title"/>
-          </p:nvPr>
-        </p:nvSpPr>
-        <p:spPr>
-          <a:xfrm>
-            <a:off x="5877532" y="1063255"/>
-            <a:ext cx="5312254" cy="1806727"/>
-          </a:xfrm>
-        </p:spPr>
-        <p:txBody>
-          <a:bodyPr>
-            <a:normAutofit/>
-          </a:bodyPr>
-          <a:lstStyle/>
-          <a:p>
-            <a:pPr marL="342900" marR="0" lvl="0" indent="-342900">
-              <a:spcBef>
-                <a:spcPts val="0"/>
-              </a:spcBef>
-              <a:spcAft>
-                <a:spcPts val="0"/>
-              </a:spcAft>
-            </a:pPr>
-            <a:r>
-              <a:rPr lang="en-US" b="1" i="0" kern="100" dirty="0">
-                <a:effectLst/>
-                <a:ea typeface="Calibri" panose="020F0502020204030204" pitchFamily="34" charset="0"/>
-                <a:cs typeface="Arial" panose="020B0604020202020204" pitchFamily="34" charset="0"/>
-              </a:rPr>
-              <a:t>Objective</a:t>
-            </a:r>
-            <a:br>
-              <a:rPr lang="en-US" b="1" i="0" kern="100" dirty="0">
-                <a:effectLst/>
-                <a:latin typeface="Calibri" panose="020F0502020204030204" pitchFamily="34" charset="0"/>
-                <a:ea typeface="Calibri" panose="020F0502020204030204" pitchFamily="34" charset="0"/>
-                <a:cs typeface="Arial" panose="020B0604020202020204" pitchFamily="34" charset="0"/>
-              </a:rPr>
-            </a:br>
-            <a:endParaRPr lang="en-US" b="1" i="0" dirty="0"/>
-          </a:p>
-        </p:txBody>
-      </p:sp>
-      <p:pic>
-        <p:nvPicPr>
-          <p:cNvPr id="8" name="Picture 7" descr="Pen placed on top of a signature line">
-            <a:extLst>
-              <a:ext uri="{FF2B5EF4-FFF2-40B4-BE49-F238E27FC236}">
-                <a16:creationId xmlns:a16="http://schemas.microsoft.com/office/drawing/2014/main" id="{E1DF3D64-3565-D64C-B60E-1F985FF5C000}"/>
-              </a:ext>
-            </a:extLst>
-          </p:cNvPr>
-          <p:cNvPicPr>
-            <a:picLocks noChangeAspect="1"/>
-          </p:cNvPicPr>
-          <p:nvPr/>
-        </p:nvPicPr>
-        <p:blipFill rotWithShape="1">
-          <a:blip r:embed="rId2"/>
-          <a:srcRect l="49242" r="-1" b="-1"/>
-          <a:stretch/>
-        </p:blipFill>
-        <p:spPr>
-          <a:xfrm>
-            <a:off x="1" y="10"/>
-            <a:ext cx="5215066" cy="6857990"/>
-          </a:xfrm>
-          <a:custGeom>
-            <a:avLst/>
-            <a:gdLst/>
-            <a:ahLst/>
-            <a:cxnLst/>
-            <a:rect l="l" t="t" r="r" b="b"/>
-            <a:pathLst>
-              <a:path w="5215066" h="6845983">
-                <a:moveTo>
-                  <a:pt x="0" y="0"/>
-                </a:moveTo>
-                <a:lnTo>
-                  <a:pt x="3197713" y="0"/>
-                </a:lnTo>
-                <a:lnTo>
-                  <a:pt x="3259787" y="39795"/>
-                </a:lnTo>
-                <a:cubicBezTo>
-                  <a:pt x="4439462" y="836768"/>
-                  <a:pt x="5215066" y="2186425"/>
-                  <a:pt x="5215066" y="3717234"/>
-                </a:cubicBezTo>
-                <a:cubicBezTo>
-                  <a:pt x="5215066" y="4788800"/>
-                  <a:pt x="4835020" y="5771602"/>
-                  <a:pt x="4202364" y="6538204"/>
-                </a:cubicBezTo>
-                <a:lnTo>
-                  <a:pt x="3922635" y="6845983"/>
-                </a:lnTo>
-                <a:lnTo>
-                  <a:pt x="0" y="6845983"/>
-                </a:lnTo>
-                <a:close/>
-              </a:path>
-            </a:pathLst>
-          </a:custGeom>
-        </p:spPr>
-      </p:pic>
-      <p:cxnSp>
-        <p:nvCxnSpPr>
-          <p:cNvPr id="81" name="Straight Connector 80">
-            <a:extLst>
-              <a:ext uri="{FF2B5EF4-FFF2-40B4-BE49-F238E27FC236}">
-                <a16:creationId xmlns:a16="http://schemas.microsoft.com/office/drawing/2014/main" id="{C1FC086D-39EC-448D-97E7-FF232355AE19}"/>
-              </a:ext>
-              <a:ext uri="{C183D7F6-B498-43B3-948B-1728B52AA6E4}">
-                <adec:decorative xmlns:adec="http://schemas.microsoft.com/office/drawing/2017/decorative" val="1"/>
-              </a:ext>
-            </a:extLst>
-          </p:cNvPr>
-          <p:cNvCxnSpPr>
-            <a:cxnSpLocks noGrp="1" noRot="1" noChangeAspect="1" noMove="1" noResize="1" noEditPoints="1" noAdjustHandles="1" noChangeArrowheads="1" noChangeShapeType="1"/>
-          </p:cNvCxnSpPr>
-          <p:nvPr>
-            <p:extLst>
-              <p:ext uri="{386F3935-93C4-4BCD-93E2-E3B085C9AB24}">
-                <p16:designElem xmlns:p16="http://schemas.microsoft.com/office/powerpoint/2015/main" val="1"/>
-              </p:ext>
-            </p:extLst>
-          </p:nvPr>
-        </p:nvCxnSpPr>
-        <p:spPr>
-          <a:xfrm flipH="1">
-            <a:off x="5986332" y="3088919"/>
-            <a:ext cx="5212080" cy="0"/>
-          </a:xfrm>
-          <a:prstGeom prst="line">
-            <a:avLst/>
-          </a:prstGeom>
-          <a:ln w="19050">
-            <a:solidFill>
-              <a:schemeClr val="tx1">
-                <a:lumMod val="85000"/>
-                <a:lumOff val="15000"/>
-              </a:schemeClr>
-            </a:solidFill>
-          </a:ln>
-        </p:spPr>
-        <p:style>
-          <a:lnRef idx="1">
-            <a:schemeClr val="accent1"/>
-          </a:lnRef>
-          <a:fillRef idx="0">
-            <a:schemeClr val="accent1"/>
-          </a:fillRef>
-          <a:effectRef idx="0">
-            <a:schemeClr val="accent1"/>
-          </a:effectRef>
-          <a:fontRef idx="minor">
-            <a:schemeClr val="tx1"/>
-          </a:fontRef>
-        </p:style>
-      </p:cxnSp>
-      <p:sp>
-        <p:nvSpPr>
-          <p:cNvPr id="6" name="Content Placeholder 5">
-            <a:extLst>
-              <a:ext uri="{FF2B5EF4-FFF2-40B4-BE49-F238E27FC236}">
-                <a16:creationId xmlns:a16="http://schemas.microsoft.com/office/drawing/2014/main" id="{38994C98-251E-48D9-9C4C-FAF579CBC566}"/>
-              </a:ext>
-            </a:extLst>
-          </p:cNvPr>
-          <p:cNvSpPr>
-            <a:spLocks noGrp="1"/>
-          </p:cNvSpPr>
-          <p:nvPr>
-            <p:ph idx="1"/>
-          </p:nvPr>
-        </p:nvSpPr>
-        <p:spPr>
-          <a:xfrm>
-            <a:off x="5335524" y="3309581"/>
-            <a:ext cx="6761988" cy="3196373"/>
-          </a:xfrm>
-        </p:spPr>
-        <p:txBody>
-          <a:bodyPr>
-            <a:normAutofit/>
-          </a:bodyPr>
-          <a:lstStyle/>
-          <a:p>
-            <a:pPr>
-              <a:buFont typeface="Wingdings" panose="05000000000000000000" pitchFamily="2" charset="2"/>
-              <a:buChar char="q"/>
-            </a:pPr>
-            <a:r>
-              <a:rPr lang="en-US" dirty="0"/>
-              <a:t> </a:t>
-            </a:r>
-            <a:r>
-              <a:rPr lang="en-US" b="1" dirty="0"/>
-              <a:t>Author recognition </a:t>
-            </a:r>
-            <a:r>
-              <a:rPr lang="en-US" dirty="0"/>
-              <a:t>from the </a:t>
-            </a:r>
-            <a:r>
-              <a:rPr lang="en-US" b="1" dirty="0"/>
-              <a:t>handwritten</a:t>
-            </a:r>
-            <a:r>
-              <a:rPr lang="en-US" dirty="0"/>
-              <a:t> text. </a:t>
-            </a:r>
-          </a:p>
-          <a:p>
-            <a:pPr>
-              <a:buFont typeface="Wingdings" panose="05000000000000000000" pitchFamily="2" charset="2"/>
-              <a:buChar char="q"/>
-            </a:pPr>
-            <a:r>
-              <a:rPr lang="en-US" dirty="0"/>
-              <a:t> Using </a:t>
-            </a:r>
-            <a:r>
-              <a:rPr lang="en-US" b="1" dirty="0"/>
-              <a:t>Convolutional Neural Network </a:t>
-            </a:r>
-            <a:r>
-              <a:rPr lang="en-US" dirty="0"/>
-              <a:t>and </a:t>
-            </a:r>
-            <a:r>
-              <a:rPr lang="en-US" b="1" dirty="0"/>
-              <a:t>train</a:t>
-            </a:r>
-            <a:r>
-              <a:rPr lang="en-US" dirty="0"/>
-              <a:t> using a </a:t>
-            </a:r>
-            <a:r>
-              <a:rPr lang="en-US" b="1" dirty="0" err="1"/>
-              <a:t>softmax</a:t>
-            </a:r>
-            <a:r>
-              <a:rPr lang="en-US" b="1" dirty="0"/>
-              <a:t> classification </a:t>
-            </a:r>
-            <a:r>
-              <a:rPr lang="en-US" dirty="0"/>
-              <a:t>loss function .</a:t>
-            </a:r>
-          </a:p>
-          <a:p>
-            <a:pPr>
-              <a:buFont typeface="Wingdings" panose="05000000000000000000" pitchFamily="2" charset="2"/>
-              <a:buChar char="q"/>
-            </a:pPr>
-            <a:r>
-              <a:rPr lang="en-US" kern="100" dirty="0">
-                <a:latin typeface="Calibri" panose="020F0502020204030204" pitchFamily="34" charset="0"/>
-                <a:ea typeface="Calibri" panose="020F0502020204030204" pitchFamily="34" charset="0"/>
-                <a:cs typeface="Arial" panose="020B0604020202020204" pitchFamily="34" charset="0"/>
-              </a:rPr>
-              <a:t> </a:t>
-            </a:r>
-            <a:r>
-              <a:rPr lang="en-US" b="1" kern="100" dirty="0">
-                <a:ea typeface="Calibri" panose="020F0502020204030204" pitchFamily="34" charset="0"/>
-                <a:cs typeface="Arial" panose="020B0604020202020204" pitchFamily="34" charset="0"/>
-              </a:rPr>
-              <a:t>Instead of </a:t>
-            </a:r>
-            <a:r>
-              <a:rPr lang="en-US" b="1" dirty="0"/>
-              <a:t>traditional </a:t>
-            </a:r>
-            <a:r>
-              <a:rPr lang="en-US" dirty="0"/>
-              <a:t>way to establish </a:t>
-            </a:r>
-            <a:r>
-              <a:rPr lang="en-US" b="1" dirty="0"/>
-              <a:t>features</a:t>
-            </a:r>
-            <a:r>
-              <a:rPr lang="en-US" dirty="0"/>
-              <a:t> like </a:t>
-            </a:r>
-            <a:r>
-              <a:rPr lang="en-US" b="1" dirty="0"/>
-              <a:t>curvature</a:t>
-            </a:r>
-            <a:r>
-              <a:rPr lang="en-US" dirty="0"/>
-              <a:t> of </a:t>
-            </a:r>
-            <a:r>
-              <a:rPr lang="en-US" b="1" dirty="0"/>
-              <a:t>letters</a:t>
-            </a:r>
-            <a:r>
-              <a:rPr lang="en-US" dirty="0"/>
-              <a:t>, </a:t>
-            </a:r>
-            <a:r>
-              <a:rPr lang="en-US" b="1" dirty="0"/>
-              <a:t>spacing</a:t>
-            </a:r>
-            <a:r>
-              <a:rPr lang="en-US" dirty="0"/>
-              <a:t> between letters. And feed them into a strong </a:t>
-            </a:r>
-            <a:r>
-              <a:rPr lang="en-US" b="1" dirty="0"/>
-              <a:t>classifier</a:t>
-            </a:r>
-            <a:r>
-              <a:rPr lang="en-US" dirty="0"/>
-              <a:t> like </a:t>
-            </a:r>
-            <a:r>
-              <a:rPr lang="en-US" b="1" dirty="0"/>
-              <a:t>SVM</a:t>
-            </a:r>
-            <a:r>
-              <a:rPr lang="en-US" dirty="0"/>
-              <a:t> to distinguish between the </a:t>
-            </a:r>
-            <a:r>
-              <a:rPr lang="en-US" b="1" dirty="0"/>
-              <a:t>writers</a:t>
-            </a:r>
-            <a:r>
-              <a:rPr lang="en-US" dirty="0"/>
-              <a:t>.</a:t>
-            </a:r>
-            <a:br>
-              <a:rPr lang="en-US" kern="100" dirty="0">
-                <a:effectLst/>
-                <a:latin typeface="Calibri" panose="020F0502020204030204" pitchFamily="34" charset="0"/>
-                <a:ea typeface="Calibri" panose="020F0502020204030204" pitchFamily="34" charset="0"/>
-                <a:cs typeface="Arial" panose="020B0604020202020204" pitchFamily="34" charset="0"/>
-              </a:rPr>
-            </a:br>
-            <a:endParaRPr lang="en-US" dirty="0"/>
-          </a:p>
-        </p:txBody>
-      </p:sp>
-      <p:sp>
-        <p:nvSpPr>
-          <p:cNvPr id="83" name="Freeform 6">
-            <a:extLst>
-              <a:ext uri="{FF2B5EF4-FFF2-40B4-BE49-F238E27FC236}">
-                <a16:creationId xmlns:a16="http://schemas.microsoft.com/office/drawing/2014/main" id="{A101E513-AF74-4E9D-A31F-99664250722D}"/>
-              </a:ext>
-              <a:ext uri="{C183D7F6-B498-43B3-948B-1728B52AA6E4}">
-                <adec:decorative xmlns:adec="http://schemas.microsoft.com/office/drawing/2017/decorative" val="1"/>
-              </a:ext>
-            </a:extLst>
-          </p:cNvPr>
-          <p:cNvSpPr>
-            <a:spLocks noGrp="1" noRot="1" noChangeAspect="1" noMove="1" noResize="1" noEditPoints="1" noAdjustHandles="1" noChangeArrowheads="1" noChangeShapeType="1" noTextEdit="1"/>
-          </p:cNvSpPr>
-          <p:nvPr>
-            <p:extLst>
-              <p:ext uri="{386F3935-93C4-4BCD-93E2-E3B085C9AB24}">
-                <p16:designElem xmlns:p16="http://schemas.microsoft.com/office/powerpoint/2015/main" val="1"/>
-              </p:ext>
-            </p:extLst>
-          </p:nvPr>
-        </p:nvSpPr>
-        <p:spPr bwMode="auto">
-          <a:xfrm>
-            <a:off x="11784011" y="5783564"/>
-            <a:ext cx="407988" cy="819150"/>
-          </a:xfrm>
-          <a:custGeom>
-            <a:avLst/>
-            <a:gdLst/>
-            <a:ahLst/>
-            <a:cxnLst/>
-            <a:rect l="0" t="0" r="r" b="b"/>
-            <a:pathLst>
-              <a:path w="1799" h="3612">
-                <a:moveTo>
-                  <a:pt x="1799" y="0"/>
-                </a:moveTo>
-                <a:lnTo>
-                  <a:pt x="1799" y="3612"/>
-                </a:lnTo>
-                <a:lnTo>
-                  <a:pt x="1686" y="3609"/>
-                </a:lnTo>
-                <a:lnTo>
-                  <a:pt x="1574" y="3598"/>
-                </a:lnTo>
-                <a:lnTo>
-                  <a:pt x="1464" y="3581"/>
-                </a:lnTo>
-                <a:lnTo>
-                  <a:pt x="1357" y="3557"/>
-                </a:lnTo>
-                <a:lnTo>
-                  <a:pt x="1251" y="3527"/>
-                </a:lnTo>
-                <a:lnTo>
-                  <a:pt x="1150" y="3490"/>
-                </a:lnTo>
-                <a:lnTo>
-                  <a:pt x="1050" y="3448"/>
-                </a:lnTo>
-                <a:lnTo>
-                  <a:pt x="953" y="3401"/>
-                </a:lnTo>
-                <a:lnTo>
-                  <a:pt x="860" y="3347"/>
-                </a:lnTo>
-                <a:lnTo>
-                  <a:pt x="771" y="3289"/>
-                </a:lnTo>
-                <a:lnTo>
-                  <a:pt x="686" y="3224"/>
-                </a:lnTo>
-                <a:lnTo>
-                  <a:pt x="604" y="3156"/>
-                </a:lnTo>
-                <a:lnTo>
-                  <a:pt x="527" y="3083"/>
-                </a:lnTo>
-                <a:lnTo>
-                  <a:pt x="454" y="3005"/>
-                </a:lnTo>
-                <a:lnTo>
-                  <a:pt x="386" y="2923"/>
-                </a:lnTo>
-                <a:lnTo>
-                  <a:pt x="323" y="2838"/>
-                </a:lnTo>
-                <a:lnTo>
-                  <a:pt x="265" y="2748"/>
-                </a:lnTo>
-                <a:lnTo>
-                  <a:pt x="211" y="2655"/>
-                </a:lnTo>
-                <a:lnTo>
-                  <a:pt x="163" y="2559"/>
-                </a:lnTo>
-                <a:lnTo>
-                  <a:pt x="121" y="2459"/>
-                </a:lnTo>
-                <a:lnTo>
-                  <a:pt x="85" y="2356"/>
-                </a:lnTo>
-                <a:lnTo>
-                  <a:pt x="55" y="2251"/>
-                </a:lnTo>
-                <a:lnTo>
-                  <a:pt x="32" y="2143"/>
-                </a:lnTo>
-                <a:lnTo>
-                  <a:pt x="14" y="2033"/>
-                </a:lnTo>
-                <a:lnTo>
-                  <a:pt x="4" y="1920"/>
-                </a:lnTo>
-                <a:lnTo>
-                  <a:pt x="0" y="1806"/>
-                </a:lnTo>
-                <a:lnTo>
-                  <a:pt x="4" y="1692"/>
-                </a:lnTo>
-                <a:lnTo>
-                  <a:pt x="14" y="1580"/>
-                </a:lnTo>
-                <a:lnTo>
-                  <a:pt x="32" y="1469"/>
-                </a:lnTo>
-                <a:lnTo>
-                  <a:pt x="55" y="1362"/>
-                </a:lnTo>
-                <a:lnTo>
-                  <a:pt x="85" y="1256"/>
-                </a:lnTo>
-                <a:lnTo>
-                  <a:pt x="121" y="1154"/>
-                </a:lnTo>
-                <a:lnTo>
-                  <a:pt x="163" y="1054"/>
-                </a:lnTo>
-                <a:lnTo>
-                  <a:pt x="211" y="958"/>
-                </a:lnTo>
-                <a:lnTo>
-                  <a:pt x="265" y="864"/>
-                </a:lnTo>
-                <a:lnTo>
-                  <a:pt x="323" y="774"/>
-                </a:lnTo>
-                <a:lnTo>
-                  <a:pt x="386" y="689"/>
-                </a:lnTo>
-                <a:lnTo>
-                  <a:pt x="454" y="607"/>
-                </a:lnTo>
-                <a:lnTo>
-                  <a:pt x="527" y="529"/>
-                </a:lnTo>
-                <a:lnTo>
-                  <a:pt x="604" y="456"/>
-                </a:lnTo>
-                <a:lnTo>
-                  <a:pt x="686" y="388"/>
-                </a:lnTo>
-                <a:lnTo>
-                  <a:pt x="771" y="325"/>
-                </a:lnTo>
-                <a:lnTo>
-                  <a:pt x="860" y="266"/>
-                </a:lnTo>
-                <a:lnTo>
-                  <a:pt x="953" y="212"/>
-                </a:lnTo>
-                <a:lnTo>
-                  <a:pt x="1050" y="164"/>
-                </a:lnTo>
-                <a:lnTo>
-                  <a:pt x="1150" y="122"/>
-                </a:lnTo>
-                <a:lnTo>
-                  <a:pt x="1251" y="85"/>
-                </a:lnTo>
-                <a:lnTo>
-                  <a:pt x="1357" y="55"/>
-                </a:lnTo>
-                <a:lnTo>
-                  <a:pt x="1464" y="32"/>
-                </a:lnTo>
-                <a:lnTo>
-                  <a:pt x="1574" y="14"/>
-                </a:lnTo>
-                <a:lnTo>
-                  <a:pt x="1686" y="5"/>
-                </a:lnTo>
-                <a:lnTo>
-                  <a:pt x="1799" y="0"/>
-                </a:lnTo>
-                <a:close/>
-              </a:path>
-            </a:pathLst>
-          </a:custGeom>
-          <a:solidFill>
-            <a:schemeClr val="tx1">
-              <a:lumMod val="85000"/>
-              <a:lumOff val="15000"/>
-            </a:schemeClr>
-          </a:solidFill>
-          <a:ln w="0">
-            <a:noFill/>
-            <a:prstDash val="solid"/>
-            <a:round/>
-            <a:headEnd/>
-            <a:tailEnd/>
-          </a:ln>
-        </p:spPr>
-        <p:txBody>
-          <a:bodyPr anchor="ctr"/>
-          <a:lstStyle/>
-          <a:p>
-            <a:endParaRPr lang="en-US"/>
-          </a:p>
-        </p:txBody>
-      </p:sp>
-    </p:spTree>
-    <p:extLst>
-      <p:ext uri="{BB962C8B-B14F-4D97-AF65-F5344CB8AC3E}">
-        <p14:creationId xmlns:p14="http://schemas.microsoft.com/office/powerpoint/2010/main" val="612081269"/>
-      </p:ext>
-    </p:extLst>
-  </p:cSld>
-  <p:clrMapOvr>
-    <a:masterClrMapping/>
-  </p:clrMapOvr>
-  <p:transition spd="slow" advTm="29251">
-    <p:wipe/>
-  </p:transition>
 </p:sld>
 </file>
 
@@ -14869,6 +16031,1940 @@
       </p:grpSpPr>
       <p:sp>
         <p:nvSpPr>
+          <p:cNvPr id="4" name="Title 3">
+            <a:extLst>
+              <a:ext uri="{FF2B5EF4-FFF2-40B4-BE49-F238E27FC236}">
+                <a16:creationId xmlns:a16="http://schemas.microsoft.com/office/drawing/2014/main" id="{FF1723B8-A73D-9EE6-8E4D-5B9683F63C11}"/>
+              </a:ext>
+            </a:extLst>
+          </p:cNvPr>
+          <p:cNvSpPr>
+            <a:spLocks noGrp="1"/>
+          </p:cNvSpPr>
+          <p:nvPr>
+            <p:ph type="title"/>
+          </p:nvPr>
+        </p:nvSpPr>
+        <p:spPr>
+          <a:xfrm>
+            <a:off x="440321" y="898981"/>
+            <a:ext cx="10666949" cy="980111"/>
+          </a:xfrm>
+        </p:spPr>
+        <p:txBody>
+          <a:bodyPr>
+            <a:normAutofit fontScale="90000"/>
+          </a:bodyPr>
+          <a:lstStyle/>
+          <a:p>
+            <a:r>
+              <a:rPr lang="en-US" b="1" i="0" u="sng" dirty="0"/>
+              <a:t>Preprocessing of the data set</a:t>
+            </a:r>
+            <a:br>
+              <a:rPr lang="en-US" b="1" i="0" u="sng" dirty="0"/>
+            </a:br>
+            <a:endParaRPr lang="en-IN" b="1" i="0" u="sng" dirty="0"/>
+          </a:p>
+        </p:txBody>
+      </p:sp>
+      <p:sp>
+        <p:nvSpPr>
+          <p:cNvPr id="5" name="Text Placeholder 4">
+            <a:extLst>
+              <a:ext uri="{FF2B5EF4-FFF2-40B4-BE49-F238E27FC236}">
+                <a16:creationId xmlns:a16="http://schemas.microsoft.com/office/drawing/2014/main" id="{D039F891-B483-9BAF-1382-B285466A06CD}"/>
+              </a:ext>
+            </a:extLst>
+          </p:cNvPr>
+          <p:cNvSpPr>
+            <a:spLocks noGrp="1"/>
+          </p:cNvSpPr>
+          <p:nvPr>
+            <p:ph type="body" idx="1"/>
+          </p:nvPr>
+        </p:nvSpPr>
+        <p:spPr>
+          <a:xfrm>
+            <a:off x="440321" y="269300"/>
+            <a:ext cx="10671048" cy="822960"/>
+          </a:xfrm>
+        </p:spPr>
+        <p:txBody>
+          <a:bodyPr>
+            <a:normAutofit/>
+          </a:bodyPr>
+          <a:lstStyle/>
+          <a:p>
+            <a:r>
+              <a:rPr lang="en-US" sz="3200" b="1" i="0" dirty="0"/>
+              <a:t>Previous Work…</a:t>
+            </a:r>
+            <a:endParaRPr lang="en-IN" sz="3200" b="1" i="0" dirty="0"/>
+          </a:p>
+        </p:txBody>
+      </p:sp>
+      <p:sp>
+        <p:nvSpPr>
+          <p:cNvPr id="6" name="Title 3">
+            <a:extLst>
+              <a:ext uri="{FF2B5EF4-FFF2-40B4-BE49-F238E27FC236}">
+                <a16:creationId xmlns:a16="http://schemas.microsoft.com/office/drawing/2014/main" id="{483DF9B2-C9EC-CF16-5040-6820F9706A59}"/>
+              </a:ext>
+            </a:extLst>
+          </p:cNvPr>
+          <p:cNvSpPr txBox="1">
+            <a:spLocks/>
+          </p:cNvSpPr>
+          <p:nvPr/>
+        </p:nvSpPr>
+        <p:spPr>
+          <a:xfrm>
+            <a:off x="440322" y="1879091"/>
+            <a:ext cx="7278290" cy="5050627"/>
+          </a:xfrm>
+          <a:prstGeom prst="rect">
+            <a:avLst/>
+          </a:prstGeom>
+        </p:spPr>
+        <p:txBody>
+          <a:bodyPr vert="horz" lIns="91440" tIns="45720" rIns="91440" bIns="45720" rtlCol="0" anchor="t">
+            <a:normAutofit fontScale="70000" lnSpcReduction="20000"/>
+          </a:bodyPr>
+          <a:lstStyle>
+            <a:lvl1pPr algn="l" defTabSz="914400" rtl="0" eaLnBrk="1" latinLnBrk="0" hangingPunct="1">
+              <a:lnSpc>
+                <a:spcPct val="90000"/>
+              </a:lnSpc>
+              <a:spcBef>
+                <a:spcPct val="0"/>
+              </a:spcBef>
+              <a:buNone/>
+              <a:defRPr sz="6000" i="1" kern="1200" spc="100" baseline="0">
+                <a:solidFill>
+                  <a:schemeClr val="tx1">
+                    <a:lumMod val="85000"/>
+                    <a:lumOff val="15000"/>
+                  </a:schemeClr>
+                </a:solidFill>
+                <a:latin typeface="+mj-lt"/>
+                <a:ea typeface="+mj-ea"/>
+                <a:cs typeface="+mj-cs"/>
+              </a:defRPr>
+            </a:lvl1pPr>
+          </a:lstStyle>
+          <a:p>
+            <a:pPr marL="571500" indent="-571500">
+              <a:lnSpc>
+                <a:spcPct val="120000"/>
+              </a:lnSpc>
+              <a:buFont typeface="Wingdings" panose="05000000000000000000" pitchFamily="2" charset="2"/>
+              <a:buChar char="n"/>
+            </a:pPr>
+            <a:r>
+              <a:rPr lang="en-US" sz="3900" i="0" dirty="0">
+                <a:latin typeface="+mn-lt"/>
+              </a:rPr>
+              <a:t>Segmented the handwritten image first line wise then word wise.</a:t>
+            </a:r>
+          </a:p>
+          <a:p>
+            <a:pPr marL="571500" indent="-571500">
+              <a:lnSpc>
+                <a:spcPct val="120000"/>
+              </a:lnSpc>
+              <a:buFont typeface="Wingdings" panose="05000000000000000000" pitchFamily="2" charset="2"/>
+              <a:buChar char="n"/>
+            </a:pPr>
+            <a:r>
+              <a:rPr lang="en-US" sz="3900" b="1" i="0" dirty="0">
+                <a:latin typeface="+mn-lt"/>
+              </a:rPr>
+              <a:t>Grayscale Conversion</a:t>
+            </a:r>
+          </a:p>
+          <a:p>
+            <a:pPr marL="571500" indent="-571500">
+              <a:lnSpc>
+                <a:spcPct val="120000"/>
+              </a:lnSpc>
+              <a:buFont typeface="Wingdings" panose="05000000000000000000" pitchFamily="2" charset="2"/>
+              <a:buChar char="n"/>
+            </a:pPr>
+            <a:r>
+              <a:rPr lang="en-US" sz="3900" i="0" dirty="0">
+                <a:latin typeface="+mn-lt"/>
+              </a:rPr>
+              <a:t>Thresholding (</a:t>
+            </a:r>
+            <a:r>
+              <a:rPr lang="en-US" sz="3900" b="1" i="0" dirty="0">
+                <a:latin typeface="+mn-lt"/>
+              </a:rPr>
+              <a:t>Otsu's Method</a:t>
+            </a:r>
+            <a:r>
+              <a:rPr lang="en-US" sz="3900" i="0" dirty="0">
+                <a:latin typeface="+mn-lt"/>
+              </a:rPr>
+              <a:t>)</a:t>
+            </a:r>
+          </a:p>
+          <a:p>
+            <a:pPr marL="571500" indent="-571500">
+              <a:lnSpc>
+                <a:spcPct val="120000"/>
+              </a:lnSpc>
+              <a:buFont typeface="Wingdings" panose="05000000000000000000" pitchFamily="2" charset="2"/>
+              <a:buChar char="n"/>
+            </a:pPr>
+            <a:r>
+              <a:rPr lang="en-US" sz="3900" i="0" dirty="0">
+                <a:latin typeface="+mn-lt"/>
+              </a:rPr>
+              <a:t>Dilation</a:t>
+            </a:r>
+          </a:p>
+          <a:p>
+            <a:pPr marL="571500" indent="-571500">
+              <a:lnSpc>
+                <a:spcPct val="120000"/>
+              </a:lnSpc>
+              <a:buFont typeface="Wingdings" panose="05000000000000000000" pitchFamily="2" charset="2"/>
+              <a:buChar char="n"/>
+            </a:pPr>
+            <a:r>
+              <a:rPr lang="en-US" sz="3900" b="1" i="0" dirty="0">
+                <a:latin typeface="+mn-lt"/>
+              </a:rPr>
+              <a:t>Contour Detection</a:t>
+            </a:r>
+          </a:p>
+          <a:p>
+            <a:pPr marL="571500" indent="-571500">
+              <a:lnSpc>
+                <a:spcPct val="120000"/>
+              </a:lnSpc>
+              <a:buFont typeface="Wingdings" panose="05000000000000000000" pitchFamily="2" charset="2"/>
+              <a:buChar char="n"/>
+            </a:pPr>
+            <a:r>
+              <a:rPr lang="en-US" sz="3900" b="1" i="0" dirty="0">
+                <a:latin typeface="+mn-lt"/>
+              </a:rPr>
+              <a:t>Bounding Box Filtering</a:t>
+            </a:r>
+          </a:p>
+          <a:p>
+            <a:pPr marL="571500" indent="-571500">
+              <a:lnSpc>
+                <a:spcPct val="120000"/>
+              </a:lnSpc>
+              <a:buFont typeface="Wingdings" panose="05000000000000000000" pitchFamily="2" charset="2"/>
+              <a:buChar char="n"/>
+            </a:pPr>
+            <a:r>
+              <a:rPr lang="en-US" sz="3900" i="0" dirty="0">
+                <a:latin typeface="+mn-lt"/>
+              </a:rPr>
+              <a:t>Bounding Box Visualization</a:t>
+            </a:r>
+          </a:p>
+          <a:p>
+            <a:pPr marL="571500" indent="-571500">
+              <a:lnSpc>
+                <a:spcPct val="120000"/>
+              </a:lnSpc>
+              <a:buFont typeface="Wingdings" panose="05000000000000000000" pitchFamily="2" charset="2"/>
+              <a:buChar char="n"/>
+            </a:pPr>
+            <a:r>
+              <a:rPr lang="en-US" sz="3900" i="0" dirty="0">
+                <a:latin typeface="+mn-lt"/>
+              </a:rPr>
+              <a:t>Word Extraction</a:t>
+            </a:r>
+          </a:p>
+          <a:p>
+            <a:pPr>
+              <a:lnSpc>
+                <a:spcPct val="120000"/>
+              </a:lnSpc>
+            </a:pPr>
+            <a:br>
+              <a:rPr lang="en-US" sz="3600" dirty="0"/>
+            </a:br>
+            <a:endParaRPr lang="en-IN" sz="3600" dirty="0"/>
+          </a:p>
+        </p:txBody>
+      </p:sp>
+    </p:spTree>
+    <p:extLst>
+      <p:ext uri="{BB962C8B-B14F-4D97-AF65-F5344CB8AC3E}">
+        <p14:creationId xmlns:p14="http://schemas.microsoft.com/office/powerpoint/2010/main" val="542150065"/>
+      </p:ext>
+    </p:extLst>
+  </p:cSld>
+  <p:clrMapOvr>
+    <a:masterClrMapping/>
+  </p:clrMapOvr>
+</p:sld>
+</file>
+
+<file path=ppt/slides/slide5.xml><?xml version="1.0" encoding="utf-8"?>
+<p:sld xmlns:a="http://schemas.openxmlformats.org/drawingml/2006/main" xmlns:r="http://schemas.openxmlformats.org/officeDocument/2006/relationships" xmlns:p="http://schemas.openxmlformats.org/presentationml/2006/main">
+  <p:cSld>
+    <p:spTree>
+      <p:nvGrpSpPr>
+        <p:cNvPr id="1" name=""/>
+        <p:cNvGrpSpPr/>
+        <p:nvPr/>
+      </p:nvGrpSpPr>
+      <p:grpSpPr>
+        <a:xfrm>
+          <a:off x="0" y="0"/>
+          <a:ext cx="0" cy="0"/>
+          <a:chOff x="0" y="0"/>
+          <a:chExt cx="0" cy="0"/>
+        </a:xfrm>
+      </p:grpSpPr>
+      <p:sp>
+        <p:nvSpPr>
+          <p:cNvPr id="4" name="Title 3">
+            <a:extLst>
+              <a:ext uri="{FF2B5EF4-FFF2-40B4-BE49-F238E27FC236}">
+                <a16:creationId xmlns:a16="http://schemas.microsoft.com/office/drawing/2014/main" id="{94F0A0DC-4E40-80CA-2EAC-3B2CC9BF1006}"/>
+              </a:ext>
+            </a:extLst>
+          </p:cNvPr>
+          <p:cNvSpPr>
+            <a:spLocks noGrp="1"/>
+          </p:cNvSpPr>
+          <p:nvPr>
+            <p:ph type="title"/>
+          </p:nvPr>
+        </p:nvSpPr>
+        <p:spPr>
+          <a:xfrm>
+            <a:off x="758951" y="758952"/>
+            <a:ext cx="11002321" cy="540930"/>
+          </a:xfrm>
+        </p:spPr>
+        <p:txBody>
+          <a:bodyPr>
+            <a:noAutofit/>
+          </a:bodyPr>
+          <a:lstStyle/>
+          <a:p>
+            <a:r>
+              <a:rPr lang="en-US" sz="5400" b="1" i="0" dirty="0"/>
+              <a:t>Input image and the output (Bangla)</a:t>
+            </a:r>
+            <a:endParaRPr lang="en-IN" sz="5400" b="1" i="0" dirty="0"/>
+          </a:p>
+        </p:txBody>
+      </p:sp>
+      <p:pic>
+        <p:nvPicPr>
+          <p:cNvPr id="7" name="Content Placeholder 6">
+            <a:extLst>
+              <a:ext uri="{FF2B5EF4-FFF2-40B4-BE49-F238E27FC236}">
+                <a16:creationId xmlns:a16="http://schemas.microsoft.com/office/drawing/2014/main" id="{BE4CD468-3DD7-60BC-2048-875CB5FF24DA}"/>
+              </a:ext>
+            </a:extLst>
+          </p:cNvPr>
+          <p:cNvPicPr>
+            <a:picLocks noGrp="1" noChangeAspect="1"/>
+          </p:cNvPicPr>
+          <p:nvPr>
+            <p:ph idx="1"/>
+          </p:nvPr>
+        </p:nvPicPr>
+        <p:blipFill>
+          <a:blip r:embed="rId2">
+            <a:extLst>
+              <a:ext uri="{28A0092B-C50C-407E-A947-70E740481C1C}">
+                <a14:useLocalDpi xmlns:a14="http://schemas.microsoft.com/office/drawing/2010/main" val="0"/>
+              </a:ext>
+            </a:extLst>
+          </a:blip>
+          <a:stretch>
+            <a:fillRect/>
+          </a:stretch>
+        </p:blipFill>
+        <p:spPr>
+          <a:xfrm>
+            <a:off x="358749" y="2098289"/>
+            <a:ext cx="6724770" cy="3472713"/>
+          </a:xfrm>
+        </p:spPr>
+      </p:pic>
+      <p:pic>
+        <p:nvPicPr>
+          <p:cNvPr id="12" name="Picture 11">
+            <a:extLst>
+              <a:ext uri="{FF2B5EF4-FFF2-40B4-BE49-F238E27FC236}">
+                <a16:creationId xmlns:a16="http://schemas.microsoft.com/office/drawing/2014/main" id="{261CF436-8A76-1DA9-42C7-853FA8E519B7}"/>
+              </a:ext>
+            </a:extLst>
+          </p:cNvPr>
+          <p:cNvPicPr>
+            <a:picLocks noChangeAspect="1"/>
+          </p:cNvPicPr>
+          <p:nvPr/>
+        </p:nvPicPr>
+        <p:blipFill>
+          <a:blip r:embed="rId3">
+            <a:extLst>
+              <a:ext uri="{28A0092B-C50C-407E-A947-70E740481C1C}">
+                <a14:useLocalDpi xmlns:a14="http://schemas.microsoft.com/office/drawing/2010/main" val="0"/>
+              </a:ext>
+            </a:extLst>
+          </a:blip>
+          <a:stretch>
+            <a:fillRect/>
+          </a:stretch>
+        </p:blipFill>
+        <p:spPr>
+          <a:xfrm>
+            <a:off x="10100421" y="4896967"/>
+            <a:ext cx="790575" cy="428625"/>
+          </a:xfrm>
+          <a:prstGeom prst="rect">
+            <a:avLst/>
+          </a:prstGeom>
+        </p:spPr>
+      </p:pic>
+      <p:pic>
+        <p:nvPicPr>
+          <p:cNvPr id="14" name="Picture 13">
+            <a:extLst>
+              <a:ext uri="{FF2B5EF4-FFF2-40B4-BE49-F238E27FC236}">
+                <a16:creationId xmlns:a16="http://schemas.microsoft.com/office/drawing/2014/main" id="{84A2209E-DFB7-32C4-3A23-AB6972B55301}"/>
+              </a:ext>
+            </a:extLst>
+          </p:cNvPr>
+          <p:cNvPicPr>
+            <a:picLocks noChangeAspect="1"/>
+          </p:cNvPicPr>
+          <p:nvPr/>
+        </p:nvPicPr>
+        <p:blipFill>
+          <a:blip r:embed="rId4">
+            <a:extLst>
+              <a:ext uri="{28A0092B-C50C-407E-A947-70E740481C1C}">
+                <a14:useLocalDpi xmlns:a14="http://schemas.microsoft.com/office/drawing/2010/main" val="0"/>
+              </a:ext>
+            </a:extLst>
+          </a:blip>
+          <a:stretch>
+            <a:fillRect/>
+          </a:stretch>
+        </p:blipFill>
+        <p:spPr>
+          <a:xfrm>
+            <a:off x="10989748" y="4038041"/>
+            <a:ext cx="771525" cy="409575"/>
+          </a:xfrm>
+          <a:prstGeom prst="rect">
+            <a:avLst/>
+          </a:prstGeom>
+        </p:spPr>
+      </p:pic>
+      <p:pic>
+        <p:nvPicPr>
+          <p:cNvPr id="16" name="Picture 15">
+            <a:extLst>
+              <a:ext uri="{FF2B5EF4-FFF2-40B4-BE49-F238E27FC236}">
+                <a16:creationId xmlns:a16="http://schemas.microsoft.com/office/drawing/2014/main" id="{35837FB6-BC78-7693-766D-44FB4B8BADAD}"/>
+              </a:ext>
+            </a:extLst>
+          </p:cNvPr>
+          <p:cNvPicPr>
+            <a:picLocks noChangeAspect="1"/>
+          </p:cNvPicPr>
+          <p:nvPr/>
+        </p:nvPicPr>
+        <p:blipFill>
+          <a:blip r:embed="rId5">
+            <a:extLst>
+              <a:ext uri="{28A0092B-C50C-407E-A947-70E740481C1C}">
+                <a14:useLocalDpi xmlns:a14="http://schemas.microsoft.com/office/drawing/2010/main" val="0"/>
+              </a:ext>
+            </a:extLst>
+          </a:blip>
+          <a:stretch>
+            <a:fillRect/>
+          </a:stretch>
+        </p:blipFill>
+        <p:spPr>
+          <a:xfrm>
+            <a:off x="10914597" y="3269013"/>
+            <a:ext cx="685800" cy="390525"/>
+          </a:xfrm>
+          <a:prstGeom prst="rect">
+            <a:avLst/>
+          </a:prstGeom>
+        </p:spPr>
+      </p:pic>
+      <p:pic>
+        <p:nvPicPr>
+          <p:cNvPr id="18" name="Picture 17">
+            <a:extLst>
+              <a:ext uri="{FF2B5EF4-FFF2-40B4-BE49-F238E27FC236}">
+                <a16:creationId xmlns:a16="http://schemas.microsoft.com/office/drawing/2014/main" id="{0BCF23A7-CD95-EFC4-1422-507D878FA742}"/>
+              </a:ext>
+            </a:extLst>
+          </p:cNvPr>
+          <p:cNvPicPr>
+            <a:picLocks noChangeAspect="1"/>
+          </p:cNvPicPr>
+          <p:nvPr/>
+        </p:nvPicPr>
+        <p:blipFill>
+          <a:blip r:embed="rId6">
+            <a:extLst>
+              <a:ext uri="{28A0092B-C50C-407E-A947-70E740481C1C}">
+                <a14:useLocalDpi xmlns:a14="http://schemas.microsoft.com/office/drawing/2010/main" val="0"/>
+              </a:ext>
+            </a:extLst>
+          </a:blip>
+          <a:stretch>
+            <a:fillRect/>
+          </a:stretch>
+        </p:blipFill>
+        <p:spPr>
+          <a:xfrm>
+            <a:off x="10936100" y="2182054"/>
+            <a:ext cx="790575" cy="400050"/>
+          </a:xfrm>
+          <a:prstGeom prst="rect">
+            <a:avLst/>
+          </a:prstGeom>
+        </p:spPr>
+      </p:pic>
+      <p:pic>
+        <p:nvPicPr>
+          <p:cNvPr id="20" name="Picture 19">
+            <a:extLst>
+              <a:ext uri="{FF2B5EF4-FFF2-40B4-BE49-F238E27FC236}">
+                <a16:creationId xmlns:a16="http://schemas.microsoft.com/office/drawing/2014/main" id="{82D6AC2F-B49F-57D4-30FA-A92A2BAE114D}"/>
+              </a:ext>
+            </a:extLst>
+          </p:cNvPr>
+          <p:cNvPicPr>
+            <a:picLocks noChangeAspect="1"/>
+          </p:cNvPicPr>
+          <p:nvPr/>
+        </p:nvPicPr>
+        <p:blipFill>
+          <a:blip r:embed="rId7">
+            <a:extLst>
+              <a:ext uri="{28A0092B-C50C-407E-A947-70E740481C1C}">
+                <a14:useLocalDpi xmlns:a14="http://schemas.microsoft.com/office/drawing/2010/main" val="0"/>
+              </a:ext>
+            </a:extLst>
+          </a:blip>
+          <a:stretch>
+            <a:fillRect/>
+          </a:stretch>
+        </p:blipFill>
+        <p:spPr>
+          <a:xfrm>
+            <a:off x="7886352" y="4816005"/>
+            <a:ext cx="1600200" cy="590550"/>
+          </a:xfrm>
+          <a:prstGeom prst="rect">
+            <a:avLst/>
+          </a:prstGeom>
+        </p:spPr>
+      </p:pic>
+      <p:pic>
+        <p:nvPicPr>
+          <p:cNvPr id="22" name="Picture 21">
+            <a:extLst>
+              <a:ext uri="{FF2B5EF4-FFF2-40B4-BE49-F238E27FC236}">
+                <a16:creationId xmlns:a16="http://schemas.microsoft.com/office/drawing/2014/main" id="{2BD4E8B9-ADAC-9618-DF92-319300E99667}"/>
+              </a:ext>
+            </a:extLst>
+          </p:cNvPr>
+          <p:cNvPicPr>
+            <a:picLocks noChangeAspect="1"/>
+          </p:cNvPicPr>
+          <p:nvPr/>
+        </p:nvPicPr>
+        <p:blipFill>
+          <a:blip r:embed="rId8">
+            <a:extLst>
+              <a:ext uri="{28A0092B-C50C-407E-A947-70E740481C1C}">
+                <a14:useLocalDpi xmlns:a14="http://schemas.microsoft.com/office/drawing/2010/main" val="0"/>
+              </a:ext>
+            </a:extLst>
+          </a:blip>
+          <a:stretch>
+            <a:fillRect/>
+          </a:stretch>
+        </p:blipFill>
+        <p:spPr>
+          <a:xfrm>
+            <a:off x="9552734" y="3752291"/>
+            <a:ext cx="942975" cy="571500"/>
+          </a:xfrm>
+          <a:prstGeom prst="rect">
+            <a:avLst/>
+          </a:prstGeom>
+        </p:spPr>
+      </p:pic>
+      <p:pic>
+        <p:nvPicPr>
+          <p:cNvPr id="24" name="Picture 23">
+            <a:extLst>
+              <a:ext uri="{FF2B5EF4-FFF2-40B4-BE49-F238E27FC236}">
+                <a16:creationId xmlns:a16="http://schemas.microsoft.com/office/drawing/2014/main" id="{4CC3739F-50F5-0AB9-AF76-F0C6CCFE78FD}"/>
+              </a:ext>
+            </a:extLst>
+          </p:cNvPr>
+          <p:cNvPicPr>
+            <a:picLocks noChangeAspect="1"/>
+          </p:cNvPicPr>
+          <p:nvPr/>
+        </p:nvPicPr>
+        <p:blipFill>
+          <a:blip r:embed="rId9">
+            <a:extLst>
+              <a:ext uri="{28A0092B-C50C-407E-A947-70E740481C1C}">
+                <a14:useLocalDpi xmlns:a14="http://schemas.microsoft.com/office/drawing/2010/main" val="0"/>
+              </a:ext>
+            </a:extLst>
+          </a:blip>
+          <a:stretch>
+            <a:fillRect/>
+          </a:stretch>
+        </p:blipFill>
+        <p:spPr>
+          <a:xfrm>
+            <a:off x="7523910" y="3782533"/>
+            <a:ext cx="1238250" cy="695325"/>
+          </a:xfrm>
+          <a:prstGeom prst="rect">
+            <a:avLst/>
+          </a:prstGeom>
+        </p:spPr>
+      </p:pic>
+      <p:pic>
+        <p:nvPicPr>
+          <p:cNvPr id="26" name="Picture 25">
+            <a:extLst>
+              <a:ext uri="{FF2B5EF4-FFF2-40B4-BE49-F238E27FC236}">
+                <a16:creationId xmlns:a16="http://schemas.microsoft.com/office/drawing/2014/main" id="{DB3231B8-25F6-2622-FB33-8658D8549E64}"/>
+              </a:ext>
+            </a:extLst>
+          </p:cNvPr>
+          <p:cNvPicPr>
+            <a:picLocks noChangeAspect="1"/>
+          </p:cNvPicPr>
+          <p:nvPr/>
+        </p:nvPicPr>
+        <p:blipFill>
+          <a:blip r:embed="rId10">
+            <a:extLst>
+              <a:ext uri="{28A0092B-C50C-407E-A947-70E740481C1C}">
+                <a14:useLocalDpi xmlns:a14="http://schemas.microsoft.com/office/drawing/2010/main" val="0"/>
+              </a:ext>
+            </a:extLst>
+          </a:blip>
+          <a:stretch>
+            <a:fillRect/>
+          </a:stretch>
+        </p:blipFill>
+        <p:spPr>
+          <a:xfrm>
+            <a:off x="7524402" y="3047999"/>
+            <a:ext cx="723900" cy="381000"/>
+          </a:xfrm>
+          <a:prstGeom prst="rect">
+            <a:avLst/>
+          </a:prstGeom>
+        </p:spPr>
+      </p:pic>
+      <p:pic>
+        <p:nvPicPr>
+          <p:cNvPr id="28" name="Picture 27">
+            <a:extLst>
+              <a:ext uri="{FF2B5EF4-FFF2-40B4-BE49-F238E27FC236}">
+                <a16:creationId xmlns:a16="http://schemas.microsoft.com/office/drawing/2014/main" id="{B920D9D6-BB4F-6080-325D-DA511ADCC3AC}"/>
+              </a:ext>
+            </a:extLst>
+          </p:cNvPr>
+          <p:cNvPicPr>
+            <a:picLocks noChangeAspect="1"/>
+          </p:cNvPicPr>
+          <p:nvPr/>
+        </p:nvPicPr>
+        <p:blipFill>
+          <a:blip r:embed="rId11">
+            <a:extLst>
+              <a:ext uri="{28A0092B-C50C-407E-A947-70E740481C1C}">
+                <a14:useLocalDpi xmlns:a14="http://schemas.microsoft.com/office/drawing/2010/main" val="0"/>
+              </a:ext>
+            </a:extLst>
+          </a:blip>
+          <a:stretch>
+            <a:fillRect/>
+          </a:stretch>
+        </p:blipFill>
+        <p:spPr>
+          <a:xfrm>
+            <a:off x="9762564" y="2995331"/>
+            <a:ext cx="914400" cy="342900"/>
+          </a:xfrm>
+          <a:prstGeom prst="rect">
+            <a:avLst/>
+          </a:prstGeom>
+        </p:spPr>
+      </p:pic>
+      <p:pic>
+        <p:nvPicPr>
+          <p:cNvPr id="30" name="Picture 29">
+            <a:extLst>
+              <a:ext uri="{FF2B5EF4-FFF2-40B4-BE49-F238E27FC236}">
+                <a16:creationId xmlns:a16="http://schemas.microsoft.com/office/drawing/2014/main" id="{B0450AED-1A08-06BA-1B76-949FAD029834}"/>
+              </a:ext>
+            </a:extLst>
+          </p:cNvPr>
+          <p:cNvPicPr>
+            <a:picLocks noChangeAspect="1"/>
+          </p:cNvPicPr>
+          <p:nvPr/>
+        </p:nvPicPr>
+        <p:blipFill>
+          <a:blip r:embed="rId12">
+            <a:extLst>
+              <a:ext uri="{28A0092B-C50C-407E-A947-70E740481C1C}">
+                <a14:useLocalDpi xmlns:a14="http://schemas.microsoft.com/office/drawing/2010/main" val="0"/>
+              </a:ext>
+            </a:extLst>
+          </a:blip>
+          <a:stretch>
+            <a:fillRect/>
+          </a:stretch>
+        </p:blipFill>
+        <p:spPr>
+          <a:xfrm>
+            <a:off x="8762160" y="2933700"/>
+            <a:ext cx="638175" cy="400050"/>
+          </a:xfrm>
+          <a:prstGeom prst="rect">
+            <a:avLst/>
+          </a:prstGeom>
+        </p:spPr>
+      </p:pic>
+      <p:pic>
+        <p:nvPicPr>
+          <p:cNvPr id="32" name="Picture 31">
+            <a:extLst>
+              <a:ext uri="{FF2B5EF4-FFF2-40B4-BE49-F238E27FC236}">
+                <a16:creationId xmlns:a16="http://schemas.microsoft.com/office/drawing/2014/main" id="{2E54F42A-49C1-7E12-38F4-41CFDAB55E34}"/>
+              </a:ext>
+            </a:extLst>
+          </p:cNvPr>
+          <p:cNvPicPr>
+            <a:picLocks noChangeAspect="1"/>
+          </p:cNvPicPr>
+          <p:nvPr/>
+        </p:nvPicPr>
+        <p:blipFill>
+          <a:blip r:embed="rId13">
+            <a:extLst>
+              <a:ext uri="{28A0092B-C50C-407E-A947-70E740481C1C}">
+                <a14:useLocalDpi xmlns:a14="http://schemas.microsoft.com/office/drawing/2010/main" val="0"/>
+              </a:ext>
+            </a:extLst>
+          </a:blip>
+          <a:stretch>
+            <a:fillRect/>
+          </a:stretch>
+        </p:blipFill>
+        <p:spPr>
+          <a:xfrm>
+            <a:off x="9190784" y="1845877"/>
+            <a:ext cx="1304925" cy="504825"/>
+          </a:xfrm>
+          <a:prstGeom prst="rect">
+            <a:avLst/>
+          </a:prstGeom>
+        </p:spPr>
+      </p:pic>
+      <p:pic>
+        <p:nvPicPr>
+          <p:cNvPr id="34" name="Picture 33">
+            <a:extLst>
+              <a:ext uri="{FF2B5EF4-FFF2-40B4-BE49-F238E27FC236}">
+                <a16:creationId xmlns:a16="http://schemas.microsoft.com/office/drawing/2014/main" id="{953BAB93-5606-A1BE-C7CD-006995795BC2}"/>
+              </a:ext>
+            </a:extLst>
+          </p:cNvPr>
+          <p:cNvPicPr>
+            <a:picLocks noChangeAspect="1"/>
+          </p:cNvPicPr>
+          <p:nvPr/>
+        </p:nvPicPr>
+        <p:blipFill>
+          <a:blip r:embed="rId14">
+            <a:extLst>
+              <a:ext uri="{28A0092B-C50C-407E-A947-70E740481C1C}">
+                <a14:useLocalDpi xmlns:a14="http://schemas.microsoft.com/office/drawing/2010/main" val="0"/>
+              </a:ext>
+            </a:extLst>
+          </a:blip>
+          <a:stretch>
+            <a:fillRect/>
+          </a:stretch>
+        </p:blipFill>
+        <p:spPr>
+          <a:xfrm>
+            <a:off x="8006043" y="1896304"/>
+            <a:ext cx="895350" cy="485775"/>
+          </a:xfrm>
+          <a:prstGeom prst="rect">
+            <a:avLst/>
+          </a:prstGeom>
+        </p:spPr>
+      </p:pic>
+    </p:spTree>
+    <p:extLst>
+      <p:ext uri="{BB962C8B-B14F-4D97-AF65-F5344CB8AC3E}">
+        <p14:creationId xmlns:p14="http://schemas.microsoft.com/office/powerpoint/2010/main" val="3172083831"/>
+      </p:ext>
+    </p:extLst>
+  </p:cSld>
+  <p:clrMapOvr>
+    <a:masterClrMapping/>
+  </p:clrMapOvr>
+</p:sld>
+</file>
+
+<file path=ppt/slides/slide6.xml><?xml version="1.0" encoding="utf-8"?>
+<p:sld xmlns:a="http://schemas.openxmlformats.org/drawingml/2006/main" xmlns:r="http://schemas.openxmlformats.org/officeDocument/2006/relationships" xmlns:p="http://schemas.openxmlformats.org/presentationml/2006/main">
+  <p:cSld>
+    <p:spTree>
+      <p:nvGrpSpPr>
+        <p:cNvPr id="1" name=""/>
+        <p:cNvGrpSpPr/>
+        <p:nvPr/>
+      </p:nvGrpSpPr>
+      <p:grpSpPr>
+        <a:xfrm>
+          <a:off x="0" y="0"/>
+          <a:ext cx="0" cy="0"/>
+          <a:chOff x="0" y="0"/>
+          <a:chExt cx="0" cy="0"/>
+        </a:xfrm>
+      </p:grpSpPr>
+      <p:pic>
+        <p:nvPicPr>
+          <p:cNvPr id="6" name="Content Placeholder 5">
+            <a:extLst>
+              <a:ext uri="{FF2B5EF4-FFF2-40B4-BE49-F238E27FC236}">
+                <a16:creationId xmlns:a16="http://schemas.microsoft.com/office/drawing/2014/main" id="{C4CFE9D2-D8AB-49EB-6EC1-B70D86984372}"/>
+              </a:ext>
+            </a:extLst>
+          </p:cNvPr>
+          <p:cNvPicPr>
+            <a:picLocks noGrp="1" noChangeAspect="1"/>
+          </p:cNvPicPr>
+          <p:nvPr>
+            <p:ph idx="1"/>
+          </p:nvPr>
+        </p:nvPicPr>
+        <p:blipFill>
+          <a:blip r:embed="rId2">
+            <a:extLst>
+              <a:ext uri="{28A0092B-C50C-407E-A947-70E740481C1C}">
+                <a14:useLocalDpi xmlns:a14="http://schemas.microsoft.com/office/drawing/2010/main" val="0"/>
+              </a:ext>
+            </a:extLst>
+          </a:blip>
+          <a:stretch>
+            <a:fillRect/>
+          </a:stretch>
+        </p:blipFill>
+        <p:spPr>
+          <a:xfrm>
+            <a:off x="654424" y="1873624"/>
+            <a:ext cx="5369859" cy="3662411"/>
+          </a:xfrm>
+        </p:spPr>
+      </p:pic>
+      <p:sp>
+        <p:nvSpPr>
+          <p:cNvPr id="4" name="Title 3">
+            <a:extLst>
+              <a:ext uri="{FF2B5EF4-FFF2-40B4-BE49-F238E27FC236}">
+                <a16:creationId xmlns:a16="http://schemas.microsoft.com/office/drawing/2014/main" id="{417F2000-0401-6C2B-362D-0C4E51AEB7A9}"/>
+              </a:ext>
+            </a:extLst>
+          </p:cNvPr>
+          <p:cNvSpPr>
+            <a:spLocks noGrp="1"/>
+          </p:cNvSpPr>
+          <p:nvPr>
+            <p:ph type="title"/>
+          </p:nvPr>
+        </p:nvSpPr>
+        <p:spPr>
+          <a:xfrm>
+            <a:off x="758825" y="758825"/>
+            <a:ext cx="11074587" cy="1114799"/>
+          </a:xfrm>
+        </p:spPr>
+        <p:txBody>
+          <a:bodyPr>
+            <a:normAutofit fontScale="90000"/>
+          </a:bodyPr>
+          <a:lstStyle/>
+          <a:p>
+            <a:r>
+              <a:rPr lang="en-US" b="1" i="0" dirty="0"/>
+              <a:t>Input image and the output (Hindi)</a:t>
+            </a:r>
+            <a:endParaRPr lang="en-IN" b="1" i="0" dirty="0"/>
+          </a:p>
+        </p:txBody>
+      </p:sp>
+      <p:pic>
+        <p:nvPicPr>
+          <p:cNvPr id="8" name="Picture 7">
+            <a:extLst>
+              <a:ext uri="{FF2B5EF4-FFF2-40B4-BE49-F238E27FC236}">
+                <a16:creationId xmlns:a16="http://schemas.microsoft.com/office/drawing/2014/main" id="{56FC4CE8-460C-49F1-7716-E9B4DFFA4879}"/>
+              </a:ext>
+            </a:extLst>
+          </p:cNvPr>
+          <p:cNvPicPr>
+            <a:picLocks noChangeAspect="1"/>
+          </p:cNvPicPr>
+          <p:nvPr/>
+        </p:nvPicPr>
+        <p:blipFill>
+          <a:blip r:embed="rId3">
+            <a:extLst>
+              <a:ext uri="{28A0092B-C50C-407E-A947-70E740481C1C}">
+                <a14:useLocalDpi xmlns:a14="http://schemas.microsoft.com/office/drawing/2010/main" val="0"/>
+              </a:ext>
+            </a:extLst>
+          </a:blip>
+          <a:stretch>
+            <a:fillRect/>
+          </a:stretch>
+        </p:blipFill>
+        <p:spPr>
+          <a:xfrm>
+            <a:off x="9844648" y="5258557"/>
+            <a:ext cx="952500" cy="438150"/>
+          </a:xfrm>
+          <a:prstGeom prst="rect">
+            <a:avLst/>
+          </a:prstGeom>
+        </p:spPr>
+      </p:pic>
+      <p:pic>
+        <p:nvPicPr>
+          <p:cNvPr id="10" name="Picture 9">
+            <a:extLst>
+              <a:ext uri="{FF2B5EF4-FFF2-40B4-BE49-F238E27FC236}">
+                <a16:creationId xmlns:a16="http://schemas.microsoft.com/office/drawing/2014/main" id="{B2B8F845-FDFD-323F-F841-A419240ABDA0}"/>
+              </a:ext>
+            </a:extLst>
+          </p:cNvPr>
+          <p:cNvPicPr>
+            <a:picLocks noChangeAspect="1"/>
+          </p:cNvPicPr>
+          <p:nvPr/>
+        </p:nvPicPr>
+        <p:blipFill>
+          <a:blip r:embed="rId4">
+            <a:extLst>
+              <a:ext uri="{28A0092B-C50C-407E-A947-70E740481C1C}">
+                <a14:useLocalDpi xmlns:a14="http://schemas.microsoft.com/office/drawing/2010/main" val="0"/>
+              </a:ext>
+            </a:extLst>
+          </a:blip>
+          <a:stretch>
+            <a:fillRect/>
+          </a:stretch>
+        </p:blipFill>
+        <p:spPr>
+          <a:xfrm>
+            <a:off x="8037558" y="5321814"/>
+            <a:ext cx="1066800" cy="485775"/>
+          </a:xfrm>
+          <a:prstGeom prst="rect">
+            <a:avLst/>
+          </a:prstGeom>
+        </p:spPr>
+      </p:pic>
+      <p:pic>
+        <p:nvPicPr>
+          <p:cNvPr id="12" name="Picture 11">
+            <a:extLst>
+              <a:ext uri="{FF2B5EF4-FFF2-40B4-BE49-F238E27FC236}">
+                <a16:creationId xmlns:a16="http://schemas.microsoft.com/office/drawing/2014/main" id="{C1383F41-0050-F628-BB91-EB14AE018D16}"/>
+              </a:ext>
+            </a:extLst>
+          </p:cNvPr>
+          <p:cNvPicPr>
+            <a:picLocks noChangeAspect="1"/>
+          </p:cNvPicPr>
+          <p:nvPr/>
+        </p:nvPicPr>
+        <p:blipFill>
+          <a:blip r:embed="rId5">
+            <a:extLst>
+              <a:ext uri="{28A0092B-C50C-407E-A947-70E740481C1C}">
+                <a14:useLocalDpi xmlns:a14="http://schemas.microsoft.com/office/drawing/2010/main" val="0"/>
+              </a:ext>
+            </a:extLst>
+          </a:blip>
+          <a:stretch>
+            <a:fillRect/>
+          </a:stretch>
+        </p:blipFill>
+        <p:spPr>
+          <a:xfrm>
+            <a:off x="6314655" y="2740728"/>
+            <a:ext cx="1228725" cy="666750"/>
+          </a:xfrm>
+          <a:prstGeom prst="rect">
+            <a:avLst/>
+          </a:prstGeom>
+        </p:spPr>
+      </p:pic>
+      <p:pic>
+        <p:nvPicPr>
+          <p:cNvPr id="14" name="Picture 13">
+            <a:extLst>
+              <a:ext uri="{FF2B5EF4-FFF2-40B4-BE49-F238E27FC236}">
+                <a16:creationId xmlns:a16="http://schemas.microsoft.com/office/drawing/2014/main" id="{ACA60868-FA70-81F1-2503-CB1EFBF8845B}"/>
+              </a:ext>
+            </a:extLst>
+          </p:cNvPr>
+          <p:cNvPicPr>
+            <a:picLocks noChangeAspect="1"/>
+          </p:cNvPicPr>
+          <p:nvPr/>
+        </p:nvPicPr>
+        <p:blipFill>
+          <a:blip r:embed="rId6">
+            <a:extLst>
+              <a:ext uri="{28A0092B-C50C-407E-A947-70E740481C1C}">
+                <a14:useLocalDpi xmlns:a14="http://schemas.microsoft.com/office/drawing/2010/main" val="0"/>
+              </a:ext>
+            </a:extLst>
+          </a:blip>
+          <a:stretch>
+            <a:fillRect/>
+          </a:stretch>
+        </p:blipFill>
+        <p:spPr>
+          <a:xfrm>
+            <a:off x="6773955" y="4696582"/>
+            <a:ext cx="552450" cy="561975"/>
+          </a:xfrm>
+          <a:prstGeom prst="rect">
+            <a:avLst/>
+          </a:prstGeom>
+        </p:spPr>
+      </p:pic>
+      <p:pic>
+        <p:nvPicPr>
+          <p:cNvPr id="16" name="Picture 15">
+            <a:extLst>
+              <a:ext uri="{FF2B5EF4-FFF2-40B4-BE49-F238E27FC236}">
+                <a16:creationId xmlns:a16="http://schemas.microsoft.com/office/drawing/2014/main" id="{E15B57CA-C9AF-FBE2-9EBC-F2C96F7C6843}"/>
+              </a:ext>
+            </a:extLst>
+          </p:cNvPr>
+          <p:cNvPicPr>
+            <a:picLocks noChangeAspect="1"/>
+          </p:cNvPicPr>
+          <p:nvPr/>
+        </p:nvPicPr>
+        <p:blipFill>
+          <a:blip r:embed="rId7">
+            <a:extLst>
+              <a:ext uri="{28A0092B-C50C-407E-A947-70E740481C1C}">
+                <a14:useLocalDpi xmlns:a14="http://schemas.microsoft.com/office/drawing/2010/main" val="0"/>
+              </a:ext>
+            </a:extLst>
+          </a:blip>
+          <a:stretch>
+            <a:fillRect/>
+          </a:stretch>
+        </p:blipFill>
+        <p:spPr>
+          <a:xfrm>
+            <a:off x="9588873" y="4384302"/>
+            <a:ext cx="1085850" cy="571500"/>
+          </a:xfrm>
+          <a:prstGeom prst="rect">
+            <a:avLst/>
+          </a:prstGeom>
+        </p:spPr>
+      </p:pic>
+      <p:pic>
+        <p:nvPicPr>
+          <p:cNvPr id="18" name="Picture 17">
+            <a:extLst>
+              <a:ext uri="{FF2B5EF4-FFF2-40B4-BE49-F238E27FC236}">
+                <a16:creationId xmlns:a16="http://schemas.microsoft.com/office/drawing/2014/main" id="{E6538D90-3B35-7DA9-384B-379386D25055}"/>
+              </a:ext>
+            </a:extLst>
+          </p:cNvPr>
+          <p:cNvPicPr>
+            <a:picLocks noChangeAspect="1"/>
+          </p:cNvPicPr>
+          <p:nvPr/>
+        </p:nvPicPr>
+        <p:blipFill>
+          <a:blip r:embed="rId8">
+            <a:extLst>
+              <a:ext uri="{28A0092B-C50C-407E-A947-70E740481C1C}">
+                <a14:useLocalDpi xmlns:a14="http://schemas.microsoft.com/office/drawing/2010/main" val="0"/>
+              </a:ext>
+            </a:extLst>
+          </a:blip>
+          <a:stretch>
+            <a:fillRect/>
+          </a:stretch>
+        </p:blipFill>
+        <p:spPr>
+          <a:xfrm>
+            <a:off x="7968502" y="4491145"/>
+            <a:ext cx="1028700" cy="600075"/>
+          </a:xfrm>
+          <a:prstGeom prst="rect">
+            <a:avLst/>
+          </a:prstGeom>
+        </p:spPr>
+      </p:pic>
+      <p:pic>
+        <p:nvPicPr>
+          <p:cNvPr id="20" name="Picture 19">
+            <a:extLst>
+              <a:ext uri="{FF2B5EF4-FFF2-40B4-BE49-F238E27FC236}">
+                <a16:creationId xmlns:a16="http://schemas.microsoft.com/office/drawing/2014/main" id="{FA749572-9937-F048-99FF-47CF9709A74E}"/>
+              </a:ext>
+            </a:extLst>
+          </p:cNvPr>
+          <p:cNvPicPr>
+            <a:picLocks noChangeAspect="1"/>
+          </p:cNvPicPr>
+          <p:nvPr/>
+        </p:nvPicPr>
+        <p:blipFill>
+          <a:blip r:embed="rId9">
+            <a:extLst>
+              <a:ext uri="{28A0092B-C50C-407E-A947-70E740481C1C}">
+                <a14:useLocalDpi xmlns:a14="http://schemas.microsoft.com/office/drawing/2010/main" val="0"/>
+              </a:ext>
+            </a:extLst>
+          </a:blip>
+          <a:stretch>
+            <a:fillRect/>
+          </a:stretch>
+        </p:blipFill>
+        <p:spPr>
+          <a:xfrm>
+            <a:off x="10551739" y="3578598"/>
+            <a:ext cx="838200" cy="600075"/>
+          </a:xfrm>
+          <a:prstGeom prst="rect">
+            <a:avLst/>
+          </a:prstGeom>
+        </p:spPr>
+      </p:pic>
+      <p:pic>
+        <p:nvPicPr>
+          <p:cNvPr id="22" name="Picture 21">
+            <a:extLst>
+              <a:ext uri="{FF2B5EF4-FFF2-40B4-BE49-F238E27FC236}">
+                <a16:creationId xmlns:a16="http://schemas.microsoft.com/office/drawing/2014/main" id="{EB860754-078E-A4D2-7F61-72E714D53076}"/>
+              </a:ext>
+            </a:extLst>
+          </p:cNvPr>
+          <p:cNvPicPr>
+            <a:picLocks noChangeAspect="1"/>
+          </p:cNvPicPr>
+          <p:nvPr/>
+        </p:nvPicPr>
+        <p:blipFill>
+          <a:blip r:embed="rId10">
+            <a:extLst>
+              <a:ext uri="{28A0092B-C50C-407E-A947-70E740481C1C}">
+                <a14:useLocalDpi xmlns:a14="http://schemas.microsoft.com/office/drawing/2010/main" val="0"/>
+              </a:ext>
+            </a:extLst>
+          </a:blip>
+          <a:stretch>
+            <a:fillRect/>
+          </a:stretch>
+        </p:blipFill>
+        <p:spPr>
+          <a:xfrm>
+            <a:off x="6533694" y="3770943"/>
+            <a:ext cx="990600" cy="666750"/>
+          </a:xfrm>
+          <a:prstGeom prst="rect">
+            <a:avLst/>
+          </a:prstGeom>
+        </p:spPr>
+      </p:pic>
+      <p:pic>
+        <p:nvPicPr>
+          <p:cNvPr id="24" name="Picture 23">
+            <a:extLst>
+              <a:ext uri="{FF2B5EF4-FFF2-40B4-BE49-F238E27FC236}">
+                <a16:creationId xmlns:a16="http://schemas.microsoft.com/office/drawing/2014/main" id="{7A74F4B3-891D-41CE-DA1E-57F9361D8C0C}"/>
+              </a:ext>
+            </a:extLst>
+          </p:cNvPr>
+          <p:cNvPicPr>
+            <a:picLocks noChangeAspect="1"/>
+          </p:cNvPicPr>
+          <p:nvPr/>
+        </p:nvPicPr>
+        <p:blipFill>
+          <a:blip r:embed="rId11">
+            <a:extLst>
+              <a:ext uri="{28A0092B-C50C-407E-A947-70E740481C1C}">
+                <a14:useLocalDpi xmlns:a14="http://schemas.microsoft.com/office/drawing/2010/main" val="0"/>
+              </a:ext>
+            </a:extLst>
+          </a:blip>
+          <a:stretch>
+            <a:fillRect/>
+          </a:stretch>
+        </p:blipFill>
+        <p:spPr>
+          <a:xfrm>
+            <a:off x="10483103" y="2533699"/>
+            <a:ext cx="609600" cy="552450"/>
+          </a:xfrm>
+          <a:prstGeom prst="rect">
+            <a:avLst/>
+          </a:prstGeom>
+        </p:spPr>
+      </p:pic>
+      <p:pic>
+        <p:nvPicPr>
+          <p:cNvPr id="26" name="Picture 25">
+            <a:extLst>
+              <a:ext uri="{FF2B5EF4-FFF2-40B4-BE49-F238E27FC236}">
+                <a16:creationId xmlns:a16="http://schemas.microsoft.com/office/drawing/2014/main" id="{093F441E-71F1-48D1-2F2A-99746C2F543B}"/>
+              </a:ext>
+            </a:extLst>
+          </p:cNvPr>
+          <p:cNvPicPr>
+            <a:picLocks noChangeAspect="1"/>
+          </p:cNvPicPr>
+          <p:nvPr/>
+        </p:nvPicPr>
+        <p:blipFill>
+          <a:blip r:embed="rId12">
+            <a:extLst>
+              <a:ext uri="{28A0092B-C50C-407E-A947-70E740481C1C}">
+                <a14:useLocalDpi xmlns:a14="http://schemas.microsoft.com/office/drawing/2010/main" val="0"/>
+              </a:ext>
+            </a:extLst>
+          </a:blip>
+          <a:stretch>
+            <a:fillRect/>
+          </a:stretch>
+        </p:blipFill>
+        <p:spPr>
+          <a:xfrm>
+            <a:off x="9169773" y="3366692"/>
+            <a:ext cx="962025" cy="752475"/>
+          </a:xfrm>
+          <a:prstGeom prst="rect">
+            <a:avLst/>
+          </a:prstGeom>
+        </p:spPr>
+      </p:pic>
+      <p:pic>
+        <p:nvPicPr>
+          <p:cNvPr id="28" name="Picture 27">
+            <a:extLst>
+              <a:ext uri="{FF2B5EF4-FFF2-40B4-BE49-F238E27FC236}">
+                <a16:creationId xmlns:a16="http://schemas.microsoft.com/office/drawing/2014/main" id="{97207611-692C-8B36-1A18-73C5932C03F0}"/>
+              </a:ext>
+            </a:extLst>
+          </p:cNvPr>
+          <p:cNvPicPr>
+            <a:picLocks noChangeAspect="1"/>
+          </p:cNvPicPr>
+          <p:nvPr/>
+        </p:nvPicPr>
+        <p:blipFill>
+          <a:blip r:embed="rId13">
+            <a:extLst>
+              <a:ext uri="{28A0092B-C50C-407E-A947-70E740481C1C}">
+                <a14:useLocalDpi xmlns:a14="http://schemas.microsoft.com/office/drawing/2010/main" val="0"/>
+              </a:ext>
+            </a:extLst>
+          </a:blip>
+          <a:stretch>
+            <a:fillRect/>
+          </a:stretch>
+        </p:blipFill>
+        <p:spPr>
+          <a:xfrm>
+            <a:off x="7986432" y="3607313"/>
+            <a:ext cx="666750" cy="561975"/>
+          </a:xfrm>
+          <a:prstGeom prst="rect">
+            <a:avLst/>
+          </a:prstGeom>
+        </p:spPr>
+      </p:pic>
+      <p:pic>
+        <p:nvPicPr>
+          <p:cNvPr id="30" name="Picture 29">
+            <a:extLst>
+              <a:ext uri="{FF2B5EF4-FFF2-40B4-BE49-F238E27FC236}">
+                <a16:creationId xmlns:a16="http://schemas.microsoft.com/office/drawing/2014/main" id="{7D20AC21-F153-01A5-AFC4-09C96F0B2798}"/>
+              </a:ext>
+            </a:extLst>
+          </p:cNvPr>
+          <p:cNvPicPr>
+            <a:picLocks noChangeAspect="1"/>
+          </p:cNvPicPr>
+          <p:nvPr/>
+        </p:nvPicPr>
+        <p:blipFill>
+          <a:blip r:embed="rId14">
+            <a:extLst>
+              <a:ext uri="{28A0092B-C50C-407E-A947-70E740481C1C}">
+                <a14:useLocalDpi xmlns:a14="http://schemas.microsoft.com/office/drawing/2010/main" val="0"/>
+              </a:ext>
+            </a:extLst>
+          </a:blip>
+          <a:stretch>
+            <a:fillRect/>
+          </a:stretch>
+        </p:blipFill>
+        <p:spPr>
+          <a:xfrm>
+            <a:off x="8079440" y="2746611"/>
+            <a:ext cx="723900" cy="676275"/>
+          </a:xfrm>
+          <a:prstGeom prst="rect">
+            <a:avLst/>
+          </a:prstGeom>
+        </p:spPr>
+      </p:pic>
+      <p:pic>
+        <p:nvPicPr>
+          <p:cNvPr id="32" name="Picture 31">
+            <a:extLst>
+              <a:ext uri="{FF2B5EF4-FFF2-40B4-BE49-F238E27FC236}">
+                <a16:creationId xmlns:a16="http://schemas.microsoft.com/office/drawing/2014/main" id="{BA458D2B-DDA0-F4C6-A313-897988543F25}"/>
+              </a:ext>
+            </a:extLst>
+          </p:cNvPr>
+          <p:cNvPicPr>
+            <a:picLocks noChangeAspect="1"/>
+          </p:cNvPicPr>
+          <p:nvPr/>
+        </p:nvPicPr>
+        <p:blipFill>
+          <a:blip r:embed="rId15">
+            <a:extLst>
+              <a:ext uri="{28A0092B-C50C-407E-A947-70E740481C1C}">
+                <a14:useLocalDpi xmlns:a14="http://schemas.microsoft.com/office/drawing/2010/main" val="0"/>
+              </a:ext>
+            </a:extLst>
+          </a:blip>
+          <a:stretch>
+            <a:fillRect/>
+          </a:stretch>
+        </p:blipFill>
+        <p:spPr>
+          <a:xfrm>
+            <a:off x="9229163" y="2026353"/>
+            <a:ext cx="962025" cy="714375"/>
+          </a:xfrm>
+          <a:prstGeom prst="rect">
+            <a:avLst/>
+          </a:prstGeom>
+        </p:spPr>
+      </p:pic>
+      <p:pic>
+        <p:nvPicPr>
+          <p:cNvPr id="34" name="Picture 33">
+            <a:extLst>
+              <a:ext uri="{FF2B5EF4-FFF2-40B4-BE49-F238E27FC236}">
+                <a16:creationId xmlns:a16="http://schemas.microsoft.com/office/drawing/2014/main" id="{4065BC39-8094-11DC-74E4-0BE9158FAB63}"/>
+              </a:ext>
+            </a:extLst>
+          </p:cNvPr>
+          <p:cNvPicPr>
+            <a:picLocks noChangeAspect="1"/>
+          </p:cNvPicPr>
+          <p:nvPr/>
+        </p:nvPicPr>
+        <p:blipFill>
+          <a:blip r:embed="rId16">
+            <a:extLst>
+              <a:ext uri="{28A0092B-C50C-407E-A947-70E740481C1C}">
+                <a14:useLocalDpi xmlns:a14="http://schemas.microsoft.com/office/drawing/2010/main" val="0"/>
+              </a:ext>
+            </a:extLst>
+          </a:blip>
+          <a:stretch>
+            <a:fillRect/>
+          </a:stretch>
+        </p:blipFill>
+        <p:spPr>
+          <a:xfrm>
+            <a:off x="6610350" y="2095549"/>
+            <a:ext cx="733425" cy="438150"/>
+          </a:xfrm>
+          <a:prstGeom prst="rect">
+            <a:avLst/>
+          </a:prstGeom>
+        </p:spPr>
+      </p:pic>
+      <p:pic>
+        <p:nvPicPr>
+          <p:cNvPr id="36" name="Picture 35">
+            <a:extLst>
+              <a:ext uri="{FF2B5EF4-FFF2-40B4-BE49-F238E27FC236}">
+                <a16:creationId xmlns:a16="http://schemas.microsoft.com/office/drawing/2014/main" id="{E12B422C-9712-46EA-8CE2-0D799749D137}"/>
+              </a:ext>
+            </a:extLst>
+          </p:cNvPr>
+          <p:cNvPicPr>
+            <a:picLocks noChangeAspect="1"/>
+          </p:cNvPicPr>
+          <p:nvPr/>
+        </p:nvPicPr>
+        <p:blipFill>
+          <a:blip r:embed="rId17">
+            <a:extLst>
+              <a:ext uri="{28A0092B-C50C-407E-A947-70E740481C1C}">
+                <a14:useLocalDpi xmlns:a14="http://schemas.microsoft.com/office/drawing/2010/main" val="0"/>
+              </a:ext>
+            </a:extLst>
+          </a:blip>
+          <a:stretch>
+            <a:fillRect/>
+          </a:stretch>
+        </p:blipFill>
+        <p:spPr>
+          <a:xfrm>
+            <a:off x="7770719" y="1828602"/>
+            <a:ext cx="1190625" cy="647700"/>
+          </a:xfrm>
+          <a:prstGeom prst="rect">
+            <a:avLst/>
+          </a:prstGeom>
+        </p:spPr>
+      </p:pic>
+    </p:spTree>
+    <p:extLst>
+      <p:ext uri="{BB962C8B-B14F-4D97-AF65-F5344CB8AC3E}">
+        <p14:creationId xmlns:p14="http://schemas.microsoft.com/office/powerpoint/2010/main" val="2226260657"/>
+      </p:ext>
+    </p:extLst>
+  </p:cSld>
+  <p:clrMapOvr>
+    <a:masterClrMapping/>
+  </p:clrMapOvr>
+</p:sld>
+</file>
+
+<file path=ppt/slides/slide7.xml><?xml version="1.0" encoding="utf-8"?>
+<p:sld xmlns:a="http://schemas.openxmlformats.org/drawingml/2006/main" xmlns:r="http://schemas.openxmlformats.org/officeDocument/2006/relationships" xmlns:p="http://schemas.openxmlformats.org/presentationml/2006/main">
+  <p:cSld>
+    <p:spTree>
+      <p:nvGrpSpPr>
+        <p:cNvPr id="1" name=""/>
+        <p:cNvGrpSpPr/>
+        <p:nvPr/>
+      </p:nvGrpSpPr>
+      <p:grpSpPr>
+        <a:xfrm>
+          <a:off x="0" y="0"/>
+          <a:ext cx="0" cy="0"/>
+          <a:chOff x="0" y="0"/>
+          <a:chExt cx="0" cy="0"/>
+        </a:xfrm>
+      </p:grpSpPr>
+      <p:pic>
+        <p:nvPicPr>
+          <p:cNvPr id="6" name="Content Placeholder 5">
+            <a:extLst>
+              <a:ext uri="{FF2B5EF4-FFF2-40B4-BE49-F238E27FC236}">
+                <a16:creationId xmlns:a16="http://schemas.microsoft.com/office/drawing/2014/main" id="{74A90C44-B925-2DB8-15A3-9ECBFF3FF6A0}"/>
+              </a:ext>
+            </a:extLst>
+          </p:cNvPr>
+          <p:cNvPicPr>
+            <a:picLocks noGrp="1" noChangeAspect="1"/>
+          </p:cNvPicPr>
+          <p:nvPr>
+            <p:ph idx="1"/>
+          </p:nvPr>
+        </p:nvPicPr>
+        <p:blipFill>
+          <a:blip r:embed="rId2">
+            <a:extLst>
+              <a:ext uri="{28A0092B-C50C-407E-A947-70E740481C1C}">
+                <a14:useLocalDpi xmlns:a14="http://schemas.microsoft.com/office/drawing/2010/main" val="0"/>
+              </a:ext>
+            </a:extLst>
+          </a:blip>
+          <a:stretch>
+            <a:fillRect/>
+          </a:stretch>
+        </p:blipFill>
+        <p:spPr>
+          <a:xfrm>
+            <a:off x="334870" y="1810872"/>
+            <a:ext cx="5512944" cy="3881716"/>
+          </a:xfrm>
+        </p:spPr>
+      </p:pic>
+      <p:sp>
+        <p:nvSpPr>
+          <p:cNvPr id="4" name="Title 3">
+            <a:extLst>
+              <a:ext uri="{FF2B5EF4-FFF2-40B4-BE49-F238E27FC236}">
+                <a16:creationId xmlns:a16="http://schemas.microsoft.com/office/drawing/2014/main" id="{EEE901EE-EC4A-3A83-F649-EA7F4A5552FC}"/>
+              </a:ext>
+            </a:extLst>
+          </p:cNvPr>
+          <p:cNvSpPr>
+            <a:spLocks noGrp="1"/>
+          </p:cNvSpPr>
+          <p:nvPr>
+            <p:ph type="title"/>
+          </p:nvPr>
+        </p:nvSpPr>
+        <p:spPr>
+          <a:xfrm>
+            <a:off x="758825" y="758826"/>
+            <a:ext cx="11872446" cy="1052046"/>
+          </a:xfrm>
+        </p:spPr>
+        <p:txBody>
+          <a:bodyPr>
+            <a:normAutofit fontScale="90000"/>
+          </a:bodyPr>
+          <a:lstStyle/>
+          <a:p>
+            <a:r>
+              <a:rPr lang="en-US" b="1" i="0" dirty="0"/>
+              <a:t>Input image and the output (English)</a:t>
+            </a:r>
+            <a:endParaRPr lang="en-IN" b="1" i="0" dirty="0"/>
+          </a:p>
+        </p:txBody>
+      </p:sp>
+      <p:pic>
+        <p:nvPicPr>
+          <p:cNvPr id="8" name="Picture 7">
+            <a:extLst>
+              <a:ext uri="{FF2B5EF4-FFF2-40B4-BE49-F238E27FC236}">
+                <a16:creationId xmlns:a16="http://schemas.microsoft.com/office/drawing/2014/main" id="{6FA03A1B-5F76-A69A-F344-42F10E2B9560}"/>
+              </a:ext>
+            </a:extLst>
+          </p:cNvPr>
+          <p:cNvPicPr>
+            <a:picLocks noChangeAspect="1"/>
+          </p:cNvPicPr>
+          <p:nvPr/>
+        </p:nvPicPr>
+        <p:blipFill>
+          <a:blip r:embed="rId3">
+            <a:extLst>
+              <a:ext uri="{28A0092B-C50C-407E-A947-70E740481C1C}">
+                <a14:useLocalDpi xmlns:a14="http://schemas.microsoft.com/office/drawing/2010/main" val="0"/>
+              </a:ext>
+            </a:extLst>
+          </a:blip>
+          <a:stretch>
+            <a:fillRect/>
+          </a:stretch>
+        </p:blipFill>
+        <p:spPr>
+          <a:xfrm>
+            <a:off x="8867189" y="4514010"/>
+            <a:ext cx="1962150" cy="609600"/>
+          </a:xfrm>
+          <a:prstGeom prst="rect">
+            <a:avLst/>
+          </a:prstGeom>
+        </p:spPr>
+      </p:pic>
+      <p:pic>
+        <p:nvPicPr>
+          <p:cNvPr id="10" name="Picture 9">
+            <a:extLst>
+              <a:ext uri="{FF2B5EF4-FFF2-40B4-BE49-F238E27FC236}">
+                <a16:creationId xmlns:a16="http://schemas.microsoft.com/office/drawing/2014/main" id="{F914BBDB-AA74-2528-A661-40F7F6FA0AEC}"/>
+              </a:ext>
+            </a:extLst>
+          </p:cNvPr>
+          <p:cNvPicPr>
+            <a:picLocks noChangeAspect="1"/>
+          </p:cNvPicPr>
+          <p:nvPr/>
+        </p:nvPicPr>
+        <p:blipFill>
+          <a:blip r:embed="rId4">
+            <a:extLst>
+              <a:ext uri="{28A0092B-C50C-407E-A947-70E740481C1C}">
+                <a14:useLocalDpi xmlns:a14="http://schemas.microsoft.com/office/drawing/2010/main" val="0"/>
+              </a:ext>
+            </a:extLst>
+          </a:blip>
+          <a:stretch>
+            <a:fillRect/>
+          </a:stretch>
+        </p:blipFill>
+        <p:spPr>
+          <a:xfrm>
+            <a:off x="6429374" y="3000376"/>
+            <a:ext cx="1257300" cy="581025"/>
+          </a:xfrm>
+          <a:prstGeom prst="rect">
+            <a:avLst/>
+          </a:prstGeom>
+        </p:spPr>
+      </p:pic>
+      <p:pic>
+        <p:nvPicPr>
+          <p:cNvPr id="12" name="Picture 11">
+            <a:extLst>
+              <a:ext uri="{FF2B5EF4-FFF2-40B4-BE49-F238E27FC236}">
+                <a16:creationId xmlns:a16="http://schemas.microsoft.com/office/drawing/2014/main" id="{DD67E0E2-F305-BF4C-D478-9748DB58626B}"/>
+              </a:ext>
+            </a:extLst>
+          </p:cNvPr>
+          <p:cNvPicPr>
+            <a:picLocks noChangeAspect="1"/>
+          </p:cNvPicPr>
+          <p:nvPr/>
+        </p:nvPicPr>
+        <p:blipFill>
+          <a:blip r:embed="rId5">
+            <a:extLst>
+              <a:ext uri="{28A0092B-C50C-407E-A947-70E740481C1C}">
+                <a14:useLocalDpi xmlns:a14="http://schemas.microsoft.com/office/drawing/2010/main" val="0"/>
+              </a:ext>
+            </a:extLst>
+          </a:blip>
+          <a:stretch>
+            <a:fillRect/>
+          </a:stretch>
+        </p:blipFill>
+        <p:spPr>
+          <a:xfrm>
+            <a:off x="7614909" y="3811398"/>
+            <a:ext cx="847725" cy="542925"/>
+          </a:xfrm>
+          <a:prstGeom prst="rect">
+            <a:avLst/>
+          </a:prstGeom>
+        </p:spPr>
+      </p:pic>
+      <p:pic>
+        <p:nvPicPr>
+          <p:cNvPr id="14" name="Picture 13">
+            <a:extLst>
+              <a:ext uri="{FF2B5EF4-FFF2-40B4-BE49-F238E27FC236}">
+                <a16:creationId xmlns:a16="http://schemas.microsoft.com/office/drawing/2014/main" id="{345132F4-74C3-3098-4C92-2EA77CA5BDDB}"/>
+              </a:ext>
+            </a:extLst>
+          </p:cNvPr>
+          <p:cNvPicPr>
+            <a:picLocks noChangeAspect="1"/>
+          </p:cNvPicPr>
+          <p:nvPr/>
+        </p:nvPicPr>
+        <p:blipFill>
+          <a:blip r:embed="rId6">
+            <a:extLst>
+              <a:ext uri="{28A0092B-C50C-407E-A947-70E740481C1C}">
+                <a14:useLocalDpi xmlns:a14="http://schemas.microsoft.com/office/drawing/2010/main" val="0"/>
+              </a:ext>
+            </a:extLst>
+          </a:blip>
+          <a:stretch>
+            <a:fillRect/>
+          </a:stretch>
+        </p:blipFill>
+        <p:spPr>
+          <a:xfrm>
+            <a:off x="6699435" y="4638390"/>
+            <a:ext cx="1285875" cy="409575"/>
+          </a:xfrm>
+          <a:prstGeom prst="rect">
+            <a:avLst/>
+          </a:prstGeom>
+        </p:spPr>
+      </p:pic>
+      <p:pic>
+        <p:nvPicPr>
+          <p:cNvPr id="16" name="Picture 15">
+            <a:extLst>
+              <a:ext uri="{FF2B5EF4-FFF2-40B4-BE49-F238E27FC236}">
+                <a16:creationId xmlns:a16="http://schemas.microsoft.com/office/drawing/2014/main" id="{14B9AFD7-A001-5629-7028-BE980A94666E}"/>
+              </a:ext>
+            </a:extLst>
+          </p:cNvPr>
+          <p:cNvPicPr>
+            <a:picLocks noChangeAspect="1"/>
+          </p:cNvPicPr>
+          <p:nvPr/>
+        </p:nvPicPr>
+        <p:blipFill>
+          <a:blip r:embed="rId7">
+            <a:extLst>
+              <a:ext uri="{28A0092B-C50C-407E-A947-70E740481C1C}">
+                <a14:useLocalDpi xmlns:a14="http://schemas.microsoft.com/office/drawing/2010/main" val="0"/>
+              </a:ext>
+            </a:extLst>
+          </a:blip>
+          <a:stretch>
+            <a:fillRect/>
+          </a:stretch>
+        </p:blipFill>
+        <p:spPr>
+          <a:xfrm>
+            <a:off x="7934860" y="2104464"/>
+            <a:ext cx="1590675" cy="533400"/>
+          </a:xfrm>
+          <a:prstGeom prst="rect">
+            <a:avLst/>
+          </a:prstGeom>
+        </p:spPr>
+      </p:pic>
+      <p:pic>
+        <p:nvPicPr>
+          <p:cNvPr id="18" name="Picture 17">
+            <a:extLst>
+              <a:ext uri="{FF2B5EF4-FFF2-40B4-BE49-F238E27FC236}">
+                <a16:creationId xmlns:a16="http://schemas.microsoft.com/office/drawing/2014/main" id="{B8AECE64-0D01-E5AD-55F1-54223BFAEB7B}"/>
+              </a:ext>
+            </a:extLst>
+          </p:cNvPr>
+          <p:cNvPicPr>
+            <a:picLocks noChangeAspect="1"/>
+          </p:cNvPicPr>
+          <p:nvPr/>
+        </p:nvPicPr>
+        <p:blipFill>
+          <a:blip r:embed="rId8">
+            <a:extLst>
+              <a:ext uri="{28A0092B-C50C-407E-A947-70E740481C1C}">
+                <a14:useLocalDpi xmlns:a14="http://schemas.microsoft.com/office/drawing/2010/main" val="0"/>
+              </a:ext>
+            </a:extLst>
+          </a:blip>
+          <a:stretch>
+            <a:fillRect/>
+          </a:stretch>
+        </p:blipFill>
+        <p:spPr>
+          <a:xfrm>
+            <a:off x="10094233" y="2104464"/>
+            <a:ext cx="866775" cy="428625"/>
+          </a:xfrm>
+          <a:prstGeom prst="rect">
+            <a:avLst/>
+          </a:prstGeom>
+        </p:spPr>
+      </p:pic>
+      <p:pic>
+        <p:nvPicPr>
+          <p:cNvPr id="20" name="Picture 19">
+            <a:extLst>
+              <a:ext uri="{FF2B5EF4-FFF2-40B4-BE49-F238E27FC236}">
+                <a16:creationId xmlns:a16="http://schemas.microsoft.com/office/drawing/2014/main" id="{BA32D1A7-AC44-962C-7528-66A851A6D61C}"/>
+              </a:ext>
+            </a:extLst>
+          </p:cNvPr>
+          <p:cNvPicPr>
+            <a:picLocks noChangeAspect="1"/>
+          </p:cNvPicPr>
+          <p:nvPr/>
+        </p:nvPicPr>
+        <p:blipFill>
+          <a:blip r:embed="rId9">
+            <a:extLst>
+              <a:ext uri="{28A0092B-C50C-407E-A947-70E740481C1C}">
+                <a14:useLocalDpi xmlns:a14="http://schemas.microsoft.com/office/drawing/2010/main" val="0"/>
+              </a:ext>
+            </a:extLst>
+          </a:blip>
+          <a:stretch>
+            <a:fillRect/>
+          </a:stretch>
+        </p:blipFill>
+        <p:spPr>
+          <a:xfrm>
+            <a:off x="7923958" y="3000376"/>
+            <a:ext cx="1409700" cy="400050"/>
+          </a:xfrm>
+          <a:prstGeom prst="rect">
+            <a:avLst/>
+          </a:prstGeom>
+        </p:spPr>
+      </p:pic>
+      <p:pic>
+        <p:nvPicPr>
+          <p:cNvPr id="22" name="Picture 21">
+            <a:extLst>
+              <a:ext uri="{FF2B5EF4-FFF2-40B4-BE49-F238E27FC236}">
+                <a16:creationId xmlns:a16="http://schemas.microsoft.com/office/drawing/2014/main" id="{C62D3854-258C-A85E-E48B-C79773AF21C8}"/>
+              </a:ext>
+            </a:extLst>
+          </p:cNvPr>
+          <p:cNvPicPr>
+            <a:picLocks noChangeAspect="1"/>
+          </p:cNvPicPr>
+          <p:nvPr/>
+        </p:nvPicPr>
+        <p:blipFill>
+          <a:blip r:embed="rId10">
+            <a:extLst>
+              <a:ext uri="{28A0092B-C50C-407E-A947-70E740481C1C}">
+                <a14:useLocalDpi xmlns:a14="http://schemas.microsoft.com/office/drawing/2010/main" val="0"/>
+              </a:ext>
+            </a:extLst>
+          </a:blip>
+          <a:stretch>
+            <a:fillRect/>
+          </a:stretch>
+        </p:blipFill>
+        <p:spPr>
+          <a:xfrm>
+            <a:off x="8826313" y="3803558"/>
+            <a:ext cx="1181100" cy="466725"/>
+          </a:xfrm>
+          <a:prstGeom prst="rect">
+            <a:avLst/>
+          </a:prstGeom>
+        </p:spPr>
+      </p:pic>
+      <p:pic>
+        <p:nvPicPr>
+          <p:cNvPr id="24" name="Picture 23">
+            <a:extLst>
+              <a:ext uri="{FF2B5EF4-FFF2-40B4-BE49-F238E27FC236}">
+                <a16:creationId xmlns:a16="http://schemas.microsoft.com/office/drawing/2014/main" id="{4CDCE925-1FC9-C54D-B9E2-31D92F9EAEE5}"/>
+              </a:ext>
+            </a:extLst>
+          </p:cNvPr>
+          <p:cNvPicPr>
+            <a:picLocks noChangeAspect="1"/>
+          </p:cNvPicPr>
+          <p:nvPr/>
+        </p:nvPicPr>
+        <p:blipFill>
+          <a:blip r:embed="rId11">
+            <a:extLst>
+              <a:ext uri="{28A0092B-C50C-407E-A947-70E740481C1C}">
+                <a14:useLocalDpi xmlns:a14="http://schemas.microsoft.com/office/drawing/2010/main" val="0"/>
+              </a:ext>
+            </a:extLst>
+          </a:blip>
+          <a:stretch>
+            <a:fillRect/>
+          </a:stretch>
+        </p:blipFill>
+        <p:spPr>
+          <a:xfrm>
+            <a:off x="9722758" y="3083581"/>
+            <a:ext cx="1390650" cy="476250"/>
+          </a:xfrm>
+          <a:prstGeom prst="rect">
+            <a:avLst/>
+          </a:prstGeom>
+        </p:spPr>
+      </p:pic>
+      <p:pic>
+        <p:nvPicPr>
+          <p:cNvPr id="26" name="Picture 25">
+            <a:extLst>
+              <a:ext uri="{FF2B5EF4-FFF2-40B4-BE49-F238E27FC236}">
+                <a16:creationId xmlns:a16="http://schemas.microsoft.com/office/drawing/2014/main" id="{E248C668-40C6-62F0-6EBF-4908F1D37FA0}"/>
+              </a:ext>
+            </a:extLst>
+          </p:cNvPr>
+          <p:cNvPicPr>
+            <a:picLocks noChangeAspect="1"/>
+          </p:cNvPicPr>
+          <p:nvPr/>
+        </p:nvPicPr>
+        <p:blipFill>
+          <a:blip r:embed="rId12">
+            <a:extLst>
+              <a:ext uri="{28A0092B-C50C-407E-A947-70E740481C1C}">
+                <a14:useLocalDpi xmlns:a14="http://schemas.microsoft.com/office/drawing/2010/main" val="0"/>
+              </a:ext>
+            </a:extLst>
+          </a:blip>
+          <a:stretch>
+            <a:fillRect/>
+          </a:stretch>
+        </p:blipFill>
+        <p:spPr>
+          <a:xfrm>
+            <a:off x="6519862" y="2038910"/>
+            <a:ext cx="742950" cy="428625"/>
+          </a:xfrm>
+          <a:prstGeom prst="rect">
+            <a:avLst/>
+          </a:prstGeom>
+        </p:spPr>
+      </p:pic>
+    </p:spTree>
+    <p:extLst>
+      <p:ext uri="{BB962C8B-B14F-4D97-AF65-F5344CB8AC3E}">
+        <p14:creationId xmlns:p14="http://schemas.microsoft.com/office/powerpoint/2010/main" val="740527463"/>
+      </p:ext>
+    </p:extLst>
+  </p:cSld>
+  <p:clrMapOvr>
+    <a:masterClrMapping/>
+  </p:clrMapOvr>
+</p:sld>
+</file>
+
+<file path=ppt/slides/slide8.xml><?xml version="1.0" encoding="utf-8"?>
+<p:sld xmlns:a="http://schemas.openxmlformats.org/drawingml/2006/main" xmlns:r="http://schemas.openxmlformats.org/officeDocument/2006/relationships" xmlns:p="http://schemas.openxmlformats.org/presentationml/2006/main">
+  <p:cSld>
+    <p:spTree>
+      <p:nvGrpSpPr>
+        <p:cNvPr id="1" name=""/>
+        <p:cNvGrpSpPr/>
+        <p:nvPr/>
+      </p:nvGrpSpPr>
+      <p:grpSpPr>
+        <a:xfrm>
+          <a:off x="0" y="0"/>
+          <a:ext cx="0" cy="0"/>
+          <a:chOff x="0" y="0"/>
+          <a:chExt cx="0" cy="0"/>
+        </a:xfrm>
+      </p:grpSpPr>
+      <p:sp>
+        <p:nvSpPr>
           <p:cNvPr id="2" name="Title 1">
             <a:extLst>
               <a:ext uri="{FF2B5EF4-FFF2-40B4-BE49-F238E27FC236}">
@@ -14901,7 +17997,7 @@
             </a:pPr>
             <a:r>
               <a:rPr lang="en-US" sz="3600" i="0" dirty="0"/>
-              <a:t>The database used contains </a:t>
+              <a:t>The dataset used contains </a:t>
             </a:r>
             <a:r>
               <a:rPr lang="en-US" sz="3600" b="1" i="0" dirty="0"/>
@@ -14951,7 +18047,7 @@
           <a:p>
             <a:r>
               <a:rPr lang="en-US" sz="4400" b="1" i="0" u="sng" dirty="0"/>
-              <a:t>Data Gathering</a:t>
+              <a:t>Data Gathering (current work..)</a:t>
             </a:r>
             <a:endParaRPr lang="en-IN" sz="4400" b="1" i="0" u="sng" dirty="0"/>
           </a:p>
@@ -15043,1361 +18139,6 @@
 </p:sld>
 </file>
 
-<file path=ppt/slides/slide5.xml><?xml version="1.0" encoding="utf-8"?>
-<p:sld xmlns:a="http://schemas.openxmlformats.org/drawingml/2006/main" xmlns:r="http://schemas.openxmlformats.org/officeDocument/2006/relationships" xmlns:p="http://schemas.openxmlformats.org/presentationml/2006/main">
-  <p:cSld>
-    <p:spTree>
-      <p:nvGrpSpPr>
-        <p:cNvPr id="1" name=""/>
-        <p:cNvGrpSpPr/>
-        <p:nvPr/>
-      </p:nvGrpSpPr>
-      <p:grpSpPr>
-        <a:xfrm>
-          <a:off x="0" y="0"/>
-          <a:ext cx="0" cy="0"/>
-          <a:chOff x="0" y="0"/>
-          <a:chExt cx="0" cy="0"/>
-        </a:xfrm>
-      </p:grpSpPr>
-      <p:sp>
-        <p:nvSpPr>
-          <p:cNvPr id="2" name="Title 1">
-            <a:extLst>
-              <a:ext uri="{FF2B5EF4-FFF2-40B4-BE49-F238E27FC236}">
-                <a16:creationId xmlns:a16="http://schemas.microsoft.com/office/drawing/2014/main" id="{196359BA-3B59-F9DA-00B2-8851F1E13239}"/>
-              </a:ext>
-            </a:extLst>
-          </p:cNvPr>
-          <p:cNvSpPr>
-            <a:spLocks noGrp="1"/>
-          </p:cNvSpPr>
-          <p:nvPr>
-            <p:ph type="title"/>
-          </p:nvPr>
-        </p:nvSpPr>
-        <p:spPr>
-          <a:xfrm>
-            <a:off x="758951" y="758952"/>
-            <a:ext cx="6245351" cy="944342"/>
-          </a:xfrm>
-        </p:spPr>
-        <p:txBody>
-          <a:bodyPr/>
-          <a:lstStyle/>
-          <a:p>
-            <a:r>
-              <a:rPr lang="en-US" b="1" i="0" u="sng" dirty="0"/>
-              <a:t>Preprocessing</a:t>
-            </a:r>
-            <a:endParaRPr lang="en-IN" b="1" i="0" u="sng" dirty="0"/>
-          </a:p>
-        </p:txBody>
-      </p:sp>
-      <p:sp>
-        <p:nvSpPr>
-          <p:cNvPr id="3" name="Content Placeholder 2">
-            <a:extLst>
-              <a:ext uri="{FF2B5EF4-FFF2-40B4-BE49-F238E27FC236}">
-                <a16:creationId xmlns:a16="http://schemas.microsoft.com/office/drawing/2014/main" id="{8FFF0E96-B543-ED5B-2D73-A62072985654}"/>
-              </a:ext>
-            </a:extLst>
-          </p:cNvPr>
-          <p:cNvSpPr>
-            <a:spLocks noGrp="1"/>
-          </p:cNvSpPr>
-          <p:nvPr>
-            <p:ph idx="1"/>
-          </p:nvPr>
-        </p:nvSpPr>
-        <p:spPr>
-          <a:xfrm>
-            <a:off x="758951" y="1879541"/>
-            <a:ext cx="9995647" cy="4754880"/>
-          </a:xfrm>
-        </p:spPr>
-        <p:txBody>
-          <a:bodyPr>
-            <a:normAutofit/>
-          </a:bodyPr>
-          <a:lstStyle/>
-          <a:p>
-            <a:pPr>
-              <a:buFont typeface="Wingdings" panose="05000000000000000000" pitchFamily="2" charset="2"/>
-              <a:buChar char="Ø"/>
-            </a:pPr>
-            <a:r>
-              <a:rPr lang="en-US" sz="2000" dirty="0"/>
-              <a:t>For our </a:t>
-            </a:r>
-            <a:r>
-              <a:rPr lang="en-US" sz="2000" b="1" dirty="0"/>
-              <a:t>CNN</a:t>
-            </a:r>
-            <a:r>
-              <a:rPr lang="en-US" sz="2000" dirty="0"/>
-              <a:t> to understand the writing style, language is not a restriction, so we pass patches of text having image size </a:t>
-            </a:r>
-            <a:r>
-              <a:rPr lang="en-US" sz="2000" b="1" dirty="0"/>
-              <a:t>113x113</a:t>
-            </a:r>
-            <a:r>
-              <a:rPr lang="en-US" sz="2000" dirty="0"/>
-              <a:t> from each sentence.  </a:t>
-            </a:r>
-          </a:p>
-          <a:p>
-            <a:pPr>
-              <a:buFont typeface="Wingdings" panose="05000000000000000000" pitchFamily="2" charset="2"/>
-              <a:buChar char="Ø"/>
-            </a:pPr>
-            <a:r>
-              <a:rPr lang="en-US" sz="2000" dirty="0"/>
-              <a:t>We </a:t>
-            </a:r>
-            <a:r>
-              <a:rPr lang="en-US" sz="2000" b="1" dirty="0"/>
-              <a:t>don't break </a:t>
-            </a:r>
-            <a:r>
-              <a:rPr lang="en-US" sz="2000" dirty="0"/>
-              <a:t>them </a:t>
-            </a:r>
-            <a:r>
-              <a:rPr lang="en-US" sz="2000" b="1" dirty="0"/>
-              <a:t>w.r.t. sentences </a:t>
-            </a:r>
-            <a:r>
-              <a:rPr lang="en-US" sz="2000" dirty="0"/>
-              <a:t>or </a:t>
-            </a:r>
-            <a:r>
-              <a:rPr lang="en-US" sz="2000" b="1" dirty="0"/>
-              <a:t>words</a:t>
-            </a:r>
-            <a:r>
-              <a:rPr lang="en-US" sz="2000" dirty="0"/>
-              <a:t>, but we </a:t>
-            </a:r>
-            <a:r>
-              <a:rPr lang="en-US" sz="2000" b="1" dirty="0"/>
-              <a:t>break</a:t>
-            </a:r>
-            <a:r>
-              <a:rPr lang="en-US" sz="2000" dirty="0"/>
-              <a:t> them down into </a:t>
-            </a:r>
-            <a:r>
-              <a:rPr lang="en-US" sz="2000" b="1" dirty="0"/>
-              <a:t>smaller image sets</a:t>
-            </a:r>
-            <a:r>
-              <a:rPr lang="en-US" sz="2000" dirty="0"/>
-              <a:t>.</a:t>
-            </a:r>
-          </a:p>
-          <a:p>
-            <a:pPr>
-              <a:buFont typeface="Wingdings" panose="05000000000000000000" pitchFamily="2" charset="2"/>
-              <a:buChar char="Ø"/>
-            </a:pPr>
-            <a:r>
-              <a:rPr lang="en-US" sz="2000" dirty="0"/>
-              <a:t>For serving the purpose, a </a:t>
-            </a:r>
-            <a:r>
-              <a:rPr lang="en-US" sz="2000" b="1" dirty="0"/>
-              <a:t>generator function </a:t>
-            </a:r>
-            <a:r>
-              <a:rPr lang="en-US" sz="2000" dirty="0"/>
-              <a:t>is implemented to </a:t>
-            </a:r>
-            <a:r>
-              <a:rPr lang="en-US" sz="2000" b="1" dirty="0"/>
-              <a:t>scan through each sentence</a:t>
-            </a:r>
-            <a:r>
-              <a:rPr lang="en-US" sz="2000" dirty="0"/>
-              <a:t> and </a:t>
-            </a:r>
-            <a:r>
-              <a:rPr lang="en-US" sz="2000" b="1" dirty="0"/>
-              <a:t>generate random </a:t>
-            </a:r>
-            <a:r>
-              <a:rPr lang="en-US" sz="2000" dirty="0"/>
-              <a:t>patches with same patch size. </a:t>
-            </a:r>
-          </a:p>
-          <a:p>
-            <a:pPr>
-              <a:buFont typeface="Wingdings" panose="05000000000000000000" pitchFamily="2" charset="2"/>
-              <a:buChar char="Ø"/>
-            </a:pPr>
-            <a:r>
-              <a:rPr lang="en-US" sz="2000" b="1" dirty="0"/>
-              <a:t>CNN</a:t>
-            </a:r>
-            <a:r>
-              <a:rPr lang="en-US" sz="2000" dirty="0"/>
-              <a:t> doesn’t even need to take the full data, so we’ve limited the number of patches to be </a:t>
-            </a:r>
-            <a:r>
-              <a:rPr lang="en-US" sz="2000" b="1" dirty="0"/>
-              <a:t>30% of the total patches. </a:t>
-            </a:r>
-            <a:endParaRPr lang="en-US" sz="2000" dirty="0"/>
-          </a:p>
-          <a:p>
-            <a:pPr>
-              <a:buFont typeface="Wingdings" panose="05000000000000000000" pitchFamily="2" charset="2"/>
-              <a:buChar char="Ø"/>
-            </a:pPr>
-            <a:r>
-              <a:rPr lang="en-US" sz="2000" b="1" dirty="0"/>
-              <a:t>Data-set</a:t>
-            </a:r>
-            <a:r>
-              <a:rPr lang="en-US" sz="2000" dirty="0"/>
-              <a:t> is shuffled.</a:t>
-            </a:r>
-            <a:endParaRPr lang="en-IN" dirty="0"/>
-          </a:p>
-        </p:txBody>
-      </p:sp>
-    </p:spTree>
-    <p:extLst>
-      <p:ext uri="{BB962C8B-B14F-4D97-AF65-F5344CB8AC3E}">
-        <p14:creationId xmlns:p14="http://schemas.microsoft.com/office/powerpoint/2010/main" val="207969933"/>
-      </p:ext>
-    </p:extLst>
-  </p:cSld>
-  <p:clrMapOvr>
-    <a:masterClrMapping/>
-  </p:clrMapOvr>
-  <p:transition spd="slow">
-    <p:wipe/>
-  </p:transition>
-</p:sld>
-</file>
-
-<file path=ppt/slides/slide6.xml><?xml version="1.0" encoding="utf-8"?>
-<p:sld xmlns:a="http://schemas.openxmlformats.org/drawingml/2006/main" xmlns:r="http://schemas.openxmlformats.org/officeDocument/2006/relationships" xmlns:p="http://schemas.openxmlformats.org/presentationml/2006/main">
-  <p:cSld>
-    <p:spTree>
-      <p:nvGrpSpPr>
-        <p:cNvPr id="1" name=""/>
-        <p:cNvGrpSpPr/>
-        <p:nvPr/>
-      </p:nvGrpSpPr>
-      <p:grpSpPr>
-        <a:xfrm>
-          <a:off x="0" y="0"/>
-          <a:ext cx="0" cy="0"/>
-          <a:chOff x="0" y="0"/>
-          <a:chExt cx="0" cy="0"/>
-        </a:xfrm>
-      </p:grpSpPr>
-      <p:sp>
-        <p:nvSpPr>
-          <p:cNvPr id="2" name="Title 1">
-            <a:extLst>
-              <a:ext uri="{FF2B5EF4-FFF2-40B4-BE49-F238E27FC236}">
-                <a16:creationId xmlns:a16="http://schemas.microsoft.com/office/drawing/2014/main" id="{E00674C8-449B-8BCA-68C0-4C083513845F}"/>
-              </a:ext>
-            </a:extLst>
-          </p:cNvPr>
-          <p:cNvSpPr>
-            <a:spLocks noGrp="1"/>
-          </p:cNvSpPr>
-          <p:nvPr>
-            <p:ph type="title"/>
-          </p:nvPr>
-        </p:nvSpPr>
-        <p:spPr>
-          <a:xfrm>
-            <a:off x="758951" y="758952"/>
-            <a:ext cx="10653119" cy="4754880"/>
-          </a:xfrm>
-        </p:spPr>
-        <p:txBody>
-          <a:bodyPr/>
-          <a:lstStyle/>
-          <a:p>
-            <a:pPr algn="ctr"/>
-            <a:r>
-              <a:rPr lang="en-US" b="1" i="0" dirty="0"/>
-              <a:t>Convolutional</a:t>
-            </a:r>
-            <a:r>
-              <a:rPr lang="en-US" b="1" dirty="0"/>
-              <a:t> </a:t>
-            </a:r>
-            <a:r>
-              <a:rPr lang="en-US" b="1" i="0" dirty="0"/>
-              <a:t>Neural</a:t>
-            </a:r>
-            <a:r>
-              <a:rPr lang="en-US" b="1" dirty="0"/>
-              <a:t> </a:t>
-            </a:r>
-            <a:r>
-              <a:rPr lang="en-US" b="1" i="0" dirty="0"/>
-              <a:t>Network</a:t>
-            </a:r>
-            <a:r>
-              <a:rPr lang="en-US" b="1" dirty="0"/>
-              <a:t> </a:t>
-            </a:r>
-            <a:endParaRPr lang="en-IN" b="1" dirty="0"/>
-          </a:p>
-        </p:txBody>
-      </p:sp>
-      <p:pic>
-        <p:nvPicPr>
-          <p:cNvPr id="1028" name="Picture 4" descr="Convolutional Neural Network: An Overview">
-            <a:extLst>
-              <a:ext uri="{FF2B5EF4-FFF2-40B4-BE49-F238E27FC236}">
-                <a16:creationId xmlns:a16="http://schemas.microsoft.com/office/drawing/2014/main" id="{47E8EF65-ADA3-86F5-376D-EFA32695D07A}"/>
-              </a:ext>
-            </a:extLst>
-          </p:cNvPr>
-          <p:cNvPicPr>
-            <a:picLocks noChangeAspect="1" noChangeArrowheads="1"/>
-          </p:cNvPicPr>
-          <p:nvPr/>
-        </p:nvPicPr>
-        <p:blipFill>
-          <a:blip r:embed="rId2">
-            <a:extLst>
-              <a:ext uri="{28A0092B-C50C-407E-A947-70E740481C1C}">
-                <a14:useLocalDpi xmlns:a14="http://schemas.microsoft.com/office/drawing/2010/main" val="0"/>
-              </a:ext>
-            </a:extLst>
-          </a:blip>
-          <a:srcRect/>
-          <a:stretch>
-            <a:fillRect/>
-          </a:stretch>
-        </p:blipFill>
-        <p:spPr bwMode="auto">
-          <a:xfrm>
-            <a:off x="1406898" y="1952369"/>
-            <a:ext cx="9378204" cy="4675856"/>
-          </a:xfrm>
-          <a:prstGeom prst="rect">
-            <a:avLst/>
-          </a:prstGeom>
-          <a:noFill/>
-          <a:extLst>
-            <a:ext uri="{909E8E84-426E-40DD-AFC4-6F175D3DCCD1}">
-              <a14:hiddenFill xmlns:a14="http://schemas.microsoft.com/office/drawing/2010/main">
-                <a:solidFill>
-                  <a:srgbClr val="FFFFFF"/>
-                </a:solidFill>
-              </a14:hiddenFill>
-            </a:ext>
-          </a:extLst>
-        </p:spPr>
-      </p:pic>
-    </p:spTree>
-    <p:extLst>
-      <p:ext uri="{BB962C8B-B14F-4D97-AF65-F5344CB8AC3E}">
-        <p14:creationId xmlns:p14="http://schemas.microsoft.com/office/powerpoint/2010/main" val="4245714740"/>
-      </p:ext>
-    </p:extLst>
-  </p:cSld>
-  <p:clrMapOvr>
-    <a:masterClrMapping/>
-  </p:clrMapOvr>
-  <mc:AlternateContent xmlns:mc="http://schemas.openxmlformats.org/markup-compatibility/2006">
-    <mc:Choice xmlns:p15="http://schemas.microsoft.com/office/powerpoint/2012/main" Requires="p15">
-      <p:transition xmlns:p14="http://schemas.microsoft.com/office/powerpoint/2010/main" spd="slow" p14:dur="1250">
-        <p15:prstTrans prst="airplane"/>
-      </p:transition>
-    </mc:Choice>
-    <mc:Fallback>
-      <p:transition spd="slow">
-        <p:fade/>
-      </p:transition>
-    </mc:Fallback>
-  </mc:AlternateContent>
-</p:sld>
-</file>
-
-<file path=ppt/slides/slide7.xml><?xml version="1.0" encoding="utf-8"?>
-<p:sld xmlns:a="http://schemas.openxmlformats.org/drawingml/2006/main" xmlns:r="http://schemas.openxmlformats.org/officeDocument/2006/relationships" xmlns:p="http://schemas.openxmlformats.org/presentationml/2006/main">
-  <p:cSld>
-    <p:spTree>
-      <p:nvGrpSpPr>
-        <p:cNvPr id="1" name=""/>
-        <p:cNvGrpSpPr/>
-        <p:nvPr/>
-      </p:nvGrpSpPr>
-      <p:grpSpPr>
-        <a:xfrm>
-          <a:off x="0" y="0"/>
-          <a:ext cx="0" cy="0"/>
-          <a:chOff x="0" y="0"/>
-          <a:chExt cx="0" cy="0"/>
-        </a:xfrm>
-      </p:grpSpPr>
-      <p:sp>
-        <p:nvSpPr>
-          <p:cNvPr id="2" name="Title 1">
-            <a:extLst>
-              <a:ext uri="{FF2B5EF4-FFF2-40B4-BE49-F238E27FC236}">
-                <a16:creationId xmlns:a16="http://schemas.microsoft.com/office/drawing/2014/main" id="{48EF671F-74E7-535B-9766-7F64FD94FD58}"/>
-              </a:ext>
-            </a:extLst>
-          </p:cNvPr>
-          <p:cNvSpPr>
-            <a:spLocks noGrp="1"/>
-          </p:cNvSpPr>
-          <p:nvPr>
-            <p:ph type="title"/>
-          </p:nvPr>
-        </p:nvSpPr>
-        <p:spPr>
-          <a:xfrm>
-            <a:off x="758952" y="758952"/>
-            <a:ext cx="7094130" cy="4754880"/>
-          </a:xfrm>
-        </p:spPr>
-        <p:txBody>
-          <a:bodyPr/>
-          <a:lstStyle/>
-          <a:p>
-            <a:r>
-              <a:rPr lang="en-US" b="1" i="0" dirty="0" err="1"/>
-              <a:t>Softmax</a:t>
-            </a:r>
-            <a:r>
-              <a:rPr lang="en-US" dirty="0"/>
-              <a:t> </a:t>
-            </a:r>
-            <a:r>
-              <a:rPr lang="en-US" b="1" i="0" dirty="0"/>
-              <a:t>Function</a:t>
-            </a:r>
-            <a:br>
-              <a:rPr lang="en-US" dirty="0"/>
-            </a:br>
-            <a:br>
-              <a:rPr lang="en-US" dirty="0"/>
-            </a:br>
-            <a:r>
-              <a:rPr lang="en-US" dirty="0"/>
-              <a:t> </a:t>
-            </a:r>
-            <a:endParaRPr lang="en-IN" dirty="0"/>
-          </a:p>
-        </p:txBody>
-      </p:sp>
-      <p:pic>
-        <p:nvPicPr>
-          <p:cNvPr id="5" name="Content Placeholder 4">
-            <a:extLst>
-              <a:ext uri="{FF2B5EF4-FFF2-40B4-BE49-F238E27FC236}">
-                <a16:creationId xmlns:a16="http://schemas.microsoft.com/office/drawing/2014/main" id="{69B0F573-C67A-B466-7FE6-78C6D3215D60}"/>
-              </a:ext>
-            </a:extLst>
-          </p:cNvPr>
-          <p:cNvPicPr>
-            <a:picLocks noGrp="1" noChangeAspect="1"/>
-          </p:cNvPicPr>
-          <p:nvPr>
-            <p:ph idx="1"/>
-          </p:nvPr>
-        </p:nvPicPr>
-        <p:blipFill>
-          <a:blip r:embed="rId2">
-            <a:extLst>
-              <a:ext uri="{28A0092B-C50C-407E-A947-70E740481C1C}">
-                <a14:useLocalDpi xmlns:a14="http://schemas.microsoft.com/office/drawing/2010/main" val="0"/>
-              </a:ext>
-            </a:extLst>
-          </a:blip>
-          <a:stretch>
-            <a:fillRect/>
-          </a:stretch>
-        </p:blipFill>
-        <p:spPr>
-          <a:xfrm>
-            <a:off x="758952" y="1692905"/>
-            <a:ext cx="7524437" cy="2393874"/>
-          </a:xfrm>
-        </p:spPr>
-      </p:pic>
-      <p:sp>
-        <p:nvSpPr>
-          <p:cNvPr id="8" name="TextBox 7">
-            <a:extLst>
-              <a:ext uri="{FF2B5EF4-FFF2-40B4-BE49-F238E27FC236}">
-                <a16:creationId xmlns:a16="http://schemas.microsoft.com/office/drawing/2014/main" id="{83868E11-5A1B-8684-55D4-970F4EACB4CD}"/>
-              </a:ext>
-            </a:extLst>
-          </p:cNvPr>
-          <p:cNvSpPr txBox="1"/>
-          <p:nvPr/>
-        </p:nvSpPr>
-        <p:spPr>
-          <a:xfrm>
-            <a:off x="8283389" y="2039390"/>
-            <a:ext cx="4401670" cy="584775"/>
-          </a:xfrm>
-          <a:prstGeom prst="rect">
-            <a:avLst/>
-          </a:prstGeom>
-          <a:noFill/>
-        </p:spPr>
-        <p:txBody>
-          <a:bodyPr wrap="square">
-            <a:spAutoFit/>
-          </a:bodyPr>
-          <a:lstStyle/>
-          <a:p>
-            <a:r>
-              <a:rPr lang="en-US" sz="1600" b="1" i="1" dirty="0">
-                <a:solidFill>
-                  <a:schemeClr val="tx1">
-                    <a:lumMod val="95000"/>
-                    <a:lumOff val="5000"/>
-                  </a:schemeClr>
-                </a:solidFill>
-                <a:latin typeface="KaTeX_Math"/>
-              </a:rPr>
-              <a:t>Here, </a:t>
-            </a:r>
-            <a:r>
-              <a:rPr lang="en-US" sz="1600" b="1" i="1" dirty="0" err="1">
-                <a:solidFill>
-                  <a:schemeClr val="tx1">
-                    <a:lumMod val="95000"/>
-                    <a:lumOff val="5000"/>
-                  </a:schemeClr>
-                </a:solidFill>
-                <a:latin typeface="KaTeX_Math"/>
-              </a:rPr>
-              <a:t>s</a:t>
-            </a:r>
-            <a:r>
-              <a:rPr lang="en-US" sz="1600" b="1" i="1" dirty="0" err="1">
-                <a:solidFill>
-                  <a:schemeClr val="tx1">
-                    <a:lumMod val="95000"/>
-                    <a:lumOff val="5000"/>
-                  </a:schemeClr>
-                </a:solidFill>
-                <a:effectLst/>
-                <a:latin typeface="KaTeX_Math"/>
-              </a:rPr>
-              <a:t>i</a:t>
-            </a:r>
-            <a:r>
-              <a:rPr lang="en-US" sz="1600" b="1" i="0" dirty="0">
-                <a:solidFill>
-                  <a:schemeClr val="tx1">
-                    <a:lumMod val="95000"/>
-                    <a:lumOff val="5000"/>
-                  </a:schemeClr>
-                </a:solidFill>
-                <a:effectLst/>
-                <a:latin typeface="KaTeX_Main"/>
-              </a:rPr>
-              <a:t>​</a:t>
-            </a:r>
-            <a:r>
-              <a:rPr lang="en-US" sz="1600" b="1" i="0" dirty="0">
-                <a:solidFill>
-                  <a:schemeClr val="tx1">
-                    <a:lumMod val="95000"/>
-                    <a:lumOff val="5000"/>
-                  </a:schemeClr>
-                </a:solidFill>
-                <a:effectLst/>
-                <a:latin typeface="Söhne"/>
-              </a:rPr>
-              <a:t>: </a:t>
-            </a:r>
-            <a:r>
-              <a:rPr lang="en-US" sz="1600" b="0" i="0" dirty="0">
-                <a:solidFill>
-                  <a:schemeClr val="tx1">
-                    <a:lumMod val="95000"/>
-                    <a:lumOff val="5000"/>
-                  </a:schemeClr>
-                </a:solidFill>
-                <a:effectLst/>
-                <a:latin typeface="Söhne"/>
-              </a:rPr>
-              <a:t>The </a:t>
-            </a:r>
-            <a:r>
-              <a:rPr lang="en-US" sz="1600" b="0" i="1" dirty="0" err="1">
-                <a:solidFill>
-                  <a:schemeClr val="tx1">
-                    <a:lumMod val="95000"/>
-                    <a:lumOff val="5000"/>
-                  </a:schemeClr>
-                </a:solidFill>
-                <a:effectLst/>
-                <a:latin typeface="KaTeX_Math"/>
-              </a:rPr>
-              <a:t>i</a:t>
-            </a:r>
-            <a:r>
-              <a:rPr lang="en-US" sz="1600" b="0" i="0" dirty="0" err="1">
-                <a:solidFill>
-                  <a:schemeClr val="tx1">
-                    <a:lumMod val="95000"/>
-                    <a:lumOff val="5000"/>
-                  </a:schemeClr>
-                </a:solidFill>
-                <a:effectLst/>
-                <a:latin typeface="Söhne"/>
-              </a:rPr>
-              <a:t>-th</a:t>
-            </a:r>
-            <a:r>
-              <a:rPr lang="en-US" sz="1600" b="0" i="0" dirty="0">
-                <a:solidFill>
-                  <a:schemeClr val="tx1">
-                    <a:lumMod val="95000"/>
-                    <a:lumOff val="5000"/>
-                  </a:schemeClr>
-                </a:solidFill>
-                <a:effectLst/>
-                <a:latin typeface="Söhne"/>
-              </a:rPr>
-              <a:t> element of the input vector.</a:t>
-            </a:r>
-          </a:p>
-          <a:p>
-            <a:r>
-              <a:rPr lang="en-US" sz="1600" b="1" i="1" dirty="0">
-                <a:solidFill>
-                  <a:schemeClr val="tx1">
-                    <a:lumMod val="95000"/>
-                    <a:lumOff val="5000"/>
-                  </a:schemeClr>
-                </a:solidFill>
-                <a:effectLst/>
-                <a:latin typeface="KaTeX_Math"/>
-              </a:rPr>
-              <a:t>e</a:t>
-            </a:r>
-            <a:r>
-              <a:rPr lang="en-US" sz="1600" b="0" i="0" dirty="0">
-                <a:solidFill>
-                  <a:schemeClr val="tx1">
-                    <a:lumMod val="95000"/>
-                    <a:lumOff val="5000"/>
-                  </a:schemeClr>
-                </a:solidFill>
-                <a:effectLst/>
-                <a:latin typeface="Söhne"/>
-              </a:rPr>
-              <a:t>: Euler's number (approximately 2.71828).</a:t>
-            </a:r>
-            <a:endParaRPr lang="en-IN" sz="1600" dirty="0">
-              <a:solidFill>
-                <a:schemeClr val="tx1">
-                  <a:lumMod val="95000"/>
-                  <a:lumOff val="5000"/>
-                </a:schemeClr>
-              </a:solidFill>
-            </a:endParaRPr>
-          </a:p>
-        </p:txBody>
-      </p:sp>
-      <p:sp>
-        <p:nvSpPr>
-          <p:cNvPr id="10" name="TextBox 9">
-            <a:extLst>
-              <a:ext uri="{FF2B5EF4-FFF2-40B4-BE49-F238E27FC236}">
-                <a16:creationId xmlns:a16="http://schemas.microsoft.com/office/drawing/2014/main" id="{921CF2F8-FC29-C5E8-1504-CD996EF163CA}"/>
-              </a:ext>
-            </a:extLst>
-          </p:cNvPr>
-          <p:cNvSpPr txBox="1"/>
-          <p:nvPr/>
-        </p:nvSpPr>
-        <p:spPr>
-          <a:xfrm>
-            <a:off x="1584512" y="4437547"/>
-            <a:ext cx="9164170" cy="2308324"/>
-          </a:xfrm>
-          <a:prstGeom prst="rect">
-            <a:avLst/>
-          </a:prstGeom>
-          <a:noFill/>
-        </p:spPr>
-        <p:txBody>
-          <a:bodyPr wrap="square">
-            <a:spAutoFit/>
-          </a:bodyPr>
-          <a:lstStyle/>
-          <a:p>
-            <a:pPr marL="285750" indent="-285750">
-              <a:buFont typeface="Arial" panose="020B0604020202020204" pitchFamily="34" charset="0"/>
-              <a:buChar char="•"/>
-            </a:pPr>
-            <a:r>
-              <a:rPr lang="en-US" sz="2400" b="1" i="0" dirty="0">
-                <a:solidFill>
-                  <a:schemeClr val="tx1">
-                    <a:lumMod val="95000"/>
-                    <a:lumOff val="5000"/>
-                  </a:schemeClr>
-                </a:solidFill>
-                <a:effectLst/>
-                <a:latin typeface="Söhne"/>
-              </a:rPr>
-              <a:t>SoftMax function </a:t>
-            </a:r>
-            <a:r>
-              <a:rPr lang="en-US" sz="2400" i="0" dirty="0">
-                <a:solidFill>
-                  <a:schemeClr val="tx1">
-                    <a:lumMod val="95000"/>
-                    <a:lumOff val="5000"/>
-                  </a:schemeClr>
-                </a:solidFill>
-                <a:effectLst/>
-                <a:latin typeface="Söhne"/>
-              </a:rPr>
-              <a:t>is a mathematical function that </a:t>
-            </a:r>
-            <a:r>
-              <a:rPr lang="en-US" sz="2400" b="1" i="0" dirty="0">
-                <a:solidFill>
-                  <a:schemeClr val="tx1">
-                    <a:lumMod val="95000"/>
-                    <a:lumOff val="5000"/>
-                  </a:schemeClr>
-                </a:solidFill>
-                <a:effectLst/>
-                <a:latin typeface="Söhne"/>
-              </a:rPr>
-              <a:t>takes a vector </a:t>
-            </a:r>
-            <a:r>
-              <a:rPr lang="en-US" sz="2400" i="0" dirty="0">
-                <a:solidFill>
-                  <a:schemeClr val="tx1">
-                    <a:lumMod val="95000"/>
-                    <a:lumOff val="5000"/>
-                  </a:schemeClr>
-                </a:solidFill>
-                <a:effectLst/>
-                <a:latin typeface="Söhne"/>
-              </a:rPr>
-              <a:t>of real numbers as input and </a:t>
-            </a:r>
-            <a:r>
-              <a:rPr lang="en-US" sz="2400" b="1" i="0" dirty="0">
-                <a:solidFill>
-                  <a:schemeClr val="tx1">
-                    <a:lumMod val="95000"/>
-                    <a:lumOff val="5000"/>
-                  </a:schemeClr>
-                </a:solidFill>
-                <a:effectLst/>
-                <a:latin typeface="Söhne"/>
-              </a:rPr>
-              <a:t>transforms</a:t>
-            </a:r>
-            <a:r>
-              <a:rPr lang="en-US" sz="2400" i="0" dirty="0">
-                <a:solidFill>
-                  <a:schemeClr val="tx1">
-                    <a:lumMod val="95000"/>
-                    <a:lumOff val="5000"/>
-                  </a:schemeClr>
-                </a:solidFill>
-                <a:effectLst/>
-                <a:latin typeface="Söhne"/>
-              </a:rPr>
-              <a:t> it into a </a:t>
-            </a:r>
-            <a:r>
-              <a:rPr lang="en-US" sz="2400" b="1" i="0" dirty="0">
-                <a:solidFill>
-                  <a:schemeClr val="tx1">
-                    <a:lumMod val="95000"/>
-                    <a:lumOff val="5000"/>
-                  </a:schemeClr>
-                </a:solidFill>
-                <a:effectLst/>
-                <a:latin typeface="Söhne"/>
-              </a:rPr>
-              <a:t>probability distribution</a:t>
-            </a:r>
-            <a:r>
-              <a:rPr lang="en-US" sz="2400" i="0" dirty="0">
-                <a:solidFill>
-                  <a:schemeClr val="tx1">
-                    <a:lumMod val="95000"/>
-                    <a:lumOff val="5000"/>
-                  </a:schemeClr>
-                </a:solidFill>
-                <a:effectLst/>
-                <a:latin typeface="Söhne"/>
-              </a:rPr>
-              <a:t>.</a:t>
-            </a:r>
-          </a:p>
-          <a:p>
-            <a:pPr marL="285750" indent="-285750">
-              <a:buFont typeface="Arial" panose="020B0604020202020204" pitchFamily="34" charset="0"/>
-              <a:buChar char="•"/>
-            </a:pPr>
-            <a:r>
-              <a:rPr lang="en-US" sz="2400" b="1" dirty="0">
-                <a:solidFill>
-                  <a:schemeClr val="tx1">
-                    <a:lumMod val="95000"/>
-                    <a:lumOff val="5000"/>
-                  </a:schemeClr>
-                </a:solidFill>
-                <a:latin typeface="Söhne"/>
-              </a:rPr>
-              <a:t>U</a:t>
-            </a:r>
-            <a:r>
-              <a:rPr lang="en-US" sz="2400" b="1" i="0" dirty="0">
-                <a:solidFill>
-                  <a:schemeClr val="tx1">
-                    <a:lumMod val="95000"/>
-                    <a:lumOff val="5000"/>
-                  </a:schemeClr>
-                </a:solidFill>
-                <a:effectLst/>
-                <a:latin typeface="Söhne"/>
-              </a:rPr>
-              <a:t>sed</a:t>
-            </a:r>
-            <a:r>
-              <a:rPr lang="en-US" sz="2400" b="0" i="0" dirty="0">
-                <a:solidFill>
-                  <a:schemeClr val="tx1">
-                    <a:lumMod val="95000"/>
-                    <a:lumOff val="5000"/>
-                  </a:schemeClr>
-                </a:solidFill>
-                <a:effectLst/>
-                <a:latin typeface="Söhne"/>
-              </a:rPr>
-              <a:t> in machine learning, particularly in </a:t>
-            </a:r>
-            <a:r>
-              <a:rPr lang="en-US" sz="2400" b="1" i="0" dirty="0">
-                <a:solidFill>
-                  <a:schemeClr val="tx1">
-                    <a:lumMod val="95000"/>
-                    <a:lumOff val="5000"/>
-                  </a:schemeClr>
-                </a:solidFill>
-                <a:effectLst/>
-                <a:latin typeface="Söhne"/>
-              </a:rPr>
-              <a:t>multiclass classification </a:t>
-            </a:r>
-            <a:r>
-              <a:rPr lang="en-US" sz="2400" b="0" i="0" dirty="0">
-                <a:solidFill>
-                  <a:schemeClr val="tx1">
-                    <a:lumMod val="95000"/>
-                    <a:lumOff val="5000"/>
-                  </a:schemeClr>
-                </a:solidFill>
-                <a:effectLst/>
-                <a:latin typeface="Söhne"/>
-              </a:rPr>
-              <a:t>problems</a:t>
-            </a:r>
-          </a:p>
-          <a:p>
-            <a:pPr marL="285750" indent="-285750">
-              <a:buFont typeface="Arial" panose="020B0604020202020204" pitchFamily="34" charset="0"/>
-              <a:buChar char="•"/>
-            </a:pPr>
-            <a:r>
-              <a:rPr lang="en-US" sz="2400" b="1" dirty="0">
-                <a:solidFill>
-                  <a:schemeClr val="tx1">
-                    <a:lumMod val="95000"/>
-                    <a:lumOff val="5000"/>
-                  </a:schemeClr>
-                </a:solidFill>
-                <a:latin typeface="Söhne"/>
-              </a:rPr>
-              <a:t>Cross-Entropy Loss </a:t>
-            </a:r>
-            <a:r>
-              <a:rPr lang="en-US" sz="2400" dirty="0">
-                <a:solidFill>
-                  <a:schemeClr val="tx1">
-                    <a:lumMod val="95000"/>
-                    <a:lumOff val="5000"/>
-                  </a:schemeClr>
-                </a:solidFill>
-                <a:latin typeface="Söhne"/>
-              </a:rPr>
-              <a:t>is used for </a:t>
-            </a:r>
-            <a:r>
-              <a:rPr lang="en-IN" sz="2400" b="1" i="0" dirty="0">
-                <a:solidFill>
-                  <a:schemeClr val="tx1">
-                    <a:lumMod val="95000"/>
-                    <a:lumOff val="5000"/>
-                  </a:schemeClr>
-                </a:solidFill>
-                <a:effectLst/>
-                <a:latin typeface="Söhne"/>
-              </a:rPr>
-              <a:t>classification tasks</a:t>
-            </a:r>
-            <a:r>
-              <a:rPr lang="en-IN" sz="2400" b="0" i="0" dirty="0">
-                <a:solidFill>
-                  <a:schemeClr val="tx1">
-                    <a:lumMod val="95000"/>
-                    <a:lumOff val="5000"/>
-                  </a:schemeClr>
-                </a:solidFill>
-                <a:effectLst/>
-                <a:latin typeface="Söhne"/>
-              </a:rPr>
-              <a:t>.</a:t>
-            </a:r>
-            <a:endParaRPr lang="en-IN" sz="2400" dirty="0">
-              <a:solidFill>
-                <a:schemeClr val="tx1">
-                  <a:lumMod val="95000"/>
-                  <a:lumOff val="5000"/>
-                </a:schemeClr>
-              </a:solidFill>
-            </a:endParaRPr>
-          </a:p>
-        </p:txBody>
-      </p:sp>
-      <p:sp>
-        <p:nvSpPr>
-          <p:cNvPr id="12" name="TextBox 11">
-            <a:extLst>
-              <a:ext uri="{FF2B5EF4-FFF2-40B4-BE49-F238E27FC236}">
-                <a16:creationId xmlns:a16="http://schemas.microsoft.com/office/drawing/2014/main" id="{6CFA9859-7E1C-7EC3-DE53-FE4CD6FA512F}"/>
-              </a:ext>
-            </a:extLst>
-          </p:cNvPr>
-          <p:cNvSpPr txBox="1"/>
-          <p:nvPr/>
-        </p:nvSpPr>
-        <p:spPr>
-          <a:xfrm>
-            <a:off x="8283390" y="2683221"/>
-            <a:ext cx="3908610" cy="923330"/>
-          </a:xfrm>
-          <a:prstGeom prst="rect">
-            <a:avLst/>
-          </a:prstGeom>
-          <a:noFill/>
-        </p:spPr>
-        <p:txBody>
-          <a:bodyPr wrap="square">
-            <a:spAutoFit/>
-          </a:bodyPr>
-          <a:lstStyle/>
-          <a:p>
-            <a:r>
-              <a:rPr lang="en-US" b="1" i="1" dirty="0">
-                <a:solidFill>
-                  <a:schemeClr val="tx1">
-                    <a:lumMod val="95000"/>
-                    <a:lumOff val="5000"/>
-                  </a:schemeClr>
-                </a:solidFill>
-                <a:latin typeface="KaTeX_Math"/>
-              </a:rPr>
-              <a:t>t:</a:t>
-            </a:r>
-            <a:r>
-              <a:rPr lang="en-US" b="0" i="0" dirty="0">
-                <a:solidFill>
-                  <a:schemeClr val="tx1">
-                    <a:lumMod val="95000"/>
-                    <a:lumOff val="5000"/>
-                  </a:schemeClr>
-                </a:solidFill>
-                <a:effectLst/>
-                <a:latin typeface="Söhne"/>
-              </a:rPr>
-              <a:t> is the actual label (0 or 1 in binary classification, a one-hot vector in multi-class classification).</a:t>
-            </a:r>
-            <a:endParaRPr lang="en-IN" dirty="0">
-              <a:solidFill>
-                <a:schemeClr val="tx1">
-                  <a:lumMod val="95000"/>
-                  <a:lumOff val="5000"/>
-                </a:schemeClr>
-              </a:solidFill>
-            </a:endParaRPr>
-          </a:p>
-        </p:txBody>
-      </p:sp>
-      <p:sp>
-        <p:nvSpPr>
-          <p:cNvPr id="14" name="TextBox 13">
-            <a:extLst>
-              <a:ext uri="{FF2B5EF4-FFF2-40B4-BE49-F238E27FC236}">
-                <a16:creationId xmlns:a16="http://schemas.microsoft.com/office/drawing/2014/main" id="{316A9BCD-27BB-B6FA-A23E-7A419DA2059C}"/>
-              </a:ext>
-            </a:extLst>
-          </p:cNvPr>
-          <p:cNvSpPr txBox="1"/>
-          <p:nvPr/>
-        </p:nvSpPr>
-        <p:spPr>
-          <a:xfrm>
-            <a:off x="8283389" y="3661999"/>
-            <a:ext cx="2770093" cy="369332"/>
-          </a:xfrm>
-          <a:prstGeom prst="rect">
-            <a:avLst/>
-          </a:prstGeom>
-          <a:noFill/>
-        </p:spPr>
-        <p:txBody>
-          <a:bodyPr wrap="square">
-            <a:spAutoFit/>
-          </a:bodyPr>
-          <a:lstStyle/>
-          <a:p>
-            <a:r>
-              <a:rPr lang="en-IN" b="1" dirty="0">
-                <a:solidFill>
-                  <a:schemeClr val="tx1">
-                    <a:lumMod val="95000"/>
-                    <a:lumOff val="5000"/>
-                  </a:schemeClr>
-                </a:solidFill>
-                <a:latin typeface="Söhne"/>
-              </a:rPr>
-              <a:t>f</a:t>
-            </a:r>
-            <a:r>
-              <a:rPr lang="en-IN" b="1" i="0" dirty="0">
-                <a:solidFill>
-                  <a:schemeClr val="tx1">
-                    <a:lumMod val="95000"/>
-                    <a:lumOff val="5000"/>
-                  </a:schemeClr>
-                </a:solidFill>
-                <a:effectLst/>
-                <a:latin typeface="Söhne"/>
-              </a:rPr>
-              <a:t>(s)</a:t>
-            </a:r>
-            <a:r>
-              <a:rPr lang="en-IN" b="1" i="0" dirty="0" err="1">
-                <a:solidFill>
-                  <a:schemeClr val="tx1">
-                    <a:lumMod val="95000"/>
-                    <a:lumOff val="5000"/>
-                  </a:schemeClr>
-                </a:solidFill>
-                <a:effectLst/>
-                <a:latin typeface="Söhne"/>
-              </a:rPr>
-              <a:t>i</a:t>
-            </a:r>
-            <a:r>
-              <a:rPr lang="en-IN" b="1" i="0" dirty="0">
-                <a:solidFill>
-                  <a:schemeClr val="tx1">
-                    <a:lumMod val="95000"/>
-                    <a:lumOff val="5000"/>
-                  </a:schemeClr>
-                </a:solidFill>
-                <a:effectLst/>
-                <a:latin typeface="Söhne"/>
-              </a:rPr>
-              <a:t>: </a:t>
-            </a:r>
-            <a:r>
-              <a:rPr lang="en-IN" b="0" i="0" dirty="0">
-                <a:solidFill>
-                  <a:schemeClr val="tx1">
-                    <a:lumMod val="95000"/>
-                    <a:lumOff val="5000"/>
-                  </a:schemeClr>
-                </a:solidFill>
-                <a:effectLst/>
-                <a:latin typeface="Söhne"/>
-              </a:rPr>
-              <a:t>predicted probability</a:t>
-            </a:r>
-            <a:endParaRPr lang="en-IN" dirty="0">
-              <a:solidFill>
-                <a:schemeClr val="tx1">
-                  <a:lumMod val="95000"/>
-                  <a:lumOff val="5000"/>
-                </a:schemeClr>
-              </a:solidFill>
-            </a:endParaRPr>
-          </a:p>
-        </p:txBody>
-      </p:sp>
-    </p:spTree>
-    <p:extLst>
-      <p:ext uri="{BB962C8B-B14F-4D97-AF65-F5344CB8AC3E}">
-        <p14:creationId xmlns:p14="http://schemas.microsoft.com/office/powerpoint/2010/main" val="3867502747"/>
-      </p:ext>
-    </p:extLst>
-  </p:cSld>
-  <p:clrMapOvr>
-    <a:masterClrMapping/>
-  </p:clrMapOvr>
-  <p:transition spd="slow">
-    <p:wipe/>
-  </p:transition>
-</p:sld>
-</file>
-
-<file path=ppt/slides/slide8.xml><?xml version="1.0" encoding="utf-8"?>
-<p:sld xmlns:a="http://schemas.openxmlformats.org/drawingml/2006/main" xmlns:r="http://schemas.openxmlformats.org/officeDocument/2006/relationships" xmlns:p="http://schemas.openxmlformats.org/presentationml/2006/main">
-  <p:cSld>
-    <p:spTree>
-      <p:nvGrpSpPr>
-        <p:cNvPr id="1" name=""/>
-        <p:cNvGrpSpPr/>
-        <p:nvPr/>
-      </p:nvGrpSpPr>
-      <p:grpSpPr>
-        <a:xfrm>
-          <a:off x="0" y="0"/>
-          <a:ext cx="0" cy="0"/>
-          <a:chOff x="0" y="0"/>
-          <a:chExt cx="0" cy="0"/>
-        </a:xfrm>
-      </p:grpSpPr>
-      <p:sp>
-        <p:nvSpPr>
-          <p:cNvPr id="2" name="Title 1">
-            <a:extLst>
-              <a:ext uri="{FF2B5EF4-FFF2-40B4-BE49-F238E27FC236}">
-                <a16:creationId xmlns:a16="http://schemas.microsoft.com/office/drawing/2014/main" id="{F8E523C3-1114-2F08-4EFB-49337325B793}"/>
-              </a:ext>
-            </a:extLst>
-          </p:cNvPr>
-          <p:cNvSpPr>
-            <a:spLocks noGrp="1"/>
-          </p:cNvSpPr>
-          <p:nvPr>
-            <p:ph type="title"/>
-          </p:nvPr>
-        </p:nvSpPr>
-        <p:spPr>
-          <a:xfrm>
-            <a:off x="445187" y="349085"/>
-            <a:ext cx="8913966" cy="4754880"/>
-          </a:xfrm>
-        </p:spPr>
-        <p:txBody>
-          <a:bodyPr/>
-          <a:lstStyle/>
-          <a:p>
-            <a:r>
-              <a:rPr lang="en-US" i="0" u="sng" dirty="0"/>
-              <a:t>Self-designed CNN Model</a:t>
-            </a:r>
-            <a:endParaRPr lang="en-IN" i="0" u="sng" dirty="0"/>
-          </a:p>
-        </p:txBody>
-      </p:sp>
-      <p:sp>
-        <p:nvSpPr>
-          <p:cNvPr id="3" name="Content Placeholder 2">
-            <a:extLst>
-              <a:ext uri="{FF2B5EF4-FFF2-40B4-BE49-F238E27FC236}">
-                <a16:creationId xmlns:a16="http://schemas.microsoft.com/office/drawing/2014/main" id="{78B21CE2-6BCE-DB1E-2B56-D05D33EAB458}"/>
-              </a:ext>
-            </a:extLst>
-          </p:cNvPr>
-          <p:cNvSpPr>
-            <a:spLocks noGrp="1"/>
-          </p:cNvSpPr>
-          <p:nvPr>
-            <p:ph idx="1"/>
-          </p:nvPr>
-        </p:nvSpPr>
-        <p:spPr>
-          <a:xfrm>
-            <a:off x="603681" y="1754035"/>
-            <a:ext cx="10234647" cy="4754880"/>
-          </a:xfrm>
-        </p:spPr>
-        <p:txBody>
-          <a:bodyPr>
-            <a:normAutofit/>
-          </a:bodyPr>
-          <a:lstStyle/>
-          <a:p>
-            <a:r>
-              <a:rPr lang="en-US" sz="2400" dirty="0"/>
-              <a:t>We’ve used </a:t>
-            </a:r>
-            <a:r>
-              <a:rPr lang="en-US" sz="2400" b="1" dirty="0" err="1"/>
-              <a:t>Keras</a:t>
-            </a:r>
-            <a:r>
-              <a:rPr lang="en-US" sz="2400" dirty="0"/>
-              <a:t> with </a:t>
-            </a:r>
-            <a:r>
-              <a:rPr lang="en-US" sz="2400" b="1" dirty="0"/>
-              <a:t>TensorFlow</a:t>
-            </a:r>
-            <a:r>
-              <a:rPr lang="en-US" sz="2400" dirty="0"/>
-              <a:t> backend. </a:t>
-            </a:r>
-          </a:p>
-          <a:p>
-            <a:r>
-              <a:rPr lang="en-US" sz="2400" dirty="0"/>
-              <a:t>A standard </a:t>
-            </a:r>
-            <a:r>
-              <a:rPr lang="en-US" sz="2400" b="1" dirty="0"/>
-              <a:t>CNN Model </a:t>
-            </a:r>
-            <a:r>
-              <a:rPr lang="en-US" sz="2400" dirty="0"/>
-              <a:t>is designed with </a:t>
-            </a:r>
-            <a:r>
-              <a:rPr lang="en-US" sz="2400" b="1" dirty="0"/>
-              <a:t>multiple convolution </a:t>
-            </a:r>
-            <a:r>
-              <a:rPr lang="en-US" sz="2400" dirty="0"/>
-              <a:t>and </a:t>
-            </a:r>
-            <a:r>
-              <a:rPr lang="en-US" sz="2400" b="1" dirty="0" err="1"/>
-              <a:t>maxpool</a:t>
-            </a:r>
-            <a:r>
-              <a:rPr lang="en-US" sz="2400" b="1" dirty="0"/>
-              <a:t> layers</a:t>
-            </a:r>
-            <a:r>
-              <a:rPr lang="en-US" sz="2400" dirty="0"/>
-              <a:t>, a </a:t>
-            </a:r>
-            <a:r>
-              <a:rPr lang="en-US" sz="2400" b="1" dirty="0"/>
-              <a:t>few dense layers </a:t>
-            </a:r>
-            <a:r>
-              <a:rPr lang="en-US" sz="2400" dirty="0"/>
-              <a:t>and a </a:t>
-            </a:r>
-            <a:r>
-              <a:rPr lang="en-US" sz="2400" b="1" dirty="0"/>
-              <a:t>final output layer </a:t>
-            </a:r>
-            <a:r>
-              <a:rPr lang="en-US" sz="2400" dirty="0"/>
-              <a:t>is the </a:t>
-            </a:r>
-            <a:r>
-              <a:rPr lang="en-US" sz="2400" b="1" dirty="0" err="1"/>
-              <a:t>softmax</a:t>
-            </a:r>
-            <a:r>
-              <a:rPr lang="en-US" sz="2400" b="1" dirty="0"/>
-              <a:t> activation</a:t>
-            </a:r>
-            <a:r>
-              <a:rPr lang="en-US" sz="2400" dirty="0"/>
-              <a:t>. </a:t>
-            </a:r>
-          </a:p>
-          <a:p>
-            <a:r>
-              <a:rPr lang="en-US" sz="2400" b="1" dirty="0" err="1"/>
-              <a:t>ReLU</a:t>
-            </a:r>
-            <a:r>
-              <a:rPr lang="en-US" sz="2400" dirty="0"/>
-              <a:t> </a:t>
-            </a:r>
-            <a:r>
-              <a:rPr lang="en-US" sz="2400" b="1" dirty="0"/>
-              <a:t>activation</a:t>
-            </a:r>
-            <a:r>
-              <a:rPr lang="en-US" sz="2400" dirty="0"/>
-              <a:t> was also used </a:t>
-            </a:r>
-            <a:r>
-              <a:rPr lang="en-US" sz="2400" b="1" dirty="0"/>
-              <a:t>between</a:t>
-            </a:r>
-            <a:r>
-              <a:rPr lang="en-US" sz="2400" dirty="0"/>
-              <a:t> the </a:t>
-            </a:r>
-            <a:r>
-              <a:rPr lang="en-US" sz="2400" b="1" dirty="0"/>
-              <a:t>convolution and dense layers</a:t>
-            </a:r>
-            <a:r>
-              <a:rPr lang="en-US" sz="2400" dirty="0"/>
-              <a:t>. </a:t>
-            </a:r>
-          </a:p>
-          <a:p>
-            <a:r>
-              <a:rPr lang="en-US" sz="2400" dirty="0"/>
-              <a:t>The resultant model was </a:t>
-            </a:r>
-            <a:r>
-              <a:rPr lang="en-US" sz="2400" b="1" dirty="0"/>
-              <a:t>optimized using Adam Optimizer</a:t>
-            </a:r>
-            <a:r>
-              <a:rPr lang="en-US" sz="2400" dirty="0"/>
-              <a:t>.</a:t>
-            </a:r>
-            <a:endParaRPr lang="en-IN" sz="2400" dirty="0"/>
-          </a:p>
-        </p:txBody>
-      </p:sp>
-    </p:spTree>
-    <p:extLst>
-      <p:ext uri="{BB962C8B-B14F-4D97-AF65-F5344CB8AC3E}">
-        <p14:creationId xmlns:p14="http://schemas.microsoft.com/office/powerpoint/2010/main" val="2720820063"/>
-      </p:ext>
-    </p:extLst>
-  </p:cSld>
-  <p:clrMapOvr>
-    <a:masterClrMapping/>
-  </p:clrMapOvr>
-  <p:transition spd="slow">
-    <p:wipe/>
-  </p:transition>
-</p:sld>
-</file>
-
 <file path=ppt/slides/slide9.xml><?xml version="1.0" encoding="utf-8"?>
 <p:sld xmlns:a="http://schemas.openxmlformats.org/drawingml/2006/main" xmlns:r="http://schemas.openxmlformats.org/officeDocument/2006/relationships" xmlns:p="http://schemas.openxmlformats.org/presentationml/2006/main">
   <p:cSld>
@@ -16420,7 +18161,7 @@
           <p:cNvPr id="2" name="Title 1">
             <a:extLst>
               <a:ext uri="{FF2B5EF4-FFF2-40B4-BE49-F238E27FC236}">
-                <a16:creationId xmlns:a16="http://schemas.microsoft.com/office/drawing/2014/main" id="{7C409AEB-B50D-B4B6-016E-43D71FEF573B}"/>
+                <a16:creationId xmlns:a16="http://schemas.microsoft.com/office/drawing/2014/main" id="{196359BA-3B59-F9DA-00B2-8851F1E13239}"/>
               </a:ext>
             </a:extLst>
           </p:cNvPr>
@@ -16431,65 +18172,182 @@
             <p:ph type="title"/>
           </p:nvPr>
         </p:nvSpPr>
-        <p:spPr/>
+        <p:spPr>
+          <a:xfrm>
+            <a:off x="758951" y="758952"/>
+            <a:ext cx="6245351" cy="944342"/>
+          </a:xfrm>
+        </p:spPr>
         <p:txBody>
           <a:bodyPr/>
           <a:lstStyle/>
           <a:p>
             <a:r>
-              <a:rPr lang="en-US" b="1" i="0" dirty="0"/>
-              <a:t>Design of the model</a:t>
-            </a:r>
-            <a:endParaRPr lang="en-IN" b="1" i="0" dirty="0"/>
+              <a:rPr lang="en-US" b="1" i="0" u="sng" dirty="0"/>
+              <a:t>Preprocessing</a:t>
+            </a:r>
+            <a:endParaRPr lang="en-IN" b="1" i="0" u="sng" dirty="0"/>
           </a:p>
         </p:txBody>
       </p:sp>
-      <p:pic>
-        <p:nvPicPr>
-          <p:cNvPr id="5" name="Content Placeholder 4">
+      <p:sp>
+        <p:nvSpPr>
+          <p:cNvPr id="3" name="Content Placeholder 2">
             <a:extLst>
               <a:ext uri="{FF2B5EF4-FFF2-40B4-BE49-F238E27FC236}">
-                <a16:creationId xmlns:a16="http://schemas.microsoft.com/office/drawing/2014/main" id="{A9F57988-6C0D-D0F3-8A86-0BE50635B4E9}"/>
+                <a16:creationId xmlns:a16="http://schemas.microsoft.com/office/drawing/2014/main" id="{8FFF0E96-B543-ED5B-2D73-A62072985654}"/>
               </a:ext>
             </a:extLst>
           </p:cNvPr>
-          <p:cNvPicPr>
-            <a:picLocks noGrp="1" noChangeAspect="1"/>
-          </p:cNvPicPr>
+          <p:cNvSpPr>
+            <a:spLocks noGrp="1"/>
+          </p:cNvSpPr>
           <p:nvPr>
             <p:ph idx="1"/>
           </p:nvPr>
-        </p:nvPicPr>
-        <p:blipFill>
-          <a:blip r:embed="rId2"/>
-          <a:stretch>
-            <a:fillRect/>
-          </a:stretch>
-        </p:blipFill>
+        </p:nvSpPr>
         <p:spPr>
           <a:xfrm>
-            <a:off x="5576047" y="315404"/>
-            <a:ext cx="4858870" cy="6443984"/>
+            <a:off x="642410" y="2040906"/>
+            <a:ext cx="9756649" cy="3409636"/>
           </a:xfrm>
-          <a:prstGeom prst="rect">
-            <a:avLst/>
-          </a:prstGeom>
-          <a:ln>
-            <a:noFill/>
-          </a:ln>
-          <a:effectLst>
-            <a:outerShdw blurRad="190500" algn="tl" rotWithShape="0">
-              <a:srgbClr val="000000">
-                <a:alpha val="70000"/>
-              </a:srgbClr>
-            </a:outerShdw>
-          </a:effectLst>
         </p:spPr>
-      </p:pic>
+        <p:txBody>
+          <a:bodyPr>
+            <a:normAutofit fontScale="92500" lnSpcReduction="20000"/>
+          </a:bodyPr>
+          <a:lstStyle/>
+          <a:p>
+            <a:pPr>
+              <a:buFont typeface="Wingdings" panose="05000000000000000000" pitchFamily="2" charset="2"/>
+              <a:buChar char="Ø"/>
+            </a:pPr>
+            <a:r>
+              <a:rPr lang="en-US" sz="2400" dirty="0"/>
+              <a:t>For our </a:t>
+            </a:r>
+            <a:r>
+              <a:rPr lang="en-US" sz="2400" b="1" dirty="0"/>
+              <a:t>CNN</a:t>
+            </a:r>
+            <a:r>
+              <a:rPr lang="en-US" sz="2400" dirty="0"/>
+              <a:t> to understand the writing style, language is not a restriction, so we pass patches of text having image size </a:t>
+            </a:r>
+            <a:r>
+              <a:rPr lang="en-US" sz="2400" b="1" dirty="0"/>
+              <a:t>113x113 pixels</a:t>
+            </a:r>
+            <a:r>
+              <a:rPr lang="en-US" sz="2400" dirty="0"/>
+              <a:t> from each sentence.  </a:t>
+            </a:r>
+          </a:p>
+          <a:p>
+            <a:pPr>
+              <a:buFont typeface="Wingdings" panose="05000000000000000000" pitchFamily="2" charset="2"/>
+              <a:buChar char="Ø"/>
+            </a:pPr>
+            <a:r>
+              <a:rPr lang="en-US" sz="2400" dirty="0"/>
+              <a:t>We </a:t>
+            </a:r>
+            <a:r>
+              <a:rPr lang="en-US" sz="2400" b="1" dirty="0"/>
+              <a:t>didn't break </a:t>
+            </a:r>
+            <a:r>
+              <a:rPr lang="en-US" sz="2400" dirty="0"/>
+              <a:t>them </a:t>
+            </a:r>
+            <a:r>
+              <a:rPr lang="en-US" sz="2400" b="1" dirty="0"/>
+              <a:t>w.r.t. sentences </a:t>
+            </a:r>
+            <a:r>
+              <a:rPr lang="en-US" sz="2400" dirty="0"/>
+              <a:t>or </a:t>
+            </a:r>
+            <a:r>
+              <a:rPr lang="en-US" sz="2400" b="1" dirty="0"/>
+              <a:t>words</a:t>
+            </a:r>
+            <a:r>
+              <a:rPr lang="en-US" sz="2400" dirty="0"/>
+              <a:t>, but we </a:t>
+            </a:r>
+            <a:r>
+              <a:rPr lang="en-US" sz="2400" b="1" dirty="0"/>
+              <a:t>break</a:t>
+            </a:r>
+            <a:r>
+              <a:rPr lang="en-US" sz="2400" dirty="0"/>
+              <a:t> them down into </a:t>
+            </a:r>
+            <a:r>
+              <a:rPr lang="en-US" sz="2400" b="1" dirty="0"/>
+              <a:t>smaller image sets</a:t>
+            </a:r>
+            <a:r>
+              <a:rPr lang="en-US" sz="2400" dirty="0"/>
+              <a:t>.</a:t>
+            </a:r>
+          </a:p>
+          <a:p>
+            <a:pPr>
+              <a:buFont typeface="Wingdings" panose="05000000000000000000" pitchFamily="2" charset="2"/>
+              <a:buChar char="Ø"/>
+            </a:pPr>
+            <a:r>
+              <a:rPr lang="en-US" sz="2400" dirty="0"/>
+              <a:t>For serving the purpose, a </a:t>
+            </a:r>
+            <a:r>
+              <a:rPr lang="en-US" sz="2400" b="1" dirty="0"/>
+              <a:t>generator function </a:t>
+            </a:r>
+            <a:r>
+              <a:rPr lang="en-US" sz="2400" dirty="0"/>
+              <a:t>is implemented to </a:t>
+            </a:r>
+            <a:r>
+              <a:rPr lang="en-US" sz="2400" b="1" dirty="0"/>
+              <a:t>scan through each sentence</a:t>
+            </a:r>
+            <a:r>
+              <a:rPr lang="en-US" sz="2400" dirty="0"/>
+              <a:t> and </a:t>
+            </a:r>
+            <a:r>
+              <a:rPr lang="en-US" sz="2400" b="1" dirty="0"/>
+              <a:t>generate random </a:t>
+            </a:r>
+            <a:r>
+              <a:rPr lang="en-US" sz="2400" dirty="0"/>
+              <a:t>patches with same patch size. </a:t>
+            </a:r>
+          </a:p>
+          <a:p>
+            <a:pPr>
+              <a:buFont typeface="Wingdings" panose="05000000000000000000" pitchFamily="2" charset="2"/>
+              <a:buChar char="Ø"/>
+            </a:pPr>
+            <a:r>
+              <a:rPr lang="en-US" sz="2400" b="1" dirty="0"/>
+              <a:t>Data-set</a:t>
+            </a:r>
+            <a:r>
+              <a:rPr lang="en-US" sz="2400" dirty="0"/>
+              <a:t> is shuffled.</a:t>
+            </a:r>
+            <a:endParaRPr lang="en-IN" sz="2400" dirty="0"/>
+          </a:p>
+        </p:txBody>
+      </p:sp>
     </p:spTree>
     <p:extLst>
       <p:ext uri="{BB962C8B-B14F-4D97-AF65-F5344CB8AC3E}">
-        <p14:creationId xmlns:p14="http://schemas.microsoft.com/office/powerpoint/2010/main" val="3650012956"/>
+        <p14:creationId xmlns:p14="http://schemas.microsoft.com/office/powerpoint/2010/main" val="207969933"/>
       </p:ext>
     </p:extLst>
   </p:cSld>
